--- a/Final_Presentation_Scala.pptx
+++ b/Final_Presentation_Scala.pptx
@@ -20,7 +20,10 @@
     <p:sldId id="266" r:id="rId14"/>
     <p:sldId id="267" r:id="rId15"/>
     <p:sldId id="268" r:id="rId16"/>
-    <p:sldId id="261" r:id="rId17"/>
+    <p:sldId id="273" r:id="rId17"/>
+    <p:sldId id="274" r:id="rId18"/>
+    <p:sldId id="275" r:id="rId19"/>
+    <p:sldId id="261" r:id="rId20"/>
   </p:sldIdLst>
   <p:sldSz cx="12192000" cy="6858000"/>
   <p:notesSz cx="6858000" cy="9144000"/>
@@ -3491,15 +3494,7 @@
           </a:pPr>
           <a:r>
             <a:rPr lang="en-US" dirty="0"/>
-            <a:t>The main challenge would be showcasing how </a:t>
-          </a:r>
-          <a:r>
-            <a:rPr lang="en-US" dirty="0" smtClean="0"/>
-            <a:t>Twitter feeds </a:t>
-          </a:r>
-          <a:r>
-            <a:rPr lang="en-US" dirty="0"/>
-            <a:t>affect the stock values (Using 3 companies)</a:t>
+            <a:t>The main challenge would be showcasing how Twitter feeds affect the stock values (Using 3 companies)</a:t>
           </a:r>
         </a:p>
       </dgm:t>
@@ -3526,55 +3521,6 @@
         </a:p>
       </dgm:t>
     </dgm:pt>
-    <dgm:pt modelId="{848B3F9A-E8D4-4B33-BE80-04F12CAB6D84}">
-      <dgm:prSet/>
-      <dgm:spPr/>
-      <dgm:t>
-        <a:bodyPr/>
-        <a:lstStyle/>
-        <a:p>
-          <a:pPr>
-            <a:lnSpc>
-              <a:spcPct val="100000"/>
-            </a:lnSpc>
-          </a:pPr>
-          <a:r>
-            <a:rPr lang="en-US" dirty="0"/>
-            <a:t>We need to get proper news feeds of a respective companies from social </a:t>
-          </a:r>
-          <a:r>
-            <a:rPr lang="en-US" dirty="0" smtClean="0"/>
-            <a:t>media(Twitter) which </a:t>
-          </a:r>
-          <a:r>
-            <a:rPr lang="en-US" dirty="0"/>
-            <a:t>needs to be checked for authenticity to check their influence on the stock value.  </a:t>
-          </a:r>
-        </a:p>
-      </dgm:t>
-    </dgm:pt>
-    <dgm:pt modelId="{8AC0ACC4-B676-463C-AF9B-F5ABCFBD7366}" type="parTrans" cxnId="{36ADB75D-4801-432A-B4AC-0EE30A90A9B4}">
-      <dgm:prSet/>
-      <dgm:spPr/>
-      <dgm:t>
-        <a:bodyPr/>
-        <a:lstStyle/>
-        <a:p>
-          <a:endParaRPr lang="en-US"/>
-        </a:p>
-      </dgm:t>
-    </dgm:pt>
-    <dgm:pt modelId="{D6AB1EB4-0D59-437A-B27A-FEB00EE41455}" type="sibTrans" cxnId="{36ADB75D-4801-432A-B4AC-0EE30A90A9B4}">
-      <dgm:prSet/>
-      <dgm:spPr/>
-      <dgm:t>
-        <a:bodyPr/>
-        <a:lstStyle/>
-        <a:p>
-          <a:endParaRPr lang="en-US"/>
-        </a:p>
-      </dgm:t>
-    </dgm:pt>
     <dgm:pt modelId="{E80E2157-FDAA-4167-A070-1D3742B3D6CB}">
       <dgm:prSet/>
       <dgm:spPr/>
@@ -3589,27 +3535,22 @@
           </a:pPr>
           <a:r>
             <a:rPr lang="en-US" dirty="0"/>
-            <a:t>Prediction ranges </a:t>
-          </a:r>
-          <a:r>
-            <a:rPr lang="en-US" dirty="0" smtClean="0"/>
-            <a:t>:                                                         1) Small gain or lose(Small change 2%)</a:t>
+            <a:t>Prediction ranges :                                                         1) Small gain or lose(Small change 2%)</a:t>
           </a:r>
           <a:br>
-            <a:rPr lang="en-US" dirty="0" smtClean="0"/>
+            <a:rPr lang="en-US" dirty="0"/>
           </a:br>
           <a:r>
-            <a:rPr lang="en-US" dirty="0" smtClean="0"/>
+            <a:rPr lang="en-US" dirty="0"/>
             <a:t>2) Neutral (No Change in Stock value)</a:t>
           </a:r>
           <a:br>
-            <a:rPr lang="en-US" dirty="0" smtClean="0"/>
+            <a:rPr lang="en-US" dirty="0"/>
           </a:br>
           <a:r>
-            <a:rPr lang="en-US" dirty="0" smtClean="0"/>
+            <a:rPr lang="en-US" dirty="0"/>
             <a:t>3) Large gain or lose (Large change 10%)</a:t>
           </a:r>
-          <a:endParaRPr lang="en-US" dirty="0"/>
         </a:p>
       </dgm:t>
     </dgm:pt>
@@ -3642,23 +3583,27 @@
         <a:bodyPr/>
         <a:lstStyle/>
         <a:p>
+          <a:pPr>
+            <a:lnSpc>
+              <a:spcPct val="100000"/>
+            </a:lnSpc>
+          </a:pPr>
           <a:r>
-            <a:rPr lang="en-US" b="1" dirty="0" smtClean="0"/>
+            <a:rPr lang="en-US" b="1" dirty="0"/>
             <a:t>Reactive Application! </a:t>
           </a:r>
           <a:r>
-            <a:rPr lang="en-US" dirty="0" smtClean="0"/>
+            <a:rPr lang="en-US" dirty="0"/>
             <a:t>Used </a:t>
           </a:r>
           <a:r>
-            <a:rPr lang="en-US" b="1" dirty="0" smtClean="0"/>
+            <a:rPr lang="en-US" b="1" dirty="0"/>
             <a:t>PLAY</a:t>
           </a:r>
           <a:r>
-            <a:rPr lang="en-US" dirty="0" smtClean="0"/>
+            <a:rPr lang="en-US" dirty="0"/>
             <a:t> framework.                 We were also able to compute to suggest to predict future trends for the particular stock.</a:t>
           </a:r>
-          <a:endParaRPr lang="en-US" dirty="0"/>
         </a:p>
       </dgm:t>
     </dgm:pt>
@@ -3692,24 +3637,17 @@
         </dgm:presLayoutVars>
       </dgm:prSet>
       <dgm:spPr/>
-      <dgm:t>
-        <a:bodyPr/>
-        <a:lstStyle/>
-        <a:p>
-          <a:endParaRPr lang="en-US"/>
-        </a:p>
-      </dgm:t>
     </dgm:pt>
     <dgm:pt modelId="{0551A222-3DE0-46C2-828C-F3B8410E7483}" type="pres">
       <dgm:prSet presAssocID="{ED3475F9-D5EA-449D-9011-F02E767504C6}" presName="compNode" presStyleCnt="0"/>
       <dgm:spPr/>
     </dgm:pt>
     <dgm:pt modelId="{D74513E7-C625-441B-95A9-B9F71C84C8A2}" type="pres">
-      <dgm:prSet presAssocID="{ED3475F9-D5EA-449D-9011-F02E767504C6}" presName="bgRect" presStyleLbl="bgShp" presStyleIdx="0" presStyleCnt="4" custLinFactNeighborX="150"/>
+      <dgm:prSet presAssocID="{ED3475F9-D5EA-449D-9011-F02E767504C6}" presName="bgRect" presStyleLbl="bgShp" presStyleIdx="0" presStyleCnt="3" custLinFactNeighborX="150"/>
       <dgm:spPr/>
     </dgm:pt>
     <dgm:pt modelId="{220EBEAD-2059-4704-91D1-EAF340AA4DDC}" type="pres">
-      <dgm:prSet presAssocID="{ED3475F9-D5EA-449D-9011-F02E767504C6}" presName="iconRect" presStyleLbl="node1" presStyleIdx="0" presStyleCnt="4"/>
+      <dgm:prSet presAssocID="{ED3475F9-D5EA-449D-9011-F02E767504C6}" presName="iconRect" presStyleLbl="node1" presStyleIdx="0" presStyleCnt="3"/>
       <dgm:spPr>
         <a:blipFill>
           <a:blip xmlns:r="http://schemas.openxmlformats.org/officeDocument/2006/relationships" r:embed="rId1">
@@ -3718,7 +3656,7 @@
                 <a14:useLocalDpi xmlns:a14="http://schemas.microsoft.com/office/drawing/2010/main" val="0"/>
               </a:ext>
               <a:ext uri="{96DAC541-7B7A-43D3-8B79-37D633B846F1}">
-                <asvg:svgBlip xmlns:asvg="http://schemas.microsoft.com/office/drawing/2016/SVG/main" xmlns="" r:embed="rId2"/>
+                <asvg:svgBlip xmlns:asvg="http://schemas.microsoft.com/office/drawing/2016/SVG/main" r:embed="rId2"/>
               </a:ext>
             </a:extLst>
           </a:blip>
@@ -3730,13 +3668,6 @@
           <a:noFill/>
         </a:ln>
       </dgm:spPr>
-      <dgm:t>
-        <a:bodyPr/>
-        <a:lstStyle/>
-        <a:p>
-          <a:endParaRPr lang="en-US"/>
-        </a:p>
-      </dgm:t>
       <dgm:extLst>
         <a:ext uri="{E40237B7-FDA0-4F09-8148-C483321AD2D9}">
           <dgm14:cNvPr xmlns:dgm14="http://schemas.microsoft.com/office/drawing/2010/diagram" id="0" name="" descr="Upward trend"/>
@@ -3748,90 +3679,16 @@
       <dgm:spPr/>
     </dgm:pt>
     <dgm:pt modelId="{BF7A60A1-43A8-4788-9F7A-47A89F82169B}" type="pres">
-      <dgm:prSet presAssocID="{ED3475F9-D5EA-449D-9011-F02E767504C6}" presName="parTx" presStyleLbl="revTx" presStyleIdx="0" presStyleCnt="4">
+      <dgm:prSet presAssocID="{ED3475F9-D5EA-449D-9011-F02E767504C6}" presName="parTx" presStyleLbl="revTx" presStyleIdx="0" presStyleCnt="3">
         <dgm:presLayoutVars>
           <dgm:chMax val="0"/>
           <dgm:chPref val="0"/>
         </dgm:presLayoutVars>
       </dgm:prSet>
       <dgm:spPr/>
-      <dgm:t>
-        <a:bodyPr/>
-        <a:lstStyle/>
-        <a:p>
-          <a:endParaRPr lang="en-US"/>
-        </a:p>
-      </dgm:t>
     </dgm:pt>
     <dgm:pt modelId="{57B19EBE-19A3-4A2A-BD4D-8008CBDA54DC}" type="pres">
       <dgm:prSet presAssocID="{A2DBBF3F-0850-43FD-A077-00F22C2E4500}" presName="sibTrans" presStyleCnt="0"/>
-      <dgm:spPr/>
-    </dgm:pt>
-    <dgm:pt modelId="{24EFC3E5-09AB-454E-8C2C-44E1BA52671A}" type="pres">
-      <dgm:prSet presAssocID="{848B3F9A-E8D4-4B33-BE80-04F12CAB6D84}" presName="compNode" presStyleCnt="0"/>
-      <dgm:spPr/>
-    </dgm:pt>
-    <dgm:pt modelId="{548C1A80-5831-4108-8474-1AA32939B08F}" type="pres">
-      <dgm:prSet presAssocID="{848B3F9A-E8D4-4B33-BE80-04F12CAB6D84}" presName="bgRect" presStyleLbl="bgShp" presStyleIdx="1" presStyleCnt="4"/>
-      <dgm:spPr/>
-    </dgm:pt>
-    <dgm:pt modelId="{03C744B8-1CBD-4D42-800A-31CB35231F91}" type="pres">
-      <dgm:prSet presAssocID="{848B3F9A-E8D4-4B33-BE80-04F12CAB6D84}" presName="iconRect" presStyleLbl="node1" presStyleIdx="1" presStyleCnt="4"/>
-      <dgm:spPr>
-        <a:blipFill>
-          <a:blip xmlns:r="http://schemas.openxmlformats.org/officeDocument/2006/relationships" r:embed="rId3">
-            <a:extLst>
-              <a:ext uri="{28A0092B-C50C-407E-A947-70E740481C1C}">
-                <a14:useLocalDpi xmlns:a14="http://schemas.microsoft.com/office/drawing/2010/main" val="0"/>
-              </a:ext>
-              <a:ext uri="{96DAC541-7B7A-43D3-8B79-37D633B846F1}">
-                <asvg:svgBlip xmlns:asvg="http://schemas.microsoft.com/office/drawing/2016/SVG/main" xmlns="" r:embed="rId4"/>
-              </a:ext>
-            </a:extLst>
-          </a:blip>
-          <a:stretch>
-            <a:fillRect/>
-          </a:stretch>
-        </a:blipFill>
-        <a:ln>
-          <a:noFill/>
-        </a:ln>
-      </dgm:spPr>
-      <dgm:t>
-        <a:bodyPr/>
-        <a:lstStyle/>
-        <a:p>
-          <a:endParaRPr lang="en-US"/>
-        </a:p>
-      </dgm:t>
-      <dgm:extLst>
-        <a:ext uri="{E40237B7-FDA0-4F09-8148-C483321AD2D9}">
-          <dgm14:cNvPr xmlns:dgm14="http://schemas.microsoft.com/office/drawing/2010/diagram" id="0" name="" descr="Checkmark"/>
-        </a:ext>
-      </dgm:extLst>
-    </dgm:pt>
-    <dgm:pt modelId="{8E0F4EE5-43ED-4110-8007-04A8FCB42669}" type="pres">
-      <dgm:prSet presAssocID="{848B3F9A-E8D4-4B33-BE80-04F12CAB6D84}" presName="spaceRect" presStyleCnt="0"/>
-      <dgm:spPr/>
-    </dgm:pt>
-    <dgm:pt modelId="{71D40086-BF1F-4DCA-B096-5D93A0862CAE}" type="pres">
-      <dgm:prSet presAssocID="{848B3F9A-E8D4-4B33-BE80-04F12CAB6D84}" presName="parTx" presStyleLbl="revTx" presStyleIdx="1" presStyleCnt="4">
-        <dgm:presLayoutVars>
-          <dgm:chMax val="0"/>
-          <dgm:chPref val="0"/>
-        </dgm:presLayoutVars>
-      </dgm:prSet>
-      <dgm:spPr/>
-      <dgm:t>
-        <a:bodyPr/>
-        <a:lstStyle/>
-        <a:p>
-          <a:endParaRPr lang="en-US"/>
-        </a:p>
-      </dgm:t>
-    </dgm:pt>
-    <dgm:pt modelId="{BDD0CD97-9DFC-421A-AEDF-98B25D39F091}" type="pres">
-      <dgm:prSet presAssocID="{D6AB1EB4-0D59-437A-B27A-FEB00EE41455}" presName="sibTrans" presStyleCnt="0"/>
       <dgm:spPr/>
     </dgm:pt>
     <dgm:pt modelId="{49E55BA3-E980-4505-BB8F-5D0DC8ED5A70}" type="pres">
@@ -3839,11 +3696,11 @@
       <dgm:spPr/>
     </dgm:pt>
     <dgm:pt modelId="{AB866788-43E9-4301-A7EB-A481A3158E89}" type="pres">
-      <dgm:prSet presAssocID="{E80E2157-FDAA-4167-A070-1D3742B3D6CB}" presName="bgRect" presStyleLbl="bgShp" presStyleIdx="2" presStyleCnt="4"/>
+      <dgm:prSet presAssocID="{E80E2157-FDAA-4167-A070-1D3742B3D6CB}" presName="bgRect" presStyleLbl="bgShp" presStyleIdx="1" presStyleCnt="3"/>
       <dgm:spPr/>
     </dgm:pt>
     <dgm:pt modelId="{B520ADEE-94D1-4D35-A24F-9464C4652AED}" type="pres">
-      <dgm:prSet presAssocID="{E80E2157-FDAA-4167-A070-1D3742B3D6CB}" presName="iconRect" presStyleLbl="node1" presStyleIdx="2" presStyleCnt="4"/>
+      <dgm:prSet presAssocID="{E80E2157-FDAA-4167-A070-1D3742B3D6CB}" presName="iconRect" presStyleLbl="node1" presStyleIdx="1" presStyleCnt="3"/>
       <dgm:spPr>
         <a:blipFill rotWithShape="1">
           <a:blip xmlns:r="http://schemas.openxmlformats.org/officeDocument/2006/relationships" r:embed="rId3">
@@ -3852,7 +3709,7 @@
                 <a14:useLocalDpi xmlns:a14="http://schemas.microsoft.com/office/drawing/2010/main" val="0"/>
               </a:ext>
               <a:ext uri="{96DAC541-7B7A-43D3-8B79-37D633B846F1}">
-                <asvg:svgBlip xmlns:asvg="http://schemas.microsoft.com/office/drawing/2016/SVG/main" xmlns="" r:embed="rId4"/>
+                <asvg:svgBlip xmlns:asvg="http://schemas.microsoft.com/office/drawing/2016/SVG/main" r:embed="rId4"/>
               </a:ext>
             </a:extLst>
           </a:blip>
@@ -3862,33 +3719,19 @@
           </a:stretch>
         </a:blipFill>
       </dgm:spPr>
-      <dgm:t>
-        <a:bodyPr/>
-        <a:lstStyle/>
-        <a:p>
-          <a:endParaRPr lang="en-US"/>
-        </a:p>
-      </dgm:t>
     </dgm:pt>
     <dgm:pt modelId="{D2CBC8EB-C9C2-4197-A959-C9F0DEB47375}" type="pres">
       <dgm:prSet presAssocID="{E80E2157-FDAA-4167-A070-1D3742B3D6CB}" presName="spaceRect" presStyleCnt="0"/>
       <dgm:spPr/>
     </dgm:pt>
     <dgm:pt modelId="{604F7D39-1CA8-4DA9-8554-D02CD3E0F702}" type="pres">
-      <dgm:prSet presAssocID="{E80E2157-FDAA-4167-A070-1D3742B3D6CB}" presName="parTx" presStyleLbl="revTx" presStyleIdx="2" presStyleCnt="4">
+      <dgm:prSet presAssocID="{E80E2157-FDAA-4167-A070-1D3742B3D6CB}" presName="parTx" presStyleLbl="revTx" presStyleIdx="1" presStyleCnt="3">
         <dgm:presLayoutVars>
           <dgm:chMax val="0"/>
           <dgm:chPref val="0"/>
         </dgm:presLayoutVars>
       </dgm:prSet>
       <dgm:spPr/>
-      <dgm:t>
-        <a:bodyPr/>
-        <a:lstStyle/>
-        <a:p>
-          <a:endParaRPr lang="en-US"/>
-        </a:p>
-      </dgm:t>
     </dgm:pt>
     <dgm:pt modelId="{F151CACB-36AB-2742-A58D-3E4C41712AD1}" type="pres">
       <dgm:prSet presAssocID="{176637F0-157D-42DB-9E2C-EB8E51136170}" presName="sibTrans" presStyleCnt="0"/>
@@ -3899,11 +3742,11 @@
       <dgm:spPr/>
     </dgm:pt>
     <dgm:pt modelId="{67D1901F-B571-6146-9622-1749C5A45F7C}" type="pres">
-      <dgm:prSet presAssocID="{6DE48812-C4F1-A945-A98A-10C3795FBF6F}" presName="bgRect" presStyleLbl="bgShp" presStyleIdx="3" presStyleCnt="4"/>
+      <dgm:prSet presAssocID="{6DE48812-C4F1-A945-A98A-10C3795FBF6F}" presName="bgRect" presStyleLbl="bgShp" presStyleIdx="2" presStyleCnt="3"/>
       <dgm:spPr/>
     </dgm:pt>
     <dgm:pt modelId="{BD925DB3-F032-E64D-AA80-BD485F1474BE}" type="pres">
-      <dgm:prSet presAssocID="{6DE48812-C4F1-A945-A98A-10C3795FBF6F}" presName="iconRect" presStyleLbl="node1" presStyleIdx="3" presStyleCnt="4"/>
+      <dgm:prSet presAssocID="{6DE48812-C4F1-A945-A98A-10C3795FBF6F}" presName="iconRect" presStyleLbl="node1" presStyleIdx="2" presStyleCnt="3"/>
       <dgm:spPr>
         <a:blipFill rotWithShape="1">
           <a:blip xmlns:r="http://schemas.openxmlformats.org/officeDocument/2006/relationships" r:embed="rId5"/>
@@ -3912,64 +3755,42 @@
           </a:stretch>
         </a:blipFill>
       </dgm:spPr>
-      <dgm:t>
-        <a:bodyPr/>
-        <a:lstStyle/>
-        <a:p>
-          <a:endParaRPr lang="en-US"/>
-        </a:p>
-      </dgm:t>
     </dgm:pt>
     <dgm:pt modelId="{19B52EA8-E6CC-B64E-ACC6-7B999F77636C}" type="pres">
       <dgm:prSet presAssocID="{6DE48812-C4F1-A945-A98A-10C3795FBF6F}" presName="spaceRect" presStyleCnt="0"/>
       <dgm:spPr/>
     </dgm:pt>
     <dgm:pt modelId="{28F2408A-369D-7343-9BDE-279B7A9157F8}" type="pres">
-      <dgm:prSet presAssocID="{6DE48812-C4F1-A945-A98A-10C3795FBF6F}" presName="parTx" presStyleLbl="revTx" presStyleIdx="3" presStyleCnt="4">
+      <dgm:prSet presAssocID="{6DE48812-C4F1-A945-A98A-10C3795FBF6F}" presName="parTx" presStyleLbl="revTx" presStyleIdx="2" presStyleCnt="3">
         <dgm:presLayoutVars>
           <dgm:chMax val="0"/>
           <dgm:chPref val="0"/>
         </dgm:presLayoutVars>
       </dgm:prSet>
       <dgm:spPr/>
-      <dgm:t>
-        <a:bodyPr/>
-        <a:lstStyle/>
-        <a:p>
-          <a:endParaRPr lang="en-US"/>
-        </a:p>
-      </dgm:t>
     </dgm:pt>
   </dgm:ptLst>
   <dgm:cxnLst>
     <dgm:cxn modelId="{B8E23823-C284-447F-807D-34A2EF140C9E}" type="presOf" srcId="{E80E2157-FDAA-4167-A070-1D3742B3D6CB}" destId="{604F7D39-1CA8-4DA9-8554-D02CD3E0F702}" srcOrd="0" destOrd="0" presId="urn:microsoft.com/office/officeart/2018/2/layout/IconVerticalSolidList"/>
+    <dgm:cxn modelId="{AAB8BE47-4E3C-4501-A394-6E272C7759C8}" srcId="{98C4C71F-7B50-4F7D-80EC-7BCF034DA859}" destId="{E80E2157-FDAA-4167-A070-1D3742B3D6CB}" srcOrd="1" destOrd="0" parTransId="{C8901E84-4C1C-4809-8A80-C275F0F3DBF6}" sibTransId="{176637F0-157D-42DB-9E2C-EB8E51136170}"/>
+    <dgm:cxn modelId="{70590A6E-7E9D-5C4D-82AE-2800FC6D170B}" type="presOf" srcId="{6DE48812-C4F1-A945-A98A-10C3795FBF6F}" destId="{28F2408A-369D-7343-9BDE-279B7A9157F8}" srcOrd="0" destOrd="0" presId="urn:microsoft.com/office/officeart/2018/2/layout/IconVerticalSolidList"/>
+    <dgm:cxn modelId="{5A8FCE86-A975-C740-AE35-D0E4284E64E0}" srcId="{98C4C71F-7B50-4F7D-80EC-7BCF034DA859}" destId="{6DE48812-C4F1-A945-A98A-10C3795FBF6F}" srcOrd="2" destOrd="0" parTransId="{98F8E7A0-EC6F-7C41-AE43-662AFF24F163}" sibTransId="{79214169-5C44-0043-B26C-43128067DCC0}"/>
     <dgm:cxn modelId="{EDB357C5-FBD5-4CBF-ADFC-F4243CAE0414}" srcId="{98C4C71F-7B50-4F7D-80EC-7BCF034DA859}" destId="{ED3475F9-D5EA-449D-9011-F02E767504C6}" srcOrd="0" destOrd="0" parTransId="{92773981-DFB8-4406-8A19-25723B723801}" sibTransId="{A2DBBF3F-0850-43FD-A077-00F22C2E4500}"/>
-    <dgm:cxn modelId="{5A8FCE86-A975-C740-AE35-D0E4284E64E0}" srcId="{98C4C71F-7B50-4F7D-80EC-7BCF034DA859}" destId="{6DE48812-C4F1-A945-A98A-10C3795FBF6F}" srcOrd="3" destOrd="0" parTransId="{98F8E7A0-EC6F-7C41-AE43-662AFF24F163}" sibTransId="{79214169-5C44-0043-B26C-43128067DCC0}"/>
+    <dgm:cxn modelId="{952322D4-CF3F-4D42-8918-B57492622B9B}" type="presOf" srcId="{98C4C71F-7B50-4F7D-80EC-7BCF034DA859}" destId="{4E0D3C9C-99FD-4C4F-BF25-502D33F5ED4B}" srcOrd="0" destOrd="0" presId="urn:microsoft.com/office/officeart/2018/2/layout/IconVerticalSolidList"/>
     <dgm:cxn modelId="{8AA228F7-9609-4DCC-937D-C34F20582897}" type="presOf" srcId="{ED3475F9-D5EA-449D-9011-F02E767504C6}" destId="{BF7A60A1-43A8-4788-9F7A-47A89F82169B}" srcOrd="0" destOrd="0" presId="urn:microsoft.com/office/officeart/2018/2/layout/IconVerticalSolidList"/>
-    <dgm:cxn modelId="{AAB8BE47-4E3C-4501-A394-6E272C7759C8}" srcId="{98C4C71F-7B50-4F7D-80EC-7BCF034DA859}" destId="{E80E2157-FDAA-4167-A070-1D3742B3D6CB}" srcOrd="2" destOrd="0" parTransId="{C8901E84-4C1C-4809-8A80-C275F0F3DBF6}" sibTransId="{176637F0-157D-42DB-9E2C-EB8E51136170}"/>
-    <dgm:cxn modelId="{1BB5F350-590B-4A0C-B708-E1CF5FB2E522}" type="presOf" srcId="{848B3F9A-E8D4-4B33-BE80-04F12CAB6D84}" destId="{71D40086-BF1F-4DCA-B096-5D93A0862CAE}" srcOrd="0" destOrd="0" presId="urn:microsoft.com/office/officeart/2018/2/layout/IconVerticalSolidList"/>
-    <dgm:cxn modelId="{70590A6E-7E9D-5C4D-82AE-2800FC6D170B}" type="presOf" srcId="{6DE48812-C4F1-A945-A98A-10C3795FBF6F}" destId="{28F2408A-369D-7343-9BDE-279B7A9157F8}" srcOrd="0" destOrd="0" presId="urn:microsoft.com/office/officeart/2018/2/layout/IconVerticalSolidList"/>
-    <dgm:cxn modelId="{36ADB75D-4801-432A-B4AC-0EE30A90A9B4}" srcId="{98C4C71F-7B50-4F7D-80EC-7BCF034DA859}" destId="{848B3F9A-E8D4-4B33-BE80-04F12CAB6D84}" srcOrd="1" destOrd="0" parTransId="{8AC0ACC4-B676-463C-AF9B-F5ABCFBD7366}" sibTransId="{D6AB1EB4-0D59-437A-B27A-FEB00EE41455}"/>
-    <dgm:cxn modelId="{952322D4-CF3F-4D42-8918-B57492622B9B}" type="presOf" srcId="{98C4C71F-7B50-4F7D-80EC-7BCF034DA859}" destId="{4E0D3C9C-99FD-4C4F-BF25-502D33F5ED4B}" srcOrd="0" destOrd="0" presId="urn:microsoft.com/office/officeart/2018/2/layout/IconVerticalSolidList"/>
     <dgm:cxn modelId="{B0A7DE69-3243-44E3-BD8F-3A0D6D813058}" type="presParOf" srcId="{4E0D3C9C-99FD-4C4F-BF25-502D33F5ED4B}" destId="{0551A222-3DE0-46C2-828C-F3B8410E7483}" srcOrd="0" destOrd="0" presId="urn:microsoft.com/office/officeart/2018/2/layout/IconVerticalSolidList"/>
     <dgm:cxn modelId="{51775C77-AA03-4C22-8DE1-232FA04151F0}" type="presParOf" srcId="{0551A222-3DE0-46C2-828C-F3B8410E7483}" destId="{D74513E7-C625-441B-95A9-B9F71C84C8A2}" srcOrd="0" destOrd="0" presId="urn:microsoft.com/office/officeart/2018/2/layout/IconVerticalSolidList"/>
     <dgm:cxn modelId="{92760F05-1CC4-4051-BFFA-7C2791F5C8D7}" type="presParOf" srcId="{0551A222-3DE0-46C2-828C-F3B8410E7483}" destId="{220EBEAD-2059-4704-91D1-EAF340AA4DDC}" srcOrd="1" destOrd="0" presId="urn:microsoft.com/office/officeart/2018/2/layout/IconVerticalSolidList"/>
     <dgm:cxn modelId="{228AEF54-C910-4B37-A0AF-A36A5EDF86D3}" type="presParOf" srcId="{0551A222-3DE0-46C2-828C-F3B8410E7483}" destId="{DADB5A03-AC2E-44EA-8600-E27123648682}" srcOrd="2" destOrd="0" presId="urn:microsoft.com/office/officeart/2018/2/layout/IconVerticalSolidList"/>
     <dgm:cxn modelId="{4CDA8B5D-887B-456A-8C98-06D41C382C44}" type="presParOf" srcId="{0551A222-3DE0-46C2-828C-F3B8410E7483}" destId="{BF7A60A1-43A8-4788-9F7A-47A89F82169B}" srcOrd="3" destOrd="0" presId="urn:microsoft.com/office/officeart/2018/2/layout/IconVerticalSolidList"/>
     <dgm:cxn modelId="{1F2818CD-97C3-4122-81F5-84180802A1B9}" type="presParOf" srcId="{4E0D3C9C-99FD-4C4F-BF25-502D33F5ED4B}" destId="{57B19EBE-19A3-4A2A-BD4D-8008CBDA54DC}" srcOrd="1" destOrd="0" presId="urn:microsoft.com/office/officeart/2018/2/layout/IconVerticalSolidList"/>
-    <dgm:cxn modelId="{C462E5F2-06C4-4166-8944-F2CEF23E3FDD}" type="presParOf" srcId="{4E0D3C9C-99FD-4C4F-BF25-502D33F5ED4B}" destId="{24EFC3E5-09AB-454E-8C2C-44E1BA52671A}" srcOrd="2" destOrd="0" presId="urn:microsoft.com/office/officeart/2018/2/layout/IconVerticalSolidList"/>
-    <dgm:cxn modelId="{2C668A42-5BA7-4623-B4C8-58525527D49E}" type="presParOf" srcId="{24EFC3E5-09AB-454E-8C2C-44E1BA52671A}" destId="{548C1A80-5831-4108-8474-1AA32939B08F}" srcOrd="0" destOrd="0" presId="urn:microsoft.com/office/officeart/2018/2/layout/IconVerticalSolidList"/>
-    <dgm:cxn modelId="{C47F32A5-9BA0-4C64-B4D0-7CC6995ECD97}" type="presParOf" srcId="{24EFC3E5-09AB-454E-8C2C-44E1BA52671A}" destId="{03C744B8-1CBD-4D42-800A-31CB35231F91}" srcOrd="1" destOrd="0" presId="urn:microsoft.com/office/officeart/2018/2/layout/IconVerticalSolidList"/>
-    <dgm:cxn modelId="{06B30C8E-061F-40CB-962E-5779DEEE3853}" type="presParOf" srcId="{24EFC3E5-09AB-454E-8C2C-44E1BA52671A}" destId="{8E0F4EE5-43ED-4110-8007-04A8FCB42669}" srcOrd="2" destOrd="0" presId="urn:microsoft.com/office/officeart/2018/2/layout/IconVerticalSolidList"/>
-    <dgm:cxn modelId="{02B88A70-00D1-4EA7-B89C-BA273AB5E16E}" type="presParOf" srcId="{24EFC3E5-09AB-454E-8C2C-44E1BA52671A}" destId="{71D40086-BF1F-4DCA-B096-5D93A0862CAE}" srcOrd="3" destOrd="0" presId="urn:microsoft.com/office/officeart/2018/2/layout/IconVerticalSolidList"/>
-    <dgm:cxn modelId="{3DF323D9-0E85-4E8B-9397-159445BB61EF}" type="presParOf" srcId="{4E0D3C9C-99FD-4C4F-BF25-502D33F5ED4B}" destId="{BDD0CD97-9DFC-421A-AEDF-98B25D39F091}" srcOrd="3" destOrd="0" presId="urn:microsoft.com/office/officeart/2018/2/layout/IconVerticalSolidList"/>
-    <dgm:cxn modelId="{7967894A-866F-4706-869F-1EDFB7348562}" type="presParOf" srcId="{4E0D3C9C-99FD-4C4F-BF25-502D33F5ED4B}" destId="{49E55BA3-E980-4505-BB8F-5D0DC8ED5A70}" srcOrd="4" destOrd="0" presId="urn:microsoft.com/office/officeart/2018/2/layout/IconVerticalSolidList"/>
+    <dgm:cxn modelId="{7967894A-866F-4706-869F-1EDFB7348562}" type="presParOf" srcId="{4E0D3C9C-99FD-4C4F-BF25-502D33F5ED4B}" destId="{49E55BA3-E980-4505-BB8F-5D0DC8ED5A70}" srcOrd="2" destOrd="0" presId="urn:microsoft.com/office/officeart/2018/2/layout/IconVerticalSolidList"/>
     <dgm:cxn modelId="{D972B2AE-00A5-4D68-9ED7-01974A651511}" type="presParOf" srcId="{49E55BA3-E980-4505-BB8F-5D0DC8ED5A70}" destId="{AB866788-43E9-4301-A7EB-A481A3158E89}" srcOrd="0" destOrd="0" presId="urn:microsoft.com/office/officeart/2018/2/layout/IconVerticalSolidList"/>
     <dgm:cxn modelId="{7D74BC31-1261-4E19-B3FA-487DB345B2AF}" type="presParOf" srcId="{49E55BA3-E980-4505-BB8F-5D0DC8ED5A70}" destId="{B520ADEE-94D1-4D35-A24F-9464C4652AED}" srcOrd="1" destOrd="0" presId="urn:microsoft.com/office/officeart/2018/2/layout/IconVerticalSolidList"/>
     <dgm:cxn modelId="{F91AD59B-AF56-44DB-A6F0-124D45B85D14}" type="presParOf" srcId="{49E55BA3-E980-4505-BB8F-5D0DC8ED5A70}" destId="{D2CBC8EB-C9C2-4197-A959-C9F0DEB47375}" srcOrd="2" destOrd="0" presId="urn:microsoft.com/office/officeart/2018/2/layout/IconVerticalSolidList"/>
     <dgm:cxn modelId="{1966348F-2E05-45BC-9354-3A3B5C18F98D}" type="presParOf" srcId="{49E55BA3-E980-4505-BB8F-5D0DC8ED5A70}" destId="{604F7D39-1CA8-4DA9-8554-D02CD3E0F702}" srcOrd="3" destOrd="0" presId="urn:microsoft.com/office/officeart/2018/2/layout/IconVerticalSolidList"/>
-    <dgm:cxn modelId="{E11DC4C7-76FE-0547-8D0E-2D3CF42CA554}" type="presParOf" srcId="{4E0D3C9C-99FD-4C4F-BF25-502D33F5ED4B}" destId="{F151CACB-36AB-2742-A58D-3E4C41712AD1}" srcOrd="5" destOrd="0" presId="urn:microsoft.com/office/officeart/2018/2/layout/IconVerticalSolidList"/>
-    <dgm:cxn modelId="{52868988-4D1C-524E-BB47-99A6103B7E39}" type="presParOf" srcId="{4E0D3C9C-99FD-4C4F-BF25-502D33F5ED4B}" destId="{A19199C7-A3D1-D343-9DAA-0D118217DD32}" srcOrd="6" destOrd="0" presId="urn:microsoft.com/office/officeart/2018/2/layout/IconVerticalSolidList"/>
+    <dgm:cxn modelId="{E11DC4C7-76FE-0547-8D0E-2D3CF42CA554}" type="presParOf" srcId="{4E0D3C9C-99FD-4C4F-BF25-502D33F5ED4B}" destId="{F151CACB-36AB-2742-A58D-3E4C41712AD1}" srcOrd="3" destOrd="0" presId="urn:microsoft.com/office/officeart/2018/2/layout/IconVerticalSolidList"/>
+    <dgm:cxn modelId="{52868988-4D1C-524E-BB47-99A6103B7E39}" type="presParOf" srcId="{4E0D3C9C-99FD-4C4F-BF25-502D33F5ED4B}" destId="{A19199C7-A3D1-D343-9DAA-0D118217DD32}" srcOrd="4" destOrd="0" presId="urn:microsoft.com/office/officeart/2018/2/layout/IconVerticalSolidList"/>
     <dgm:cxn modelId="{B5941F0D-C27C-8B48-9B72-FEB7E9CCF5D3}" type="presParOf" srcId="{A19199C7-A3D1-D343-9DAA-0D118217DD32}" destId="{67D1901F-B571-6146-9622-1749C5A45F7C}" srcOrd="0" destOrd="0" presId="urn:microsoft.com/office/officeart/2018/2/layout/IconVerticalSolidList"/>
     <dgm:cxn modelId="{EE7206CC-2D04-5D40-82E2-18D6AE24A613}" type="presParOf" srcId="{A19199C7-A3D1-D343-9DAA-0D118217DD32}" destId="{BD925DB3-F032-E64D-AA80-BD485F1474BE}" srcOrd="1" destOrd="0" presId="urn:microsoft.com/office/officeart/2018/2/layout/IconVerticalSolidList"/>
     <dgm:cxn modelId="{AC92DB68-EBB5-BB4C-9B12-52822A5598A3}" type="presParOf" srcId="{A19199C7-A3D1-D343-9DAA-0D118217DD32}" destId="{19B52EA8-E6CC-B64E-ACC6-7B999F77636C}" srcOrd="2" destOrd="0" presId="urn:microsoft.com/office/officeart/2018/2/layout/IconVerticalSolidList"/>
@@ -4030,47 +3851,6 @@
       </dgm:t>
     </dgm:pt>
     <dgm:pt modelId="{074F2197-0FA0-46F3-AEC2-D68CCBB1663B}" type="sibTrans" cxnId="{C11F21B1-76AD-4027-A957-00D3FA9FF236}">
-      <dgm:prSet/>
-      <dgm:spPr/>
-      <dgm:t>
-        <a:bodyPr/>
-        <a:lstStyle/>
-        <a:p>
-          <a:endParaRPr lang="en-US"/>
-        </a:p>
-      </dgm:t>
-    </dgm:pt>
-    <dgm:pt modelId="{24D7C4AE-FBB8-4F19-A283-9C7BD921EB6E}">
-      <dgm:prSet phldrT="[Text]"/>
-      <dgm:spPr/>
-      <dgm:t>
-        <a:bodyPr/>
-        <a:lstStyle/>
-        <a:p>
-          <a:pPr>
-            <a:lnSpc>
-              <a:spcPct val="100000"/>
-            </a:lnSpc>
-          </a:pPr>
-          <a:r>
-            <a:rPr lang="en-US" dirty="0"/>
-            <a:t>News Feeds</a:t>
-          </a:r>
-        </a:p>
-      </dgm:t>
-    </dgm:pt>
-    <dgm:pt modelId="{77E29B0A-0E48-446A-92A4-2426AA3A8ACA}" type="parTrans" cxnId="{0DCD5A9F-CD6A-4500-A793-3A27ED8E278C}">
-      <dgm:prSet/>
-      <dgm:spPr/>
-      <dgm:t>
-        <a:bodyPr/>
-        <a:lstStyle/>
-        <a:p>
-          <a:endParaRPr lang="en-US"/>
-        </a:p>
-      </dgm:t>
-    </dgm:pt>
-    <dgm:pt modelId="{EBF1BF84-C2B7-486D-8EC2-7CE08E55B757}" type="sibTrans" cxnId="{0DCD5A9F-CD6A-4500-A793-3A27ED8E278C}">
       <dgm:prSet/>
       <dgm:spPr/>
       <dgm:t>
@@ -4623,13 +4403,6 @@
         </dgm:presLayoutVars>
       </dgm:prSet>
       <dgm:spPr/>
-      <dgm:t>
-        <a:bodyPr/>
-        <a:lstStyle/>
-        <a:p>
-          <a:endParaRPr lang="en-US"/>
-        </a:p>
-      </dgm:t>
     </dgm:pt>
     <dgm:pt modelId="{E8A767C6-AB98-49EE-A136-86E761F56D56}" type="pres">
       <dgm:prSet presAssocID="{358FC667-0585-490B-872D-6063B5D26906}" presName="boxAndChildren" presStyleCnt="0"/>
@@ -4638,73 +4411,38 @@
     <dgm:pt modelId="{6C4AA3B2-BF9B-4008-AD0D-4843358EFC9C}" type="pres">
       <dgm:prSet presAssocID="{358FC667-0585-490B-872D-6063B5D26906}" presName="parentTextBox" presStyleLbl="node1" presStyleIdx="0" presStyleCnt="5"/>
       <dgm:spPr/>
-      <dgm:t>
-        <a:bodyPr/>
-        <a:lstStyle/>
-        <a:p>
-          <a:endParaRPr lang="en-US"/>
-        </a:p>
-      </dgm:t>
     </dgm:pt>
     <dgm:pt modelId="{41FB462A-207F-44DB-ABB2-2A0943336EC2}" type="pres">
       <dgm:prSet presAssocID="{358FC667-0585-490B-872D-6063B5D26906}" presName="entireBox" presStyleLbl="node1" presStyleIdx="0" presStyleCnt="5"/>
       <dgm:spPr/>
-      <dgm:t>
-        <a:bodyPr/>
-        <a:lstStyle/>
-        <a:p>
-          <a:endParaRPr lang="en-US"/>
-        </a:p>
-      </dgm:t>
     </dgm:pt>
     <dgm:pt modelId="{2F61355B-B150-41B0-877A-9FA01312A429}" type="pres">
       <dgm:prSet presAssocID="{358FC667-0585-490B-872D-6063B5D26906}" presName="descendantBox" presStyleCnt="0"/>
       <dgm:spPr/>
     </dgm:pt>
     <dgm:pt modelId="{550EB29D-2713-4428-96B2-D88857D3C68B}" type="pres">
-      <dgm:prSet presAssocID="{2BD01402-A5CB-4183-B7CC-769968770FE7}" presName="childTextBox" presStyleLbl="fgAccFollowNode1" presStyleIdx="0" presStyleCnt="10">
+      <dgm:prSet presAssocID="{2BD01402-A5CB-4183-B7CC-769968770FE7}" presName="childTextBox" presStyleLbl="fgAccFollowNode1" presStyleIdx="0" presStyleCnt="9">
         <dgm:presLayoutVars>
           <dgm:bulletEnabled val="1"/>
         </dgm:presLayoutVars>
       </dgm:prSet>
       <dgm:spPr/>
-      <dgm:t>
-        <a:bodyPr/>
-        <a:lstStyle/>
-        <a:p>
-          <a:endParaRPr lang="en-US"/>
-        </a:p>
-      </dgm:t>
     </dgm:pt>
     <dgm:pt modelId="{4B428847-1800-4CB5-BE96-53546C377CA5}" type="pres">
-      <dgm:prSet presAssocID="{B9CA4B1B-547D-41CA-BB49-99CE62FF9B6F}" presName="childTextBox" presStyleLbl="fgAccFollowNode1" presStyleIdx="1" presStyleCnt="10">
+      <dgm:prSet presAssocID="{B9CA4B1B-547D-41CA-BB49-99CE62FF9B6F}" presName="childTextBox" presStyleLbl="fgAccFollowNode1" presStyleIdx="1" presStyleCnt="9">
         <dgm:presLayoutVars>
           <dgm:bulletEnabled val="1"/>
         </dgm:presLayoutVars>
       </dgm:prSet>
       <dgm:spPr/>
-      <dgm:t>
-        <a:bodyPr/>
-        <a:lstStyle/>
-        <a:p>
-          <a:endParaRPr lang="en-US"/>
-        </a:p>
-      </dgm:t>
     </dgm:pt>
     <dgm:pt modelId="{EFB700E3-6477-46D7-B6A1-92E9E8C99868}" type="pres">
-      <dgm:prSet presAssocID="{6A938E68-1A92-4E0F-B6C0-AD29EB3BE495}" presName="childTextBox" presStyleLbl="fgAccFollowNode1" presStyleIdx="2" presStyleCnt="10">
+      <dgm:prSet presAssocID="{6A938E68-1A92-4E0F-B6C0-AD29EB3BE495}" presName="childTextBox" presStyleLbl="fgAccFollowNode1" presStyleIdx="2" presStyleCnt="9">
         <dgm:presLayoutVars>
           <dgm:bulletEnabled val="1"/>
         </dgm:presLayoutVars>
       </dgm:prSet>
       <dgm:spPr/>
-      <dgm:t>
-        <a:bodyPr/>
-        <a:lstStyle/>
-        <a:p>
-          <a:endParaRPr lang="en-US"/>
-        </a:p>
-      </dgm:t>
     </dgm:pt>
     <dgm:pt modelId="{1F607E36-40A5-4E24-BE5E-2E334A427052}" type="pres">
       <dgm:prSet presAssocID="{32CD88FA-9A76-4A8B-92DF-E3F0D929E1A6}" presName="sp" presStyleCnt="0"/>
@@ -4717,58 +4455,30 @@
     <dgm:pt modelId="{C0A6C6C0-377E-4863-995B-BE2F926FC880}" type="pres">
       <dgm:prSet presAssocID="{B36C0F54-34FC-4A26-8733-8B1E730DFAEB}" presName="parentTextArrow" presStyleLbl="node1" presStyleIdx="0" presStyleCnt="5"/>
       <dgm:spPr/>
-      <dgm:t>
-        <a:bodyPr/>
-        <a:lstStyle/>
-        <a:p>
-          <a:endParaRPr lang="en-US"/>
-        </a:p>
-      </dgm:t>
     </dgm:pt>
     <dgm:pt modelId="{49C00D5A-5415-4FA1-862F-DEFA572AAF57}" type="pres">
       <dgm:prSet presAssocID="{B36C0F54-34FC-4A26-8733-8B1E730DFAEB}" presName="arrow" presStyleLbl="node1" presStyleIdx="1" presStyleCnt="5"/>
       <dgm:spPr/>
-      <dgm:t>
-        <a:bodyPr/>
-        <a:lstStyle/>
-        <a:p>
-          <a:endParaRPr lang="en-US"/>
-        </a:p>
-      </dgm:t>
     </dgm:pt>
     <dgm:pt modelId="{FF391C5F-6EEE-4033-BF33-36A0EDA412C5}" type="pres">
       <dgm:prSet presAssocID="{B36C0F54-34FC-4A26-8733-8B1E730DFAEB}" presName="descendantArrow" presStyleCnt="0"/>
       <dgm:spPr/>
     </dgm:pt>
     <dgm:pt modelId="{CCC0F869-37EC-4508-9D59-833C596EAAB1}" type="pres">
-      <dgm:prSet presAssocID="{99FB3998-0903-4B78-87BD-1D8979A96A28}" presName="childTextArrow" presStyleLbl="fgAccFollowNode1" presStyleIdx="3" presStyleCnt="10">
+      <dgm:prSet presAssocID="{99FB3998-0903-4B78-87BD-1D8979A96A28}" presName="childTextArrow" presStyleLbl="fgAccFollowNode1" presStyleIdx="3" presStyleCnt="9">
         <dgm:presLayoutVars>
           <dgm:bulletEnabled val="1"/>
         </dgm:presLayoutVars>
       </dgm:prSet>
       <dgm:spPr/>
-      <dgm:t>
-        <a:bodyPr/>
-        <a:lstStyle/>
-        <a:p>
-          <a:endParaRPr lang="en-US"/>
-        </a:p>
-      </dgm:t>
     </dgm:pt>
     <dgm:pt modelId="{CC385EEF-A32B-43AE-970F-82D267F89AA7}" type="pres">
-      <dgm:prSet presAssocID="{56B7189C-372A-43FD-89EA-1B48FE004376}" presName="childTextArrow" presStyleLbl="fgAccFollowNode1" presStyleIdx="4" presStyleCnt="10">
+      <dgm:prSet presAssocID="{56B7189C-372A-43FD-89EA-1B48FE004376}" presName="childTextArrow" presStyleLbl="fgAccFollowNode1" presStyleIdx="4" presStyleCnt="9">
         <dgm:presLayoutVars>
           <dgm:bulletEnabled val="1"/>
         </dgm:presLayoutVars>
       </dgm:prSet>
       <dgm:spPr/>
-      <dgm:t>
-        <a:bodyPr/>
-        <a:lstStyle/>
-        <a:p>
-          <a:endParaRPr lang="en-US"/>
-        </a:p>
-      </dgm:t>
     </dgm:pt>
     <dgm:pt modelId="{BFB6C5A5-2E01-45EE-A803-BC638221039A}" type="pres">
       <dgm:prSet presAssocID="{B3306D5A-5E12-4001-A8A3-B5B723E36690}" presName="sp" presStyleCnt="0"/>
@@ -4781,58 +4491,30 @@
     <dgm:pt modelId="{F247403B-F75A-452E-8564-F466622E8DDA}" type="pres">
       <dgm:prSet presAssocID="{E73D2DF2-0104-4AC4-924B-7815E2BC7894}" presName="parentTextArrow" presStyleLbl="node1" presStyleIdx="1" presStyleCnt="5"/>
       <dgm:spPr/>
-      <dgm:t>
-        <a:bodyPr/>
-        <a:lstStyle/>
-        <a:p>
-          <a:endParaRPr lang="en-US"/>
-        </a:p>
-      </dgm:t>
     </dgm:pt>
     <dgm:pt modelId="{110FFB0F-3930-42F6-B471-A1B3FE4A670D}" type="pres">
       <dgm:prSet presAssocID="{E73D2DF2-0104-4AC4-924B-7815E2BC7894}" presName="arrow" presStyleLbl="node1" presStyleIdx="2" presStyleCnt="5"/>
       <dgm:spPr/>
-      <dgm:t>
-        <a:bodyPr/>
-        <a:lstStyle/>
-        <a:p>
-          <a:endParaRPr lang="en-US"/>
-        </a:p>
-      </dgm:t>
     </dgm:pt>
     <dgm:pt modelId="{D77928C8-7505-4F49-AF50-AD82F55BA986}" type="pres">
       <dgm:prSet presAssocID="{E73D2DF2-0104-4AC4-924B-7815E2BC7894}" presName="descendantArrow" presStyleCnt="0"/>
       <dgm:spPr/>
     </dgm:pt>
     <dgm:pt modelId="{6F644916-362B-4E2A-9E30-180C98E3288B}" type="pres">
-      <dgm:prSet presAssocID="{8D933F76-491B-4F00-8ABB-A617423CC444}" presName="childTextArrow" presStyleLbl="fgAccFollowNode1" presStyleIdx="5" presStyleCnt="10">
+      <dgm:prSet presAssocID="{8D933F76-491B-4F00-8ABB-A617423CC444}" presName="childTextArrow" presStyleLbl="fgAccFollowNode1" presStyleIdx="5" presStyleCnt="9">
         <dgm:presLayoutVars>
           <dgm:bulletEnabled val="1"/>
         </dgm:presLayoutVars>
       </dgm:prSet>
       <dgm:spPr/>
-      <dgm:t>
-        <a:bodyPr/>
-        <a:lstStyle/>
-        <a:p>
-          <a:endParaRPr lang="en-US"/>
-        </a:p>
-      </dgm:t>
     </dgm:pt>
     <dgm:pt modelId="{4344EBAA-704A-42C8-A66D-EB14B09BEED7}" type="pres">
-      <dgm:prSet presAssocID="{E89E5204-B8D5-42BF-992E-0A0C67EC77AD}" presName="childTextArrow" presStyleLbl="fgAccFollowNode1" presStyleIdx="6" presStyleCnt="10">
+      <dgm:prSet presAssocID="{E89E5204-B8D5-42BF-992E-0A0C67EC77AD}" presName="childTextArrow" presStyleLbl="fgAccFollowNode1" presStyleIdx="6" presStyleCnt="9">
         <dgm:presLayoutVars>
           <dgm:bulletEnabled val="1"/>
         </dgm:presLayoutVars>
       </dgm:prSet>
       <dgm:spPr/>
-      <dgm:t>
-        <a:bodyPr/>
-        <a:lstStyle/>
-        <a:p>
-          <a:endParaRPr lang="en-US"/>
-        </a:p>
-      </dgm:t>
     </dgm:pt>
     <dgm:pt modelId="{933D700A-4400-4DC0-8FBC-83481F5563B6}" type="pres">
       <dgm:prSet presAssocID="{C1EA478E-7FE5-47B2-8ACF-6B12561F24AC}" presName="sp" presStyleCnt="0"/>
@@ -4845,73 +4527,30 @@
     <dgm:pt modelId="{DB2A6413-C725-42F4-8D24-137946AFDC62}" type="pres">
       <dgm:prSet presAssocID="{8C1C7182-DEC6-4A34-8F65-69D3F33BE359}" presName="parentTextArrow" presStyleLbl="node1" presStyleIdx="2" presStyleCnt="5"/>
       <dgm:spPr/>
-      <dgm:t>
-        <a:bodyPr/>
-        <a:lstStyle/>
-        <a:p>
-          <a:endParaRPr lang="en-US"/>
-        </a:p>
-      </dgm:t>
     </dgm:pt>
     <dgm:pt modelId="{E2609274-00A9-4AA2-AE40-FF7AE24BB29C}" type="pres">
       <dgm:prSet presAssocID="{8C1C7182-DEC6-4A34-8F65-69D3F33BE359}" presName="arrow" presStyleLbl="node1" presStyleIdx="3" presStyleCnt="5"/>
       <dgm:spPr/>
-      <dgm:t>
-        <a:bodyPr/>
-        <a:lstStyle/>
-        <a:p>
-          <a:endParaRPr lang="en-US"/>
-        </a:p>
-      </dgm:t>
     </dgm:pt>
     <dgm:pt modelId="{A9D61956-260F-4262-8D34-01F37FADB89E}" type="pres">
       <dgm:prSet presAssocID="{8C1C7182-DEC6-4A34-8F65-69D3F33BE359}" presName="descendantArrow" presStyleCnt="0"/>
       <dgm:spPr/>
     </dgm:pt>
-    <dgm:pt modelId="{B7E1A251-AF4C-4A3F-84C4-69F34DA0B292}" type="pres">
-      <dgm:prSet presAssocID="{24D7C4AE-FBB8-4F19-A283-9C7BD921EB6E}" presName="childTextArrow" presStyleLbl="fgAccFollowNode1" presStyleIdx="7" presStyleCnt="10">
+    <dgm:pt modelId="{6E1BA8AE-658E-4E44-B425-476C5EE09793}" type="pres">
+      <dgm:prSet presAssocID="{FC747577-A10E-4356-A672-5CE8FE174CCF}" presName="childTextArrow" presStyleLbl="fgAccFollowNode1" presStyleIdx="7" presStyleCnt="9">
         <dgm:presLayoutVars>
           <dgm:bulletEnabled val="1"/>
         </dgm:presLayoutVars>
       </dgm:prSet>
       <dgm:spPr/>
-      <dgm:t>
-        <a:bodyPr/>
-        <a:lstStyle/>
-        <a:p>
-          <a:endParaRPr lang="en-US"/>
-        </a:p>
-      </dgm:t>
     </dgm:pt>
-    <dgm:pt modelId="{6E1BA8AE-658E-4E44-B425-476C5EE09793}" type="pres">
-      <dgm:prSet presAssocID="{FC747577-A10E-4356-A672-5CE8FE174CCF}" presName="childTextArrow" presStyleLbl="fgAccFollowNode1" presStyleIdx="8" presStyleCnt="10">
+    <dgm:pt modelId="{56B81042-37B5-4DC0-BE7F-D400B29B9A36}" type="pres">
+      <dgm:prSet presAssocID="{B912E6CD-43EB-4F78-8854-5363178876E5}" presName="childTextArrow" presStyleLbl="fgAccFollowNode1" presStyleIdx="8" presStyleCnt="9">
         <dgm:presLayoutVars>
           <dgm:bulletEnabled val="1"/>
         </dgm:presLayoutVars>
       </dgm:prSet>
       <dgm:spPr/>
-      <dgm:t>
-        <a:bodyPr/>
-        <a:lstStyle/>
-        <a:p>
-          <a:endParaRPr lang="en-US"/>
-        </a:p>
-      </dgm:t>
-    </dgm:pt>
-    <dgm:pt modelId="{56B81042-37B5-4DC0-BE7F-D400B29B9A36}" type="pres">
-      <dgm:prSet presAssocID="{B912E6CD-43EB-4F78-8854-5363178876E5}" presName="childTextArrow" presStyleLbl="fgAccFollowNode1" presStyleIdx="9" presStyleCnt="10">
-        <dgm:presLayoutVars>
-          <dgm:bulletEnabled val="1"/>
-        </dgm:presLayoutVars>
-      </dgm:prSet>
-      <dgm:spPr/>
-      <dgm:t>
-        <a:bodyPr/>
-        <a:lstStyle/>
-        <a:p>
-          <a:endParaRPr lang="en-US"/>
-        </a:p>
-      </dgm:t>
     </dgm:pt>
     <dgm:pt modelId="{A70CEAAE-5FC5-494E-BDFD-09AE3396D858}" type="pres">
       <dgm:prSet presAssocID="{074F2197-0FA0-46F3-AEC2-D68CCBB1663B}" presName="sp" presStyleCnt="0"/>
@@ -4924,51 +4563,42 @@
     <dgm:pt modelId="{3D537E0A-2C83-4CC7-90FA-3400F15AE972}" type="pres">
       <dgm:prSet presAssocID="{879CEFC7-9D94-49AD-ADDD-B9B8BC228105}" presName="parentTextArrow" presStyleLbl="node1" presStyleIdx="4" presStyleCnt="5"/>
       <dgm:spPr/>
-      <dgm:t>
-        <a:bodyPr/>
-        <a:lstStyle/>
-        <a:p>
-          <a:endParaRPr lang="en-US"/>
-        </a:p>
-      </dgm:t>
     </dgm:pt>
   </dgm:ptLst>
   <dgm:cxnLst>
-    <dgm:cxn modelId="{10C8A072-1E06-4B9A-B595-B8B598AE53C1}" type="presOf" srcId="{B36C0F54-34FC-4A26-8733-8B1E730DFAEB}" destId="{C0A6C6C0-377E-4863-995B-BE2F926FC880}" srcOrd="0" destOrd="0" presId="urn:microsoft.com/office/officeart/2005/8/layout/process4"/>
-    <dgm:cxn modelId="{3B9FD098-4555-45A3-BB7E-203455FA71D2}" srcId="{53C8FF10-83AB-42CC-B072-A00B0708D078}" destId="{358FC667-0585-490B-872D-6063B5D26906}" srcOrd="4" destOrd="0" parTransId="{4FBE21DA-EFC5-4B05-91E6-B2BDEA2ECB68}" sibTransId="{DDCE638E-728E-4463-A971-113425881E3D}"/>
-    <dgm:cxn modelId="{0430A44E-B425-458D-B8CC-49BE203FC2E7}" type="presOf" srcId="{879CEFC7-9D94-49AD-ADDD-B9B8BC228105}" destId="{3D537E0A-2C83-4CC7-90FA-3400F15AE972}" srcOrd="0" destOrd="0" presId="urn:microsoft.com/office/officeart/2005/8/layout/process4"/>
-    <dgm:cxn modelId="{6095E871-D6C2-4FB5-AEB2-4B508AFA0EC9}" srcId="{53C8FF10-83AB-42CC-B072-A00B0708D078}" destId="{B36C0F54-34FC-4A26-8733-8B1E730DFAEB}" srcOrd="3" destOrd="0" parTransId="{FC0DE60C-D47A-4C67-B5E6-45F072DDC355}" sibTransId="{32CD88FA-9A76-4A8B-92DF-E3F0D929E1A6}"/>
     <dgm:cxn modelId="{C3886009-FB6B-43ED-8386-2F4BC4A8EDCC}" type="presOf" srcId="{B9CA4B1B-547D-41CA-BB49-99CE62FF9B6F}" destId="{4B428847-1800-4CB5-BE96-53546C377CA5}" srcOrd="0" destOrd="0" presId="urn:microsoft.com/office/officeart/2005/8/layout/process4"/>
-    <dgm:cxn modelId="{0DCD5A9F-CD6A-4500-A793-3A27ED8E278C}" srcId="{8C1C7182-DEC6-4A34-8F65-69D3F33BE359}" destId="{24D7C4AE-FBB8-4F19-A283-9C7BD921EB6E}" srcOrd="0" destOrd="0" parTransId="{77E29B0A-0E48-446A-92A4-2426AA3A8ACA}" sibTransId="{EBF1BF84-C2B7-486D-8EC2-7CE08E55B757}"/>
-    <dgm:cxn modelId="{FDA3E7CA-6EF4-4581-9DE9-8FE77843C70B}" type="presOf" srcId="{B912E6CD-43EB-4F78-8854-5363178876E5}" destId="{56B81042-37B5-4DC0-BE7F-D400B29B9A36}" srcOrd="0" destOrd="0" presId="urn:microsoft.com/office/officeart/2005/8/layout/process4"/>
     <dgm:cxn modelId="{094DF00F-1312-47B9-9C9B-3E41BAA477A0}" srcId="{B36C0F54-34FC-4A26-8733-8B1E730DFAEB}" destId="{56B7189C-372A-43FD-89EA-1B48FE004376}" srcOrd="1" destOrd="0" parTransId="{7B4736FB-3623-4F75-A1EE-0918BEA87474}" sibTransId="{6EEB4C7C-04E7-4FAD-948D-1B88D8B80979}"/>
-    <dgm:cxn modelId="{C204FEAD-BFEF-4579-B44B-AD0C43126939}" srcId="{E73D2DF2-0104-4AC4-924B-7815E2BC7894}" destId="{8D933F76-491B-4F00-8ABB-A617423CC444}" srcOrd="0" destOrd="0" parTransId="{BE9232D0-F9F4-4BFF-8CEB-350E9EF0173F}" sibTransId="{2E44E6E0-021A-4CCB-8C2C-9CF04EC4F38F}"/>
-    <dgm:cxn modelId="{44A25E1E-182C-4F7E-827F-BB5F07094092}" type="presOf" srcId="{E89E5204-B8D5-42BF-992E-0A0C67EC77AD}" destId="{4344EBAA-704A-42C8-A66D-EB14B09BEED7}" srcOrd="0" destOrd="0" presId="urn:microsoft.com/office/officeart/2005/8/layout/process4"/>
-    <dgm:cxn modelId="{586CA66D-D3CE-45B0-8CEB-B36066FAAFD2}" type="presOf" srcId="{8C1C7182-DEC6-4A34-8F65-69D3F33BE359}" destId="{E2609274-00A9-4AA2-AE40-FF7AE24BB29C}" srcOrd="1" destOrd="0" presId="urn:microsoft.com/office/officeart/2005/8/layout/process4"/>
-    <dgm:cxn modelId="{42C93186-0021-4E0F-BA62-0DF2540B3BD3}" srcId="{B36C0F54-34FC-4A26-8733-8B1E730DFAEB}" destId="{99FB3998-0903-4B78-87BD-1D8979A96A28}" srcOrd="0" destOrd="0" parTransId="{F2453C03-3B92-406F-A46C-23043B906222}" sibTransId="{FFBBE92B-A708-453E-8A67-8BD7242BA9F8}"/>
-    <dgm:cxn modelId="{0D968E9F-4917-402C-94A8-E8C4EBBFA333}" type="presOf" srcId="{358FC667-0585-490B-872D-6063B5D26906}" destId="{41FB462A-207F-44DB-ABB2-2A0943336EC2}" srcOrd="1" destOrd="0" presId="urn:microsoft.com/office/officeart/2005/8/layout/process4"/>
-    <dgm:cxn modelId="{C446D94E-D3C7-4B58-86C8-6D8A2A9B87A0}" type="presOf" srcId="{E73D2DF2-0104-4AC4-924B-7815E2BC7894}" destId="{110FFB0F-3930-42F6-B471-A1B3FE4A670D}" srcOrd="1" destOrd="0" presId="urn:microsoft.com/office/officeart/2005/8/layout/process4"/>
-    <dgm:cxn modelId="{7C726CBC-87A8-47B7-BE26-FF02A99D7130}" type="presOf" srcId="{99FB3998-0903-4B78-87BD-1D8979A96A28}" destId="{CCC0F869-37EC-4508-9D59-833C596EAAB1}" srcOrd="0" destOrd="0" presId="urn:microsoft.com/office/officeart/2005/8/layout/process4"/>
     <dgm:cxn modelId="{3D846F16-9F37-4186-8059-A497B3A2B612}" srcId="{358FC667-0585-490B-872D-6063B5D26906}" destId="{2BD01402-A5CB-4183-B7CC-769968770FE7}" srcOrd="0" destOrd="0" parTransId="{92A817C5-733A-4DB1-8C49-C77572C71AF8}" sibTransId="{3A6BAFCC-DB96-42BC-A307-176C84213B15}"/>
     <dgm:cxn modelId="{F640A317-E277-4B3B-A8F9-C25FE4B4D646}" srcId="{358FC667-0585-490B-872D-6063B5D26906}" destId="{B9CA4B1B-547D-41CA-BB49-99CE62FF9B6F}" srcOrd="1" destOrd="0" parTransId="{6065770A-7B77-4FA3-AB42-DF8209B62EAD}" sibTransId="{13873B63-BF74-41ED-94E3-5578D66BB526}"/>
+    <dgm:cxn modelId="{44A25E1E-182C-4F7E-827F-BB5F07094092}" type="presOf" srcId="{E89E5204-B8D5-42BF-992E-0A0C67EC77AD}" destId="{4344EBAA-704A-42C8-A66D-EB14B09BEED7}" srcOrd="0" destOrd="0" presId="urn:microsoft.com/office/officeart/2005/8/layout/process4"/>
+    <dgm:cxn modelId="{EAFA812C-FAA0-4252-BC80-8900474E79DA}" srcId="{8C1C7182-DEC6-4A34-8F65-69D3F33BE359}" destId="{FC747577-A10E-4356-A672-5CE8FE174CCF}" srcOrd="0" destOrd="0" parTransId="{8D589A5A-6BDD-4341-B501-8380B25A1662}" sibTransId="{154DC6C7-069D-48C6-9954-9AE741F6FDE5}"/>
+    <dgm:cxn modelId="{C3B7573C-CBD6-4E08-B9EA-9B588C4EFDC1}" type="presOf" srcId="{8D933F76-491B-4F00-8ABB-A617423CC444}" destId="{6F644916-362B-4E2A-9E30-180C98E3288B}" srcOrd="0" destOrd="0" presId="urn:microsoft.com/office/officeart/2005/8/layout/process4"/>
     <dgm:cxn modelId="{CABC7E3C-391A-4A24-B5B8-F5B9FD8DA931}" type="presOf" srcId="{53C8FF10-83AB-42CC-B072-A00B0708D078}" destId="{8432518C-2E48-4F07-914C-2F4DDF68F3FA}" srcOrd="0" destOrd="0" presId="urn:microsoft.com/office/officeart/2005/8/layout/process4"/>
-    <dgm:cxn modelId="{C3B7573C-CBD6-4E08-B9EA-9B588C4EFDC1}" type="presOf" srcId="{8D933F76-491B-4F00-8ABB-A617423CC444}" destId="{6F644916-362B-4E2A-9E30-180C98E3288B}" srcOrd="0" destOrd="0" presId="urn:microsoft.com/office/officeart/2005/8/layout/process4"/>
-    <dgm:cxn modelId="{A0FBB5B8-388A-40F4-8762-A22A62A1265C}" type="presOf" srcId="{6A938E68-1A92-4E0F-B6C0-AD29EB3BE495}" destId="{EFB700E3-6477-46D7-B6A1-92E9E8C99868}" srcOrd="0" destOrd="0" presId="urn:microsoft.com/office/officeart/2005/8/layout/process4"/>
-    <dgm:cxn modelId="{EAFA812C-FAA0-4252-BC80-8900474E79DA}" srcId="{8C1C7182-DEC6-4A34-8F65-69D3F33BE359}" destId="{FC747577-A10E-4356-A672-5CE8FE174CCF}" srcOrd="1" destOrd="0" parTransId="{8D589A5A-6BDD-4341-B501-8380B25A1662}" sibTransId="{154DC6C7-069D-48C6-9954-9AE741F6FDE5}"/>
-    <dgm:cxn modelId="{40A6F9C1-8033-4BDE-8CBC-6708D8B32405}" type="presOf" srcId="{56B7189C-372A-43FD-89EA-1B48FE004376}" destId="{CC385EEF-A32B-43AE-970F-82D267F89AA7}" srcOrd="0" destOrd="0" presId="urn:microsoft.com/office/officeart/2005/8/layout/process4"/>
-    <dgm:cxn modelId="{841EFDA1-410D-44EC-B9C4-17BCB4B7292E}" srcId="{E73D2DF2-0104-4AC4-924B-7815E2BC7894}" destId="{E89E5204-B8D5-42BF-992E-0A0C67EC77AD}" srcOrd="1" destOrd="0" parTransId="{AE978F1B-32F1-4675-A6CA-F0E0103E303B}" sibTransId="{996A15ED-C133-4581-8C70-CFDA3DF7AF6C}"/>
-    <dgm:cxn modelId="{A41FA2EF-3FF1-48EA-8444-521D6A72D65C}" type="presOf" srcId="{B36C0F54-34FC-4A26-8733-8B1E730DFAEB}" destId="{49C00D5A-5415-4FA1-862F-DEFA572AAF57}" srcOrd="1" destOrd="0" presId="urn:microsoft.com/office/officeart/2005/8/layout/process4"/>
+    <dgm:cxn modelId="{0430A44E-B425-458D-B8CC-49BE203FC2E7}" type="presOf" srcId="{879CEFC7-9D94-49AD-ADDD-B9B8BC228105}" destId="{3D537E0A-2C83-4CC7-90FA-3400F15AE972}" srcOrd="0" destOrd="0" presId="urn:microsoft.com/office/officeart/2005/8/layout/process4"/>
+    <dgm:cxn modelId="{C446D94E-D3C7-4B58-86C8-6D8A2A9B87A0}" type="presOf" srcId="{E73D2DF2-0104-4AC4-924B-7815E2BC7894}" destId="{110FFB0F-3930-42F6-B471-A1B3FE4A670D}" srcOrd="1" destOrd="0" presId="urn:microsoft.com/office/officeart/2005/8/layout/process4"/>
+    <dgm:cxn modelId="{250A6D68-E2FB-4B61-8117-3AFEA0FDF324}" type="presOf" srcId="{E73D2DF2-0104-4AC4-924B-7815E2BC7894}" destId="{F247403B-F75A-452E-8564-F466622E8DDA}" srcOrd="0" destOrd="0" presId="urn:microsoft.com/office/officeart/2005/8/layout/process4"/>
     <dgm:cxn modelId="{E3B05069-50C7-4D25-A3F1-4A55C44A1EDB}" type="presOf" srcId="{FC747577-A10E-4356-A672-5CE8FE174CCF}" destId="{6E1BA8AE-658E-4E44-B425-476C5EE09793}" srcOrd="0" destOrd="0" presId="urn:microsoft.com/office/officeart/2005/8/layout/process4"/>
-    <dgm:cxn modelId="{5A0C56A2-083A-4EFD-B0B4-B4BA265B2747}" srcId="{358FC667-0585-490B-872D-6063B5D26906}" destId="{6A938E68-1A92-4E0F-B6C0-AD29EB3BE495}" srcOrd="2" destOrd="0" parTransId="{EE0477EC-5966-433B-9F3E-795F0CFCD365}" sibTransId="{4DFA2BAF-3E6B-44CD-8C6E-A48F22CF2FB3}"/>
-    <dgm:cxn modelId="{C11F21B1-76AD-4027-A957-00D3FA9FF236}" srcId="{53C8FF10-83AB-42CC-B072-A00B0708D078}" destId="{879CEFC7-9D94-49AD-ADDD-B9B8BC228105}" srcOrd="0" destOrd="0" parTransId="{39CD448F-F356-4D51-BA43-21580E7D6140}" sibTransId="{074F2197-0FA0-46F3-AEC2-D68CCBB1663B}"/>
-    <dgm:cxn modelId="{250A6D68-E2FB-4B61-8117-3AFEA0FDF324}" type="presOf" srcId="{E73D2DF2-0104-4AC4-924B-7815E2BC7894}" destId="{F247403B-F75A-452E-8564-F466622E8DDA}" srcOrd="0" destOrd="0" presId="urn:microsoft.com/office/officeart/2005/8/layout/process4"/>
-    <dgm:cxn modelId="{42E59695-462D-40AC-99DD-6D4969A222D1}" type="presOf" srcId="{2BD01402-A5CB-4183-B7CC-769968770FE7}" destId="{550EB29D-2713-4428-96B2-D88857D3C68B}" srcOrd="0" destOrd="0" presId="urn:microsoft.com/office/officeart/2005/8/layout/process4"/>
-    <dgm:cxn modelId="{A427CDB4-FEEC-4E30-9077-2FE5106E7AC1}" type="presOf" srcId="{24D7C4AE-FBB8-4F19-A283-9C7BD921EB6E}" destId="{B7E1A251-AF4C-4A3F-84C4-69F34DA0B292}" srcOrd="0" destOrd="0" presId="urn:microsoft.com/office/officeart/2005/8/layout/process4"/>
-    <dgm:cxn modelId="{5AA362B4-67BB-4AC9-93FA-C85BA0C7F8F7}" srcId="{53C8FF10-83AB-42CC-B072-A00B0708D078}" destId="{E73D2DF2-0104-4AC4-924B-7815E2BC7894}" srcOrd="2" destOrd="0" parTransId="{7633203B-22E9-4D52-96EE-9013998B876B}" sibTransId="{B3306D5A-5E12-4001-A8A3-B5B723E36690}"/>
-    <dgm:cxn modelId="{AEB7E4CC-78C2-478E-9986-078ADE816AFB}" type="presOf" srcId="{358FC667-0585-490B-872D-6063B5D26906}" destId="{6C4AA3B2-BF9B-4008-AD0D-4843358EFC9C}" srcOrd="0" destOrd="0" presId="urn:microsoft.com/office/officeart/2005/8/layout/process4"/>
-    <dgm:cxn modelId="{94B64F73-A3F8-432A-9D8D-8B6C847C9511}" srcId="{8C1C7182-DEC6-4A34-8F65-69D3F33BE359}" destId="{B912E6CD-43EB-4F78-8854-5363178876E5}" srcOrd="2" destOrd="0" parTransId="{FBEE3F89-617F-45AE-A73F-B48DDFBAEC07}" sibTransId="{A1A092E6-8AB2-4DC6-848C-14C13849D4E1}"/>
+    <dgm:cxn modelId="{586CA66D-D3CE-45B0-8CEB-B36066FAAFD2}" type="presOf" srcId="{8C1C7182-DEC6-4A34-8F65-69D3F33BE359}" destId="{E2609274-00A9-4AA2-AE40-FF7AE24BB29C}" srcOrd="1" destOrd="0" presId="urn:microsoft.com/office/officeart/2005/8/layout/process4"/>
+    <dgm:cxn modelId="{6095E871-D6C2-4FB5-AEB2-4B508AFA0EC9}" srcId="{53C8FF10-83AB-42CC-B072-A00B0708D078}" destId="{B36C0F54-34FC-4A26-8733-8B1E730DFAEB}" srcOrd="3" destOrd="0" parTransId="{FC0DE60C-D47A-4C67-B5E6-45F072DDC355}" sibTransId="{32CD88FA-9A76-4A8B-92DF-E3F0D929E1A6}"/>
+    <dgm:cxn modelId="{10C8A072-1E06-4B9A-B595-B8B598AE53C1}" type="presOf" srcId="{B36C0F54-34FC-4A26-8733-8B1E730DFAEB}" destId="{C0A6C6C0-377E-4863-995B-BE2F926FC880}" srcOrd="0" destOrd="0" presId="urn:microsoft.com/office/officeart/2005/8/layout/process4"/>
+    <dgm:cxn modelId="{94B64F73-A3F8-432A-9D8D-8B6C847C9511}" srcId="{8C1C7182-DEC6-4A34-8F65-69D3F33BE359}" destId="{B912E6CD-43EB-4F78-8854-5363178876E5}" srcOrd="1" destOrd="0" parTransId="{FBEE3F89-617F-45AE-A73F-B48DDFBAEC07}" sibTransId="{A1A092E6-8AB2-4DC6-848C-14C13849D4E1}"/>
+    <dgm:cxn modelId="{42C93186-0021-4E0F-BA62-0DF2540B3BD3}" srcId="{B36C0F54-34FC-4A26-8733-8B1E730DFAEB}" destId="{99FB3998-0903-4B78-87BD-1D8979A96A28}" srcOrd="0" destOrd="0" parTransId="{F2453C03-3B92-406F-A46C-23043B906222}" sibTransId="{FFBBE92B-A708-453E-8A67-8BD7242BA9F8}"/>
     <dgm:cxn modelId="{C7CD5A8A-82A8-43A3-8397-18D20FF945E6}" type="presOf" srcId="{8C1C7182-DEC6-4A34-8F65-69D3F33BE359}" destId="{DB2A6413-C725-42F4-8D24-137946AFDC62}" srcOrd="0" destOrd="0" presId="urn:microsoft.com/office/officeart/2005/8/layout/process4"/>
     <dgm:cxn modelId="{E602958C-A4E5-49BC-ACC1-FF150BD4C507}" srcId="{53C8FF10-83AB-42CC-B072-A00B0708D078}" destId="{8C1C7182-DEC6-4A34-8F65-69D3F33BE359}" srcOrd="1" destOrd="0" parTransId="{6807CB28-52CC-494B-8BEC-2B08CF6E5456}" sibTransId="{C1EA478E-7FE5-47B2-8ACF-6B12561F24AC}"/>
+    <dgm:cxn modelId="{42E59695-462D-40AC-99DD-6D4969A222D1}" type="presOf" srcId="{2BD01402-A5CB-4183-B7CC-769968770FE7}" destId="{550EB29D-2713-4428-96B2-D88857D3C68B}" srcOrd="0" destOrd="0" presId="urn:microsoft.com/office/officeart/2005/8/layout/process4"/>
+    <dgm:cxn modelId="{3B9FD098-4555-45A3-BB7E-203455FA71D2}" srcId="{53C8FF10-83AB-42CC-B072-A00B0708D078}" destId="{358FC667-0585-490B-872D-6063B5D26906}" srcOrd="4" destOrd="0" parTransId="{4FBE21DA-EFC5-4B05-91E6-B2BDEA2ECB68}" sibTransId="{DDCE638E-728E-4463-A971-113425881E3D}"/>
+    <dgm:cxn modelId="{0D968E9F-4917-402C-94A8-E8C4EBBFA333}" type="presOf" srcId="{358FC667-0585-490B-872D-6063B5D26906}" destId="{41FB462A-207F-44DB-ABB2-2A0943336EC2}" srcOrd="1" destOrd="0" presId="urn:microsoft.com/office/officeart/2005/8/layout/process4"/>
+    <dgm:cxn modelId="{841EFDA1-410D-44EC-B9C4-17BCB4B7292E}" srcId="{E73D2DF2-0104-4AC4-924B-7815E2BC7894}" destId="{E89E5204-B8D5-42BF-992E-0A0C67EC77AD}" srcOrd="1" destOrd="0" parTransId="{AE978F1B-32F1-4675-A6CA-F0E0103E303B}" sibTransId="{996A15ED-C133-4581-8C70-CFDA3DF7AF6C}"/>
+    <dgm:cxn modelId="{5A0C56A2-083A-4EFD-B0B4-B4BA265B2747}" srcId="{358FC667-0585-490B-872D-6063B5D26906}" destId="{6A938E68-1A92-4E0F-B6C0-AD29EB3BE495}" srcOrd="2" destOrd="0" parTransId="{EE0477EC-5966-433B-9F3E-795F0CFCD365}" sibTransId="{4DFA2BAF-3E6B-44CD-8C6E-A48F22CF2FB3}"/>
+    <dgm:cxn modelId="{C204FEAD-BFEF-4579-B44B-AD0C43126939}" srcId="{E73D2DF2-0104-4AC4-924B-7815E2BC7894}" destId="{8D933F76-491B-4F00-8ABB-A617423CC444}" srcOrd="0" destOrd="0" parTransId="{BE9232D0-F9F4-4BFF-8CEB-350E9EF0173F}" sibTransId="{2E44E6E0-021A-4CCB-8C2C-9CF04EC4F38F}"/>
+    <dgm:cxn modelId="{C11F21B1-76AD-4027-A957-00D3FA9FF236}" srcId="{53C8FF10-83AB-42CC-B072-A00B0708D078}" destId="{879CEFC7-9D94-49AD-ADDD-B9B8BC228105}" srcOrd="0" destOrd="0" parTransId="{39CD448F-F356-4D51-BA43-21580E7D6140}" sibTransId="{074F2197-0FA0-46F3-AEC2-D68CCBB1663B}"/>
+    <dgm:cxn modelId="{5AA362B4-67BB-4AC9-93FA-C85BA0C7F8F7}" srcId="{53C8FF10-83AB-42CC-B072-A00B0708D078}" destId="{E73D2DF2-0104-4AC4-924B-7815E2BC7894}" srcOrd="2" destOrd="0" parTransId="{7633203B-22E9-4D52-96EE-9013998B876B}" sibTransId="{B3306D5A-5E12-4001-A8A3-B5B723E36690}"/>
+    <dgm:cxn modelId="{A0FBB5B8-388A-40F4-8762-A22A62A1265C}" type="presOf" srcId="{6A938E68-1A92-4E0F-B6C0-AD29EB3BE495}" destId="{EFB700E3-6477-46D7-B6A1-92E9E8C99868}" srcOrd="0" destOrd="0" presId="urn:microsoft.com/office/officeart/2005/8/layout/process4"/>
+    <dgm:cxn modelId="{7C726CBC-87A8-47B7-BE26-FF02A99D7130}" type="presOf" srcId="{99FB3998-0903-4B78-87BD-1D8979A96A28}" destId="{CCC0F869-37EC-4508-9D59-833C596EAAB1}" srcOrd="0" destOrd="0" presId="urn:microsoft.com/office/officeart/2005/8/layout/process4"/>
+    <dgm:cxn modelId="{40A6F9C1-8033-4BDE-8CBC-6708D8B32405}" type="presOf" srcId="{56B7189C-372A-43FD-89EA-1B48FE004376}" destId="{CC385EEF-A32B-43AE-970F-82D267F89AA7}" srcOrd="0" destOrd="0" presId="urn:microsoft.com/office/officeart/2005/8/layout/process4"/>
+    <dgm:cxn modelId="{FDA3E7CA-6EF4-4581-9DE9-8FE77843C70B}" type="presOf" srcId="{B912E6CD-43EB-4F78-8854-5363178876E5}" destId="{56B81042-37B5-4DC0-BE7F-D400B29B9A36}" srcOrd="0" destOrd="0" presId="urn:microsoft.com/office/officeart/2005/8/layout/process4"/>
+    <dgm:cxn modelId="{AEB7E4CC-78C2-478E-9986-078ADE816AFB}" type="presOf" srcId="{358FC667-0585-490B-872D-6063B5D26906}" destId="{6C4AA3B2-BF9B-4008-AD0D-4843358EFC9C}" srcOrd="0" destOrd="0" presId="urn:microsoft.com/office/officeart/2005/8/layout/process4"/>
+    <dgm:cxn modelId="{A41FA2EF-3FF1-48EA-8444-521D6A72D65C}" type="presOf" srcId="{B36C0F54-34FC-4A26-8733-8B1E730DFAEB}" destId="{49C00D5A-5415-4FA1-862F-DEFA572AAF57}" srcOrd="1" destOrd="0" presId="urn:microsoft.com/office/officeart/2005/8/layout/process4"/>
     <dgm:cxn modelId="{71719E89-7038-4331-AF4B-A60545E7BC0D}" type="presParOf" srcId="{8432518C-2E48-4F07-914C-2F4DDF68F3FA}" destId="{E8A767C6-AB98-49EE-A136-86E761F56D56}" srcOrd="0" destOrd="0" presId="urn:microsoft.com/office/officeart/2005/8/layout/process4"/>
     <dgm:cxn modelId="{8DD5DFCD-B878-41D1-BD33-721F197B7107}" type="presParOf" srcId="{E8A767C6-AB98-49EE-A136-86E761F56D56}" destId="{6C4AA3B2-BF9B-4008-AD0D-4843358EFC9C}" srcOrd="0" destOrd="0" presId="urn:microsoft.com/office/officeart/2005/8/layout/process4"/>
     <dgm:cxn modelId="{07C6C722-EA6C-42EF-8EBD-B39D41479363}" type="presParOf" srcId="{E8A767C6-AB98-49EE-A136-86E761F56D56}" destId="{41FB462A-207F-44DB-ABB2-2A0943336EC2}" srcOrd="1" destOrd="0" presId="urn:microsoft.com/office/officeart/2005/8/layout/process4"/>
@@ -4995,9 +4625,8 @@
     <dgm:cxn modelId="{A0661D1E-979B-4EA3-8B6D-A34C8E49DF95}" type="presParOf" srcId="{86050CD4-121A-4B06-8C8A-790383595956}" destId="{DB2A6413-C725-42F4-8D24-137946AFDC62}" srcOrd="0" destOrd="0" presId="urn:microsoft.com/office/officeart/2005/8/layout/process4"/>
     <dgm:cxn modelId="{C89C28E4-AFE9-4D35-83E8-2537EFB8D734}" type="presParOf" srcId="{86050CD4-121A-4B06-8C8A-790383595956}" destId="{E2609274-00A9-4AA2-AE40-FF7AE24BB29C}" srcOrd="1" destOrd="0" presId="urn:microsoft.com/office/officeart/2005/8/layout/process4"/>
     <dgm:cxn modelId="{0860DD90-5AD4-4ECA-A988-AE0976F12CC1}" type="presParOf" srcId="{86050CD4-121A-4B06-8C8A-790383595956}" destId="{A9D61956-260F-4262-8D34-01F37FADB89E}" srcOrd="2" destOrd="0" presId="urn:microsoft.com/office/officeart/2005/8/layout/process4"/>
-    <dgm:cxn modelId="{527C2D01-C169-4062-8A44-D3F8F00A2F5B}" type="presParOf" srcId="{A9D61956-260F-4262-8D34-01F37FADB89E}" destId="{B7E1A251-AF4C-4A3F-84C4-69F34DA0B292}" srcOrd="0" destOrd="0" presId="urn:microsoft.com/office/officeart/2005/8/layout/process4"/>
-    <dgm:cxn modelId="{C4C69A33-ABE9-4A49-8B92-9C0515508152}" type="presParOf" srcId="{A9D61956-260F-4262-8D34-01F37FADB89E}" destId="{6E1BA8AE-658E-4E44-B425-476C5EE09793}" srcOrd="1" destOrd="0" presId="urn:microsoft.com/office/officeart/2005/8/layout/process4"/>
-    <dgm:cxn modelId="{516D467A-10CD-4718-AD3A-1092033AF761}" type="presParOf" srcId="{A9D61956-260F-4262-8D34-01F37FADB89E}" destId="{56B81042-37B5-4DC0-BE7F-D400B29B9A36}" srcOrd="2" destOrd="0" presId="urn:microsoft.com/office/officeart/2005/8/layout/process4"/>
+    <dgm:cxn modelId="{C4C69A33-ABE9-4A49-8B92-9C0515508152}" type="presParOf" srcId="{A9D61956-260F-4262-8D34-01F37FADB89E}" destId="{6E1BA8AE-658E-4E44-B425-476C5EE09793}" srcOrd="0" destOrd="0" presId="urn:microsoft.com/office/officeart/2005/8/layout/process4"/>
+    <dgm:cxn modelId="{516D467A-10CD-4718-AD3A-1092033AF761}" type="presParOf" srcId="{A9D61956-260F-4262-8D34-01F37FADB89E}" destId="{56B81042-37B5-4DC0-BE7F-D400B29B9A36}" srcOrd="1" destOrd="0" presId="urn:microsoft.com/office/officeart/2005/8/layout/process4"/>
     <dgm:cxn modelId="{4A0271E2-B05A-4894-BCD3-01FAAF0FDB09}" type="presParOf" srcId="{8432518C-2E48-4F07-914C-2F4DDF68F3FA}" destId="{A70CEAAE-5FC5-494E-BDFD-09AE3396D858}" srcOrd="7" destOrd="0" presId="urn:microsoft.com/office/officeart/2005/8/layout/process4"/>
     <dgm:cxn modelId="{CB977D82-BFBD-4F65-A83C-1D73E61B446C}" type="presParOf" srcId="{8432518C-2E48-4F07-914C-2F4DDF68F3FA}" destId="{FC00E941-B640-46E0-A4F3-8D8044A66074}" srcOrd="8" destOrd="0" presId="urn:microsoft.com/office/officeart/2005/8/layout/process4"/>
     <dgm:cxn modelId="{F88C0E9F-1960-46C3-99F0-551399F105B6}" type="presParOf" srcId="{FC00E941-B640-46E0-A4F3-8D8044A66074}" destId="{3D537E0A-2C83-4CC7-90FA-3400F15AE972}" srcOrd="0" destOrd="0" presId="urn:microsoft.com/office/officeart/2005/8/layout/process4"/>
@@ -5034,10 +4663,9 @@
         <a:lstStyle/>
         <a:p>
           <a:r>
-            <a:rPr lang="en-US" dirty="0" smtClean="0"/>
+            <a:rPr lang="en-US" dirty="0"/>
             <a:t>Used Quandl api to ingest data using python.</a:t>
           </a:r>
-          <a:endParaRPr lang="en-US" dirty="0"/>
         </a:p>
       </dgm:t>
     </dgm:pt>
@@ -5143,10 +4771,9 @@
         <a:lstStyle/>
         <a:p>
           <a:r>
-            <a:rPr lang="en-US" dirty="0" smtClean="0"/>
+            <a:rPr lang="en-US" dirty="0"/>
             <a:t>We trained the model with the data of 5 companies and 10000 rows</a:t>
           </a:r>
-          <a:endParaRPr lang="en-US" dirty="0"/>
         </a:p>
       </dgm:t>
     </dgm:pt>
@@ -5180,13 +4807,6 @@
         </dgm:presLayoutVars>
       </dgm:prSet>
       <dgm:spPr/>
-      <dgm:t>
-        <a:bodyPr/>
-        <a:lstStyle/>
-        <a:p>
-          <a:endParaRPr lang="en-US"/>
-        </a:p>
-      </dgm:t>
     </dgm:pt>
     <dgm:pt modelId="{DCCAFF9C-8A1B-4BB5-AE58-716C743D5E90}" type="pres">
       <dgm:prSet presAssocID="{17D4D411-3ABF-4754-8977-FE9086B9AB4B}" presName="compNode" presStyleCnt="0"/>
@@ -5206,7 +4826,7 @@
                 <a14:useLocalDpi xmlns:a14="http://schemas.microsoft.com/office/drawing/2010/main" val="0"/>
               </a:ext>
               <a:ext uri="{96DAC541-7B7A-43D3-8B79-37D633B846F1}">
-                <asvg:svgBlip xmlns:asvg="http://schemas.microsoft.com/office/drawing/2016/SVG/main" xmlns="" r:embed="rId2"/>
+                <asvg:svgBlip xmlns:asvg="http://schemas.microsoft.com/office/drawing/2016/SVG/main" r:embed="rId2"/>
               </a:ext>
             </a:extLst>
           </a:blip>
@@ -5218,13 +4838,6 @@
           <a:noFill/>
         </a:ln>
       </dgm:spPr>
-      <dgm:t>
-        <a:bodyPr/>
-        <a:lstStyle/>
-        <a:p>
-          <a:endParaRPr lang="en-US"/>
-        </a:p>
-      </dgm:t>
       <dgm:extLst>
         <a:ext uri="{E40237B7-FDA0-4F09-8148-C483321AD2D9}">
           <dgm14:cNvPr xmlns:dgm14="http://schemas.microsoft.com/office/drawing/2010/diagram" id="0" name="" descr="Computer"/>
@@ -5243,13 +4856,6 @@
         </dgm:presLayoutVars>
       </dgm:prSet>
       <dgm:spPr/>
-      <dgm:t>
-        <a:bodyPr/>
-        <a:lstStyle/>
-        <a:p>
-          <a:endParaRPr lang="en-US"/>
-        </a:p>
-      </dgm:t>
     </dgm:pt>
     <dgm:pt modelId="{C250C7CE-7996-4B1C-A3D3-20D990F503D0}" type="pres">
       <dgm:prSet presAssocID="{10FE1311-3E86-46BE-968F-5937FEEFB6ED}" presName="sibTrans" presStyleCnt="0"/>
@@ -5273,7 +4879,7 @@
                 <a14:useLocalDpi xmlns:a14="http://schemas.microsoft.com/office/drawing/2010/main" val="0"/>
               </a:ext>
               <a:ext uri="{96DAC541-7B7A-43D3-8B79-37D633B846F1}">
-                <asvg:svgBlip xmlns:asvg="http://schemas.microsoft.com/office/drawing/2016/SVG/main" xmlns="" r:embed="rId4"/>
+                <asvg:svgBlip xmlns:asvg="http://schemas.microsoft.com/office/drawing/2016/SVG/main" r:embed="rId4"/>
               </a:ext>
             </a:extLst>
           </a:blip>
@@ -5285,13 +4891,6 @@
           <a:noFill/>
         </a:ln>
       </dgm:spPr>
-      <dgm:t>
-        <a:bodyPr/>
-        <a:lstStyle/>
-        <a:p>
-          <a:endParaRPr lang="en-US"/>
-        </a:p>
-      </dgm:t>
       <dgm:extLst>
         <a:ext uri="{E40237B7-FDA0-4F09-8148-C483321AD2D9}">
           <dgm14:cNvPr xmlns:dgm14="http://schemas.microsoft.com/office/drawing/2010/diagram" id="0" name="" descr="Database"/>
@@ -5310,13 +4909,6 @@
         </dgm:presLayoutVars>
       </dgm:prSet>
       <dgm:spPr/>
-      <dgm:t>
-        <a:bodyPr/>
-        <a:lstStyle/>
-        <a:p>
-          <a:endParaRPr lang="en-US"/>
-        </a:p>
-      </dgm:t>
     </dgm:pt>
     <dgm:pt modelId="{96EC388D-A9BC-43CA-9BC8-EB964637E887}" type="pres">
       <dgm:prSet presAssocID="{C479E45D-B3A1-44BF-B501-9B10CB89E0B7}" presName="sibTrans" presStyleCnt="0"/>
@@ -5340,7 +4932,7 @@
                 <a14:useLocalDpi xmlns:a14="http://schemas.microsoft.com/office/drawing/2010/main" val="0"/>
               </a:ext>
               <a:ext uri="{96DAC541-7B7A-43D3-8B79-37D633B846F1}">
-                <asvg:svgBlip xmlns:asvg="http://schemas.microsoft.com/office/drawing/2016/SVG/main" xmlns="" r:embed="rId6"/>
+                <asvg:svgBlip xmlns:asvg="http://schemas.microsoft.com/office/drawing/2016/SVG/main" r:embed="rId6"/>
               </a:ext>
             </a:extLst>
           </a:blip>
@@ -5352,13 +4944,6 @@
           <a:noFill/>
         </a:ln>
       </dgm:spPr>
-      <dgm:t>
-        <a:bodyPr/>
-        <a:lstStyle/>
-        <a:p>
-          <a:endParaRPr lang="en-US"/>
-        </a:p>
-      </dgm:t>
       <dgm:extLst>
         <a:ext uri="{E40237B7-FDA0-4F09-8148-C483321AD2D9}">
           <dgm14:cNvPr xmlns:dgm14="http://schemas.microsoft.com/office/drawing/2010/diagram" id="0" name="" descr="Upward trend"/>
@@ -5377,13 +4962,6 @@
         </dgm:presLayoutVars>
       </dgm:prSet>
       <dgm:spPr/>
-      <dgm:t>
-        <a:bodyPr/>
-        <a:lstStyle/>
-        <a:p>
-          <a:endParaRPr lang="en-US"/>
-        </a:p>
-      </dgm:t>
     </dgm:pt>
     <dgm:pt modelId="{82729B3C-FEC9-3849-944A-72FB47C00741}" type="pres">
       <dgm:prSet presAssocID="{8F8C6514-2F6B-4EF2-83AC-1448AD433FA4}" presName="sibTrans" presStyleCnt="0"/>
@@ -5407,13 +4985,6 @@
           </a:stretch>
         </a:blipFill>
       </dgm:spPr>
-      <dgm:t>
-        <a:bodyPr/>
-        <a:lstStyle/>
-        <a:p>
-          <a:endParaRPr lang="en-US"/>
-        </a:p>
-      </dgm:t>
     </dgm:pt>
     <dgm:pt modelId="{439A4FA8-938C-AA45-BA81-E75CD49FDC76}" type="pres">
       <dgm:prSet presAssocID="{5CC10D7F-FB4D-C44B-B60A-D5EC15D1BF1A}" presName="spaceRect" presStyleCnt="0"/>
@@ -5427,25 +4998,18 @@
         </dgm:presLayoutVars>
       </dgm:prSet>
       <dgm:spPr/>
-      <dgm:t>
-        <a:bodyPr/>
-        <a:lstStyle/>
-        <a:p>
-          <a:endParaRPr lang="en-US"/>
-        </a:p>
-      </dgm:t>
     </dgm:pt>
   </dgm:ptLst>
   <dgm:cxnLst>
+    <dgm:cxn modelId="{EF409C47-EF4E-4C77-AD52-04E870F2511E}" type="presOf" srcId="{D2A2A6C2-C5C1-46CF-A11C-05A93200511D}" destId="{EBFE4862-E3A2-40DD-AB1B-77095345C2CB}" srcOrd="0" destOrd="0" presId="urn:microsoft.com/office/officeart/2018/2/layout/IconVerticalSolidList"/>
+    <dgm:cxn modelId="{333E444A-9C03-4D0B-AE82-E3022500B34A}" srcId="{659B6D5A-D02E-45C2-9C25-7610778C6735}" destId="{7C4C6080-C980-4943-A4A9-A41BB4E267F2}" srcOrd="2" destOrd="0" parTransId="{DDEB7FFB-D5A7-4E98-839C-08D5A55C1E0E}" sibTransId="{8F8C6514-2F6B-4EF2-83AC-1448AD433FA4}"/>
     <dgm:cxn modelId="{A3F4EC52-DC29-40AA-9075-172690978031}" type="presOf" srcId="{7C4C6080-C980-4943-A4A9-A41BB4E267F2}" destId="{985E7608-40AA-4E45-A825-81A523AAF968}" srcOrd="0" destOrd="0" presId="urn:microsoft.com/office/officeart/2018/2/layout/IconVerticalSolidList"/>
+    <dgm:cxn modelId="{5CA3775C-F6B7-4F5F-B73B-76676E3DFD8A}" srcId="{659B6D5A-D02E-45C2-9C25-7610778C6735}" destId="{D2A2A6C2-C5C1-46CF-A11C-05A93200511D}" srcOrd="1" destOrd="0" parTransId="{9F3C01DF-6385-4251-9CB5-D7BC7274543C}" sibTransId="{C479E45D-B3A1-44BF-B501-9B10CB89E0B7}"/>
+    <dgm:cxn modelId="{32993F9F-3F71-4673-B1BB-07702877E40C}" type="presOf" srcId="{659B6D5A-D02E-45C2-9C25-7610778C6735}" destId="{8F4A0488-E714-45BD-A4D7-414479346219}" srcOrd="0" destOrd="0" presId="urn:microsoft.com/office/officeart/2018/2/layout/IconVerticalSolidList"/>
     <dgm:cxn modelId="{F7D3DDA9-DAAC-4F25-B60E-66A738854E75}" srcId="{659B6D5A-D02E-45C2-9C25-7610778C6735}" destId="{17D4D411-3ABF-4754-8977-FE9086B9AB4B}" srcOrd="0" destOrd="0" parTransId="{ACA6F215-0FD1-4BC3-8EA6-F1DD5DD64BF5}" sibTransId="{10FE1311-3E86-46BE-968F-5937FEEFB6ED}"/>
     <dgm:cxn modelId="{3DE25CAE-BA89-9F4A-9117-009F15042F7E}" type="presOf" srcId="{5CC10D7F-FB4D-C44B-B60A-D5EC15D1BF1A}" destId="{DFB241C8-6DAB-A340-AEFA-7D1CB7DDD9E5}" srcOrd="0" destOrd="0" presId="urn:microsoft.com/office/officeart/2018/2/layout/IconVerticalSolidList"/>
     <dgm:cxn modelId="{FE6822C7-973E-6C4F-BB28-1AE1A7D2BA85}" srcId="{659B6D5A-D02E-45C2-9C25-7610778C6735}" destId="{5CC10D7F-FB4D-C44B-B60A-D5EC15D1BF1A}" srcOrd="3" destOrd="0" parTransId="{BBAA18A4-EF71-794D-B2AC-E4D9C9883298}" sibTransId="{ED8C94CC-76B4-0642-A799-1B355CB9B289}"/>
-    <dgm:cxn modelId="{5CA3775C-F6B7-4F5F-B73B-76676E3DFD8A}" srcId="{659B6D5A-D02E-45C2-9C25-7610778C6735}" destId="{D2A2A6C2-C5C1-46CF-A11C-05A93200511D}" srcOrd="1" destOrd="0" parTransId="{9F3C01DF-6385-4251-9CB5-D7BC7274543C}" sibTransId="{C479E45D-B3A1-44BF-B501-9B10CB89E0B7}"/>
-    <dgm:cxn modelId="{32993F9F-3F71-4673-B1BB-07702877E40C}" type="presOf" srcId="{659B6D5A-D02E-45C2-9C25-7610778C6735}" destId="{8F4A0488-E714-45BD-A4D7-414479346219}" srcOrd="0" destOrd="0" presId="urn:microsoft.com/office/officeart/2018/2/layout/IconVerticalSolidList"/>
     <dgm:cxn modelId="{79E18FD9-0257-4497-B91C-310FCA510134}" type="presOf" srcId="{17D4D411-3ABF-4754-8977-FE9086B9AB4B}" destId="{0905D4FD-A186-48A9-A3FE-F0464ED7DE94}" srcOrd="0" destOrd="0" presId="urn:microsoft.com/office/officeart/2018/2/layout/IconVerticalSolidList"/>
-    <dgm:cxn modelId="{333E444A-9C03-4D0B-AE82-E3022500B34A}" srcId="{659B6D5A-D02E-45C2-9C25-7610778C6735}" destId="{7C4C6080-C980-4943-A4A9-A41BB4E267F2}" srcOrd="2" destOrd="0" parTransId="{DDEB7FFB-D5A7-4E98-839C-08D5A55C1E0E}" sibTransId="{8F8C6514-2F6B-4EF2-83AC-1448AD433FA4}"/>
-    <dgm:cxn modelId="{EF409C47-EF4E-4C77-AD52-04E870F2511E}" type="presOf" srcId="{D2A2A6C2-C5C1-46CF-A11C-05A93200511D}" destId="{EBFE4862-E3A2-40DD-AB1B-77095345C2CB}" srcOrd="0" destOrd="0" presId="urn:microsoft.com/office/officeart/2018/2/layout/IconVerticalSolidList"/>
     <dgm:cxn modelId="{093C2973-5FDC-458F-AF2D-AA36B850C8A9}" type="presParOf" srcId="{8F4A0488-E714-45BD-A4D7-414479346219}" destId="{DCCAFF9C-8A1B-4BB5-AE58-716C743D5E90}" srcOrd="0" destOrd="0" presId="urn:microsoft.com/office/officeart/2018/2/layout/IconVerticalSolidList"/>
     <dgm:cxn modelId="{86C61C7C-1327-43E2-91D5-2E58BAB360C1}" type="presParOf" srcId="{DCCAFF9C-8A1B-4BB5-AE58-716C743D5E90}" destId="{0FEBB25B-FA49-448E-A74A-162DF4FD53E3}" srcOrd="0" destOrd="0" presId="urn:microsoft.com/office/officeart/2018/2/layout/IconVerticalSolidList"/>
     <dgm:cxn modelId="{3BF6AF1A-257D-4D09-9214-3ACF5D1300F3}" type="presParOf" srcId="{DCCAFF9C-8A1B-4BB5-AE58-716C743D5E90}" destId="{F973BA78-6474-4C35-8A26-EB36FF6B9BCA}" srcOrd="1" destOrd="0" presId="urn:microsoft.com/office/officeart/2018/2/layout/IconVerticalSolidList"/>
@@ -5823,13 +5387,6 @@
         </dgm:presLayoutVars>
       </dgm:prSet>
       <dgm:spPr/>
-      <dgm:t>
-        <a:bodyPr/>
-        <a:lstStyle/>
-        <a:p>
-          <a:endParaRPr lang="en-US"/>
-        </a:p>
-      </dgm:t>
     </dgm:pt>
     <dgm:pt modelId="{C293B80D-FF1D-4E56-BF38-0207F9B2838D}" type="pres">
       <dgm:prSet presAssocID="{AB5445AF-09DB-4125-AF8C-C2406E567047}" presName="compositeNode" presStyleCnt="0">
@@ -5842,13 +5399,6 @@
     <dgm:pt modelId="{9F74BD24-ECF4-4326-9633-E60655FBAA4A}" type="pres">
       <dgm:prSet presAssocID="{AB5445AF-09DB-4125-AF8C-C2406E567047}" presName="bgRect" presStyleLbl="node1" presStyleIdx="0" presStyleCnt="4"/>
       <dgm:spPr/>
-      <dgm:t>
-        <a:bodyPr/>
-        <a:lstStyle/>
-        <a:p>
-          <a:endParaRPr lang="en-US"/>
-        </a:p>
-      </dgm:t>
     </dgm:pt>
     <dgm:pt modelId="{0249A746-4019-4103-82BA-8EE21E68E55A}" type="pres">
       <dgm:prSet presAssocID="{AB5445AF-09DB-4125-AF8C-C2406E567047}" presName="parentNode" presStyleLbl="node1" presStyleIdx="0" presStyleCnt="4">
@@ -5858,13 +5408,6 @@
         </dgm:presLayoutVars>
       </dgm:prSet>
       <dgm:spPr/>
-      <dgm:t>
-        <a:bodyPr/>
-        <a:lstStyle/>
-        <a:p>
-          <a:endParaRPr lang="en-US"/>
-        </a:p>
-      </dgm:t>
     </dgm:pt>
     <dgm:pt modelId="{B0AF82BB-695B-4513-B6E3-151775CA4ABE}" type="pres">
       <dgm:prSet presAssocID="{AB5445AF-09DB-4125-AF8C-C2406E567047}" presName="childNode" presStyleLbl="node1" presStyleIdx="0" presStyleCnt="4">
@@ -5873,13 +5416,6 @@
         </dgm:presLayoutVars>
       </dgm:prSet>
       <dgm:spPr/>
-      <dgm:t>
-        <a:bodyPr/>
-        <a:lstStyle/>
-        <a:p>
-          <a:endParaRPr lang="en-US"/>
-        </a:p>
-      </dgm:t>
     </dgm:pt>
     <dgm:pt modelId="{76FA5402-7286-4F0B-BC8D-300412613CF3}" type="pres">
       <dgm:prSet presAssocID="{C9F47CAC-A9BB-4C31-8112-95428830B4F2}" presName="hSp" presStyleCnt="0"/>
@@ -5896,13 +5432,6 @@
     <dgm:pt modelId="{27CBC54F-33B4-4EA7-BD83-1728E30338E4}" type="pres">
       <dgm:prSet presAssocID="{C9F47CAC-A9BB-4C31-8112-95428830B4F2}" presName="simulatedConn" presStyleLbl="solidFgAcc1" presStyleIdx="0" presStyleCnt="3"/>
       <dgm:spPr/>
-      <dgm:t>
-        <a:bodyPr/>
-        <a:lstStyle/>
-        <a:p>
-          <a:endParaRPr lang="en-US"/>
-        </a:p>
-      </dgm:t>
     </dgm:pt>
     <dgm:pt modelId="{4B6AC570-EDEB-47DC-879B-828630B5E665}" type="pres">
       <dgm:prSet presAssocID="{C9F47CAC-A9BB-4C31-8112-95428830B4F2}" presName="vSp2" presStyleCnt="0"/>
@@ -5923,13 +5452,6 @@
     <dgm:pt modelId="{7988079A-B347-4FF6-9FE1-8B96129AAB07}" type="pres">
       <dgm:prSet presAssocID="{22E34D92-DC8F-4380-A302-15E2FC0F79E9}" presName="bgRect" presStyleLbl="node1" presStyleIdx="1" presStyleCnt="4"/>
       <dgm:spPr/>
-      <dgm:t>
-        <a:bodyPr/>
-        <a:lstStyle/>
-        <a:p>
-          <a:endParaRPr lang="en-US"/>
-        </a:p>
-      </dgm:t>
     </dgm:pt>
     <dgm:pt modelId="{AD1E5EE7-D439-48BE-9119-40A735D801BB}" type="pres">
       <dgm:prSet presAssocID="{22E34D92-DC8F-4380-A302-15E2FC0F79E9}" presName="parentNode" presStyleLbl="node1" presStyleIdx="1" presStyleCnt="4">
@@ -5939,13 +5461,6 @@
         </dgm:presLayoutVars>
       </dgm:prSet>
       <dgm:spPr/>
-      <dgm:t>
-        <a:bodyPr/>
-        <a:lstStyle/>
-        <a:p>
-          <a:endParaRPr lang="en-US"/>
-        </a:p>
-      </dgm:t>
     </dgm:pt>
     <dgm:pt modelId="{123CDAE1-B844-4273-8C07-13817C770AB4}" type="pres">
       <dgm:prSet presAssocID="{22E34D92-DC8F-4380-A302-15E2FC0F79E9}" presName="childNode" presStyleLbl="node1" presStyleIdx="1" presStyleCnt="4">
@@ -5954,13 +5469,6 @@
         </dgm:presLayoutVars>
       </dgm:prSet>
       <dgm:spPr/>
-      <dgm:t>
-        <a:bodyPr/>
-        <a:lstStyle/>
-        <a:p>
-          <a:endParaRPr lang="en-US"/>
-        </a:p>
-      </dgm:t>
     </dgm:pt>
     <dgm:pt modelId="{37D18925-A920-4125-BAFB-1F7DAC3B5952}" type="pres">
       <dgm:prSet presAssocID="{7C1BDCD7-53CD-4D8A-8B48-F1B76DE5DB8D}" presName="hSp" presStyleCnt="0"/>
@@ -5997,13 +5505,6 @@
     <dgm:pt modelId="{757EE1E4-CB3B-48AA-BD62-E0C597896E08}" type="pres">
       <dgm:prSet presAssocID="{2D6022EE-C23C-4A6F-A1B7-126871A6CF4F}" presName="bgRect" presStyleLbl="node1" presStyleIdx="2" presStyleCnt="4"/>
       <dgm:spPr/>
-      <dgm:t>
-        <a:bodyPr/>
-        <a:lstStyle/>
-        <a:p>
-          <a:endParaRPr lang="en-US"/>
-        </a:p>
-      </dgm:t>
     </dgm:pt>
     <dgm:pt modelId="{70EA9047-E1FF-4BB3-999C-49150B9FC704}" type="pres">
       <dgm:prSet presAssocID="{2D6022EE-C23C-4A6F-A1B7-126871A6CF4F}" presName="parentNode" presStyleLbl="node1" presStyleIdx="2" presStyleCnt="4">
@@ -6013,13 +5514,6 @@
         </dgm:presLayoutVars>
       </dgm:prSet>
       <dgm:spPr/>
-      <dgm:t>
-        <a:bodyPr/>
-        <a:lstStyle/>
-        <a:p>
-          <a:endParaRPr lang="en-US"/>
-        </a:p>
-      </dgm:t>
     </dgm:pt>
     <dgm:pt modelId="{50794520-9DF5-478B-8CB6-6C7F77E40089}" type="pres">
       <dgm:prSet presAssocID="{2D6022EE-C23C-4A6F-A1B7-126871A6CF4F}" presName="childNode" presStyleLbl="node1" presStyleIdx="2" presStyleCnt="4">
@@ -6028,13 +5522,6 @@
         </dgm:presLayoutVars>
       </dgm:prSet>
       <dgm:spPr/>
-      <dgm:t>
-        <a:bodyPr/>
-        <a:lstStyle/>
-        <a:p>
-          <a:endParaRPr lang="en-US"/>
-        </a:p>
-      </dgm:t>
     </dgm:pt>
     <dgm:pt modelId="{7206159B-320F-4D32-982E-4AECB6E4B5FD}" type="pres">
       <dgm:prSet presAssocID="{208AF01B-4C22-4EB1-9CCF-35BA109F232C}" presName="hSp" presStyleCnt="0"/>
@@ -6071,13 +5558,6 @@
     <dgm:pt modelId="{019681D1-0C52-463E-B645-D1CC4A6B6608}" type="pres">
       <dgm:prSet presAssocID="{510E8135-AECD-4C4D-82A8-5483D6B29573}" presName="bgRect" presStyleLbl="node1" presStyleIdx="3" presStyleCnt="4"/>
       <dgm:spPr/>
-      <dgm:t>
-        <a:bodyPr/>
-        <a:lstStyle/>
-        <a:p>
-          <a:endParaRPr lang="en-US"/>
-        </a:p>
-      </dgm:t>
     </dgm:pt>
     <dgm:pt modelId="{28494195-7447-4B83-BC12-E26C46577B0C}" type="pres">
       <dgm:prSet presAssocID="{510E8135-AECD-4C4D-82A8-5483D6B29573}" presName="parentNode" presStyleLbl="node1" presStyleIdx="3" presStyleCnt="4">
@@ -6087,13 +5567,6 @@
         </dgm:presLayoutVars>
       </dgm:prSet>
       <dgm:spPr/>
-      <dgm:t>
-        <a:bodyPr/>
-        <a:lstStyle/>
-        <a:p>
-          <a:endParaRPr lang="en-US"/>
-        </a:p>
-      </dgm:t>
     </dgm:pt>
     <dgm:pt modelId="{62D7068B-854B-4D01-8986-CDCE23F066F7}" type="pres">
       <dgm:prSet presAssocID="{510E8135-AECD-4C4D-82A8-5483D6B29573}" presName="childNode" presStyleLbl="node1" presStyleIdx="3" presStyleCnt="4">
@@ -6102,37 +5575,30 @@
         </dgm:presLayoutVars>
       </dgm:prSet>
       <dgm:spPr/>
-      <dgm:t>
-        <a:bodyPr/>
-        <a:lstStyle/>
-        <a:p>
-          <a:endParaRPr lang="en-US"/>
-        </a:p>
-      </dgm:t>
     </dgm:pt>
   </dgm:ptLst>
   <dgm:cxnLst>
+    <dgm:cxn modelId="{4DFF0207-1F75-489E-A99A-48560B95AD1F}" type="presOf" srcId="{2D6022EE-C23C-4A6F-A1B7-126871A6CF4F}" destId="{757EE1E4-CB3B-48AA-BD62-E0C597896E08}" srcOrd="0" destOrd="0" presId="urn:microsoft.com/office/officeart/2005/8/layout/hProcess7"/>
+    <dgm:cxn modelId="{01CB9C0A-1BCD-4241-8A26-98FDBD8A3127}" srcId="{22E34D92-DC8F-4380-A302-15E2FC0F79E9}" destId="{B9E858FF-C4D8-493F-A2EE-FFCE24E447EF}" srcOrd="0" destOrd="0" parTransId="{5BBCDA5A-B62E-4750-8BA5-CA0B4612ACE2}" sibTransId="{4777F724-8825-4A1A-9BA2-369EB8957AB2}"/>
+    <dgm:cxn modelId="{27AE2A0D-802B-4E3E-8E72-55055C738327}" type="presOf" srcId="{22E34D92-DC8F-4380-A302-15E2FC0F79E9}" destId="{AD1E5EE7-D439-48BE-9119-40A735D801BB}" srcOrd="1" destOrd="0" presId="urn:microsoft.com/office/officeart/2005/8/layout/hProcess7"/>
+    <dgm:cxn modelId="{14453917-0AC9-4760-AC11-F59E6EFAB542}" srcId="{510E8135-AECD-4C4D-82A8-5483D6B29573}" destId="{99B8849E-2E23-4897-86A8-A19764F43E8B}" srcOrd="0" destOrd="0" parTransId="{EB1A8FCE-1535-4848-8C38-AD317699C163}" sibTransId="{64F0E207-D63A-446C-A3C5-59B0C9CA6DB6}"/>
+    <dgm:cxn modelId="{4866722D-8579-466D-AF56-4A98F28766B7}" srcId="{915650BE-D40A-4800-98F6-505BE0B2F454}" destId="{AB5445AF-09DB-4125-AF8C-C2406E567047}" srcOrd="0" destOrd="0" parTransId="{9E974F9A-0393-4CAA-9293-F2CE10E8A3BF}" sibTransId="{C9F47CAC-A9BB-4C31-8112-95428830B4F2}"/>
+    <dgm:cxn modelId="{25923843-4D3B-412A-97D4-AAABF0FBE207}" srcId="{915650BE-D40A-4800-98F6-505BE0B2F454}" destId="{2D6022EE-C23C-4A6F-A1B7-126871A6CF4F}" srcOrd="2" destOrd="0" parTransId="{F8206D6C-A0A9-4E39-94CD-891BF55DC31A}" sibTransId="{208AF01B-4C22-4EB1-9CCF-35BA109F232C}"/>
+    <dgm:cxn modelId="{98A58743-9110-43C3-BF96-E13E4DF46C5C}" type="presOf" srcId="{C57D9AE7-7017-4C20-B2C9-96F6A0458841}" destId="{50794520-9DF5-478B-8CB6-6C7F77E40089}" srcOrd="0" destOrd="0" presId="urn:microsoft.com/office/officeart/2005/8/layout/hProcess7"/>
+    <dgm:cxn modelId="{BFE08246-D524-4371-8672-70F858A8D98A}" type="presOf" srcId="{915650BE-D40A-4800-98F6-505BE0B2F454}" destId="{9EB507AB-8EF8-45E7-AD39-59929917A018}" srcOrd="0" destOrd="0" presId="urn:microsoft.com/office/officeart/2005/8/layout/hProcess7"/>
+    <dgm:cxn modelId="{43F4E77B-7159-4F30-8403-9DE765BCE225}" type="presOf" srcId="{22E34D92-DC8F-4380-A302-15E2FC0F79E9}" destId="{7988079A-B347-4FF6-9FE1-8B96129AAB07}" srcOrd="0" destOrd="0" presId="urn:microsoft.com/office/officeart/2005/8/layout/hProcess7"/>
+    <dgm:cxn modelId="{FA31B981-3CEC-4492-9659-17666C6B2CAF}" srcId="{AB5445AF-09DB-4125-AF8C-C2406E567047}" destId="{09708200-9107-421D-871C-D425060DECA0}" srcOrd="0" destOrd="0" parTransId="{E42E09B6-BC10-4169-9EA6-73491EFF7399}" sibTransId="{744AE7B9-2AE0-4A25-94EA-43C997782BCF}"/>
+    <dgm:cxn modelId="{6E8E3191-1609-4ADE-ADAB-99516936CCA1}" type="presOf" srcId="{2D6022EE-C23C-4A6F-A1B7-126871A6CF4F}" destId="{70EA9047-E1FF-4BB3-999C-49150B9FC704}" srcOrd="1" destOrd="0" presId="urn:microsoft.com/office/officeart/2005/8/layout/hProcess7"/>
+    <dgm:cxn modelId="{1FD425A0-427E-4195-B2C3-5FF58EB2B9FC}" srcId="{915650BE-D40A-4800-98F6-505BE0B2F454}" destId="{510E8135-AECD-4C4D-82A8-5483D6B29573}" srcOrd="3" destOrd="0" parTransId="{1952A4B0-5C85-4AAD-B134-185B67801D97}" sibTransId="{0F40E827-45CD-4A31-9F4B-56B476C87B2C}"/>
     <dgm:cxn modelId="{24C8C9A7-0FC2-4826-BFF9-250195CA1FA2}" srcId="{915650BE-D40A-4800-98F6-505BE0B2F454}" destId="{22E34D92-DC8F-4380-A302-15E2FC0F79E9}" srcOrd="1" destOrd="0" parTransId="{64ED9EE2-9E33-4B13-9F99-FC30062FECA5}" sibTransId="{7C1BDCD7-53CD-4D8A-8B48-F1B76DE5DB8D}"/>
-    <dgm:cxn modelId="{6E8E3191-1609-4ADE-ADAB-99516936CCA1}" type="presOf" srcId="{2D6022EE-C23C-4A6F-A1B7-126871A6CF4F}" destId="{70EA9047-E1FF-4BB3-999C-49150B9FC704}" srcOrd="1" destOrd="0" presId="urn:microsoft.com/office/officeart/2005/8/layout/hProcess7"/>
-    <dgm:cxn modelId="{01CB9C0A-1BCD-4241-8A26-98FDBD8A3127}" srcId="{22E34D92-DC8F-4380-A302-15E2FC0F79E9}" destId="{B9E858FF-C4D8-493F-A2EE-FFCE24E447EF}" srcOrd="0" destOrd="0" parTransId="{5BBCDA5A-B62E-4750-8BA5-CA0B4612ACE2}" sibTransId="{4777F724-8825-4A1A-9BA2-369EB8957AB2}"/>
+    <dgm:cxn modelId="{D70213B0-F82E-4402-9CC3-9EB7430D5E29}" type="presOf" srcId="{B9E858FF-C4D8-493F-A2EE-FFCE24E447EF}" destId="{123CDAE1-B844-4273-8C07-13817C770AB4}" srcOrd="0" destOrd="0" presId="urn:microsoft.com/office/officeart/2005/8/layout/hProcess7"/>
+    <dgm:cxn modelId="{46C4B4C2-C918-41EC-B23D-3C59130800E0}" type="presOf" srcId="{09708200-9107-421D-871C-D425060DECA0}" destId="{B0AF82BB-695B-4513-B6E3-151775CA4ABE}" srcOrd="0" destOrd="0" presId="urn:microsoft.com/office/officeart/2005/8/layout/hProcess7"/>
+    <dgm:cxn modelId="{AE31F4C7-D7F4-4E0F-B99F-142F00DF8A9D}" type="presOf" srcId="{AB5445AF-09DB-4125-AF8C-C2406E567047}" destId="{0249A746-4019-4103-82BA-8EE21E68E55A}" srcOrd="1" destOrd="0" presId="urn:microsoft.com/office/officeart/2005/8/layout/hProcess7"/>
+    <dgm:cxn modelId="{08A820D0-E71D-4065-8CF7-62E30D58C3A9}" type="presOf" srcId="{510E8135-AECD-4C4D-82A8-5483D6B29573}" destId="{019681D1-0C52-463E-B645-D1CC4A6B6608}" srcOrd="0" destOrd="0" presId="urn:microsoft.com/office/officeart/2005/8/layout/hProcess7"/>
+    <dgm:cxn modelId="{44D6F5D4-6202-4D79-8CCA-F12007D061C9}" type="presOf" srcId="{AB5445AF-09DB-4125-AF8C-C2406E567047}" destId="{9F74BD24-ECF4-4326-9633-E60655FBAA4A}" srcOrd="0" destOrd="0" presId="urn:microsoft.com/office/officeart/2005/8/layout/hProcess7"/>
+    <dgm:cxn modelId="{E07703F7-1AFD-4F2D-9B1D-B56FE462A6C8}" srcId="{2D6022EE-C23C-4A6F-A1B7-126871A6CF4F}" destId="{C57D9AE7-7017-4C20-B2C9-96F6A0458841}" srcOrd="0" destOrd="0" parTransId="{C79545DA-33FA-4C41-AAE1-F7234E12A382}" sibTransId="{F340C38B-3A64-41B0-9819-639755C19A87}"/>
     <dgm:cxn modelId="{2871A5FA-FCB7-43CC-871E-0D72551CCDE5}" type="presOf" srcId="{99B8849E-2E23-4897-86A8-A19764F43E8B}" destId="{62D7068B-854B-4D01-8986-CDCE23F066F7}" srcOrd="0" destOrd="0" presId="urn:microsoft.com/office/officeart/2005/8/layout/hProcess7"/>
-    <dgm:cxn modelId="{4DFF0207-1F75-489E-A99A-48560B95AD1F}" type="presOf" srcId="{2D6022EE-C23C-4A6F-A1B7-126871A6CF4F}" destId="{757EE1E4-CB3B-48AA-BD62-E0C597896E08}" srcOrd="0" destOrd="0" presId="urn:microsoft.com/office/officeart/2005/8/layout/hProcess7"/>
-    <dgm:cxn modelId="{1FD425A0-427E-4195-B2C3-5FF58EB2B9FC}" srcId="{915650BE-D40A-4800-98F6-505BE0B2F454}" destId="{510E8135-AECD-4C4D-82A8-5483D6B29573}" srcOrd="3" destOrd="0" parTransId="{1952A4B0-5C85-4AAD-B134-185B67801D97}" sibTransId="{0F40E827-45CD-4A31-9F4B-56B476C87B2C}"/>
-    <dgm:cxn modelId="{43F4E77B-7159-4F30-8403-9DE765BCE225}" type="presOf" srcId="{22E34D92-DC8F-4380-A302-15E2FC0F79E9}" destId="{7988079A-B347-4FF6-9FE1-8B96129AAB07}" srcOrd="0" destOrd="0" presId="urn:microsoft.com/office/officeart/2005/8/layout/hProcess7"/>
-    <dgm:cxn modelId="{AE31F4C7-D7F4-4E0F-B99F-142F00DF8A9D}" type="presOf" srcId="{AB5445AF-09DB-4125-AF8C-C2406E567047}" destId="{0249A746-4019-4103-82BA-8EE21E68E55A}" srcOrd="1" destOrd="0" presId="urn:microsoft.com/office/officeart/2005/8/layout/hProcess7"/>
-    <dgm:cxn modelId="{4866722D-8579-466D-AF56-4A98F28766B7}" srcId="{915650BE-D40A-4800-98F6-505BE0B2F454}" destId="{AB5445AF-09DB-4125-AF8C-C2406E567047}" srcOrd="0" destOrd="0" parTransId="{9E974F9A-0393-4CAA-9293-F2CE10E8A3BF}" sibTransId="{C9F47CAC-A9BB-4C31-8112-95428830B4F2}"/>
-    <dgm:cxn modelId="{98A58743-9110-43C3-BF96-E13E4DF46C5C}" type="presOf" srcId="{C57D9AE7-7017-4C20-B2C9-96F6A0458841}" destId="{50794520-9DF5-478B-8CB6-6C7F77E40089}" srcOrd="0" destOrd="0" presId="urn:microsoft.com/office/officeart/2005/8/layout/hProcess7"/>
-    <dgm:cxn modelId="{44D6F5D4-6202-4D79-8CCA-F12007D061C9}" type="presOf" srcId="{AB5445AF-09DB-4125-AF8C-C2406E567047}" destId="{9F74BD24-ECF4-4326-9633-E60655FBAA4A}" srcOrd="0" destOrd="0" presId="urn:microsoft.com/office/officeart/2005/8/layout/hProcess7"/>
-    <dgm:cxn modelId="{27AE2A0D-802B-4E3E-8E72-55055C738327}" type="presOf" srcId="{22E34D92-DC8F-4380-A302-15E2FC0F79E9}" destId="{AD1E5EE7-D439-48BE-9119-40A735D801BB}" srcOrd="1" destOrd="0" presId="urn:microsoft.com/office/officeart/2005/8/layout/hProcess7"/>
     <dgm:cxn modelId="{9C81CEFB-D895-481C-82D4-9D5B790EE15B}" type="presOf" srcId="{510E8135-AECD-4C4D-82A8-5483D6B29573}" destId="{28494195-7447-4B83-BC12-E26C46577B0C}" srcOrd="1" destOrd="0" presId="urn:microsoft.com/office/officeart/2005/8/layout/hProcess7"/>
-    <dgm:cxn modelId="{08A820D0-E71D-4065-8CF7-62E30D58C3A9}" type="presOf" srcId="{510E8135-AECD-4C4D-82A8-5483D6B29573}" destId="{019681D1-0C52-463E-B645-D1CC4A6B6608}" srcOrd="0" destOrd="0" presId="urn:microsoft.com/office/officeart/2005/8/layout/hProcess7"/>
-    <dgm:cxn modelId="{FA31B981-3CEC-4492-9659-17666C6B2CAF}" srcId="{AB5445AF-09DB-4125-AF8C-C2406E567047}" destId="{09708200-9107-421D-871C-D425060DECA0}" srcOrd="0" destOrd="0" parTransId="{E42E09B6-BC10-4169-9EA6-73491EFF7399}" sibTransId="{744AE7B9-2AE0-4A25-94EA-43C997782BCF}"/>
-    <dgm:cxn modelId="{14453917-0AC9-4760-AC11-F59E6EFAB542}" srcId="{510E8135-AECD-4C4D-82A8-5483D6B29573}" destId="{99B8849E-2E23-4897-86A8-A19764F43E8B}" srcOrd="0" destOrd="0" parTransId="{EB1A8FCE-1535-4848-8C38-AD317699C163}" sibTransId="{64F0E207-D63A-446C-A3C5-59B0C9CA6DB6}"/>
-    <dgm:cxn modelId="{D70213B0-F82E-4402-9CC3-9EB7430D5E29}" type="presOf" srcId="{B9E858FF-C4D8-493F-A2EE-FFCE24E447EF}" destId="{123CDAE1-B844-4273-8C07-13817C770AB4}" srcOrd="0" destOrd="0" presId="urn:microsoft.com/office/officeart/2005/8/layout/hProcess7"/>
-    <dgm:cxn modelId="{BFE08246-D524-4371-8672-70F858A8D98A}" type="presOf" srcId="{915650BE-D40A-4800-98F6-505BE0B2F454}" destId="{9EB507AB-8EF8-45E7-AD39-59929917A018}" srcOrd="0" destOrd="0" presId="urn:microsoft.com/office/officeart/2005/8/layout/hProcess7"/>
-    <dgm:cxn modelId="{25923843-4D3B-412A-97D4-AAABF0FBE207}" srcId="{915650BE-D40A-4800-98F6-505BE0B2F454}" destId="{2D6022EE-C23C-4A6F-A1B7-126871A6CF4F}" srcOrd="2" destOrd="0" parTransId="{F8206D6C-A0A9-4E39-94CD-891BF55DC31A}" sibTransId="{208AF01B-4C22-4EB1-9CCF-35BA109F232C}"/>
-    <dgm:cxn modelId="{E07703F7-1AFD-4F2D-9B1D-B56FE462A6C8}" srcId="{2D6022EE-C23C-4A6F-A1B7-126871A6CF4F}" destId="{C57D9AE7-7017-4C20-B2C9-96F6A0458841}" srcOrd="0" destOrd="0" parTransId="{C79545DA-33FA-4C41-AAE1-F7234E12A382}" sibTransId="{F340C38B-3A64-41B0-9819-639755C19A87}"/>
-    <dgm:cxn modelId="{46C4B4C2-C918-41EC-B23D-3C59130800E0}" type="presOf" srcId="{09708200-9107-421D-871C-D425060DECA0}" destId="{B0AF82BB-695B-4513-B6E3-151775CA4ABE}" srcOrd="0" destOrd="0" presId="urn:microsoft.com/office/officeart/2005/8/layout/hProcess7"/>
     <dgm:cxn modelId="{0302EAC7-424B-4C71-99E3-DA20782E48CF}" type="presParOf" srcId="{9EB507AB-8EF8-45E7-AD39-59929917A018}" destId="{C293B80D-FF1D-4E56-BF38-0207F9B2838D}" srcOrd="0" destOrd="0" presId="urn:microsoft.com/office/officeart/2005/8/layout/hProcess7"/>
     <dgm:cxn modelId="{E3AB6466-FF6C-4AA0-9AA0-E5E920601F88}" type="presParOf" srcId="{C293B80D-FF1D-4E56-BF38-0207F9B2838D}" destId="{9F74BD24-ECF4-4326-9633-E60655FBAA4A}" srcOrd="0" destOrd="0" presId="urn:microsoft.com/office/officeart/2005/8/layout/hProcess7"/>
     <dgm:cxn modelId="{9A6F684E-1656-4750-B644-30A6C8F196A5}" type="presParOf" srcId="{C293B80D-FF1D-4E56-BF38-0207F9B2838D}" destId="{0249A746-4019-4103-82BA-8EE21E68E55A}" srcOrd="1" destOrd="0" presId="urn:microsoft.com/office/officeart/2005/8/layout/hProcess7"/>
@@ -6193,8 +5659,8 @@
       </dsp:nvSpPr>
       <dsp:spPr>
         <a:xfrm>
-          <a:off x="0" y="2042"/>
-          <a:ext cx="5641974" cy="1035192"/>
+          <a:off x="0" y="600"/>
+          <a:ext cx="5641974" cy="1405728"/>
         </a:xfrm>
         <a:prstGeom prst="roundRect">
           <a:avLst>
@@ -6235,8 +5701,8 @@
       </dsp:nvSpPr>
       <dsp:spPr>
         <a:xfrm>
-          <a:off x="313145" y="234960"/>
-          <a:ext cx="569355" cy="569355"/>
+          <a:off x="425232" y="316889"/>
+          <a:ext cx="773150" cy="773150"/>
         </a:xfrm>
         <a:prstGeom prst="rect">
           <a:avLst/>
@@ -6248,7 +5714,7 @@
                 <a14:useLocalDpi xmlns:a14="http://schemas.microsoft.com/office/drawing/2010/main" val="0"/>
               </a:ext>
               <a:ext uri="{96DAC541-7B7A-43D3-8B79-37D633B846F1}">
-                <asvg:svgBlip xmlns:asvg="http://schemas.microsoft.com/office/drawing/2016/SVG/main" xmlns="" r:embed="rId2"/>
+                <asvg:svgBlip xmlns:asvg="http://schemas.microsoft.com/office/drawing/2016/SVG/main" r:embed="rId2"/>
               </a:ext>
             </a:extLst>
           </a:blip>
@@ -6284,8 +5750,8 @@
       </dsp:nvSpPr>
       <dsp:spPr>
         <a:xfrm>
-          <a:off x="1195647" y="2042"/>
-          <a:ext cx="4446327" cy="1035192"/>
+          <a:off x="1623616" y="600"/>
+          <a:ext cx="4018358" cy="1405728"/>
         </a:xfrm>
         <a:prstGeom prst="rect">
           <a:avLst/>
@@ -6309,12 +5775,12 @@
         <a:fontRef idx="minor"/>
       </dsp:style>
       <dsp:txBody>
-        <a:bodyPr spcFirstLastPara="0" vert="horz" wrap="square" lIns="109558" tIns="109558" rIns="109558" bIns="109558" numCol="1" spcCol="1270" anchor="ctr" anchorCtr="0">
+        <a:bodyPr spcFirstLastPara="0" vert="horz" wrap="square" lIns="148773" tIns="148773" rIns="148773" bIns="148773" numCol="1" spcCol="1270" anchor="ctr" anchorCtr="0">
           <a:noAutofit/>
         </a:bodyPr>
         <a:lstStyle/>
         <a:p>
-          <a:pPr lvl="0" algn="l" defTabSz="622300">
+          <a:pPr marL="0" lvl="0" indent="0" algn="l" defTabSz="711200">
             <a:lnSpc>
               <a:spcPct val="100000"/>
             </a:lnSpc>
@@ -6324,182 +5790,17 @@
             <a:spcAft>
               <a:spcPct val="35000"/>
             </a:spcAft>
+            <a:buNone/>
           </a:pPr>
           <a:r>
-            <a:rPr lang="en-US" sz="1400" kern="1200" dirty="0"/>
-            <a:t>The main challenge would be showcasing how </a:t>
-          </a:r>
-          <a:r>
-            <a:rPr lang="en-US" sz="1400" kern="1200" dirty="0" smtClean="0"/>
-            <a:t>Twitter feeds </a:t>
-          </a:r>
-          <a:r>
-            <a:rPr lang="en-US" sz="1400" kern="1200" dirty="0"/>
-            <a:t>affect the stock values (Using 3 companies)</a:t>
+            <a:rPr lang="en-US" sz="1600" kern="1200" dirty="0"/>
+            <a:t>The main challenge would be showcasing how Twitter feeds affect the stock values (Using 3 companies)</a:t>
           </a:r>
         </a:p>
       </dsp:txBody>
       <dsp:txXfrm>
-        <a:off x="1195647" y="2042"/>
-        <a:ext cx="4446327" cy="1035192"/>
-      </dsp:txXfrm>
-    </dsp:sp>
-    <dsp:sp modelId="{548C1A80-5831-4108-8474-1AA32939B08F}">
-      <dsp:nvSpPr>
-        <dsp:cNvPr id="0" name=""/>
-        <dsp:cNvSpPr/>
-      </dsp:nvSpPr>
-      <dsp:spPr>
-        <a:xfrm>
-          <a:off x="0" y="1296033"/>
-          <a:ext cx="5641974" cy="1035192"/>
-        </a:xfrm>
-        <a:prstGeom prst="roundRect">
-          <a:avLst>
-            <a:gd name="adj" fmla="val 10000"/>
-          </a:avLst>
-        </a:prstGeom>
-        <a:solidFill>
-          <a:schemeClr val="bg1">
-            <a:lumMod val="95000"/>
-            <a:hueOff val="0"/>
-            <a:satOff val="0"/>
-            <a:lumOff val="0"/>
-            <a:alphaOff val="0"/>
-          </a:schemeClr>
-        </a:solidFill>
-        <a:ln>
-          <a:noFill/>
-        </a:ln>
-        <a:effectLst/>
-      </dsp:spPr>
-      <dsp:style>
-        <a:lnRef idx="0">
-          <a:scrgbClr r="0" g="0" b="0"/>
-        </a:lnRef>
-        <a:fillRef idx="1">
-          <a:scrgbClr r="0" g="0" b="0"/>
-        </a:fillRef>
-        <a:effectRef idx="0">
-          <a:scrgbClr r="0" g="0" b="0"/>
-        </a:effectRef>
-        <a:fontRef idx="minor"/>
-      </dsp:style>
-    </dsp:sp>
-    <dsp:sp modelId="{03C744B8-1CBD-4D42-800A-31CB35231F91}">
-      <dsp:nvSpPr>
-        <dsp:cNvPr id="0" name=""/>
-        <dsp:cNvSpPr/>
-      </dsp:nvSpPr>
-      <dsp:spPr>
-        <a:xfrm>
-          <a:off x="313145" y="1528951"/>
-          <a:ext cx="569355" cy="569355"/>
-        </a:xfrm>
-        <a:prstGeom prst="rect">
-          <a:avLst/>
-        </a:prstGeom>
-        <a:blipFill>
-          <a:blip xmlns:r="http://schemas.openxmlformats.org/officeDocument/2006/relationships" r:embed="rId3">
-            <a:extLst>
-              <a:ext uri="{28A0092B-C50C-407E-A947-70E740481C1C}">
-                <a14:useLocalDpi xmlns:a14="http://schemas.microsoft.com/office/drawing/2010/main" val="0"/>
-              </a:ext>
-              <a:ext uri="{96DAC541-7B7A-43D3-8B79-37D633B846F1}">
-                <asvg:svgBlip xmlns:asvg="http://schemas.microsoft.com/office/drawing/2016/SVG/main" xmlns="" r:embed="rId4"/>
-              </a:ext>
-            </a:extLst>
-          </a:blip>
-          <a:stretch>
-            <a:fillRect/>
-          </a:stretch>
-        </a:blipFill>
-        <a:ln w="15875" cap="flat" cmpd="sng" algn="ctr">
-          <a:noFill/>
-          <a:prstDash val="solid"/>
-        </a:ln>
-        <a:effectLst/>
-      </dsp:spPr>
-      <dsp:style>
-        <a:lnRef idx="2">
-          <a:scrgbClr r="0" g="0" b="0"/>
-        </a:lnRef>
-        <a:fillRef idx="1">
-          <a:scrgbClr r="0" g="0" b="0"/>
-        </a:fillRef>
-        <a:effectRef idx="0">
-          <a:scrgbClr r="0" g="0" b="0"/>
-        </a:effectRef>
-        <a:fontRef idx="minor">
-          <a:schemeClr val="lt1"/>
-        </a:fontRef>
-      </dsp:style>
-    </dsp:sp>
-    <dsp:sp modelId="{71D40086-BF1F-4DCA-B096-5D93A0862CAE}">
-      <dsp:nvSpPr>
-        <dsp:cNvPr id="0" name=""/>
-        <dsp:cNvSpPr/>
-      </dsp:nvSpPr>
-      <dsp:spPr>
-        <a:xfrm>
-          <a:off x="1195647" y="1296033"/>
-          <a:ext cx="4446327" cy="1035192"/>
-        </a:xfrm>
-        <a:prstGeom prst="rect">
-          <a:avLst/>
-        </a:prstGeom>
-        <a:noFill/>
-        <a:ln>
-          <a:noFill/>
-        </a:ln>
-        <a:effectLst/>
-      </dsp:spPr>
-      <dsp:style>
-        <a:lnRef idx="0">
-          <a:scrgbClr r="0" g="0" b="0"/>
-        </a:lnRef>
-        <a:fillRef idx="0">
-          <a:scrgbClr r="0" g="0" b="0"/>
-        </a:fillRef>
-        <a:effectRef idx="0">
-          <a:scrgbClr r="0" g="0" b="0"/>
-        </a:effectRef>
-        <a:fontRef idx="minor"/>
-      </dsp:style>
-      <dsp:txBody>
-        <a:bodyPr spcFirstLastPara="0" vert="horz" wrap="square" lIns="109558" tIns="109558" rIns="109558" bIns="109558" numCol="1" spcCol="1270" anchor="ctr" anchorCtr="0">
-          <a:noAutofit/>
-        </a:bodyPr>
-        <a:lstStyle/>
-        <a:p>
-          <a:pPr lvl="0" algn="l" defTabSz="622300">
-            <a:lnSpc>
-              <a:spcPct val="100000"/>
-            </a:lnSpc>
-            <a:spcBef>
-              <a:spcPct val="0"/>
-            </a:spcBef>
-            <a:spcAft>
-              <a:spcPct val="35000"/>
-            </a:spcAft>
-          </a:pPr>
-          <a:r>
-            <a:rPr lang="en-US" sz="1400" kern="1200" dirty="0"/>
-            <a:t>We need to get proper news feeds of a respective companies from social </a:t>
-          </a:r>
-          <a:r>
-            <a:rPr lang="en-US" sz="1400" kern="1200" dirty="0" smtClean="0"/>
-            <a:t>media(Twitter) which </a:t>
-          </a:r>
-          <a:r>
-            <a:rPr lang="en-US" sz="1400" kern="1200" dirty="0"/>
-            <a:t>needs to be checked for authenticity to check their influence on the stock value.  </a:t>
-          </a:r>
-        </a:p>
-      </dsp:txBody>
-      <dsp:txXfrm>
-        <a:off x="1195647" y="1296033"/>
-        <a:ext cx="4446327" cy="1035192"/>
+        <a:off x="1623616" y="600"/>
+        <a:ext cx="4018358" cy="1405728"/>
       </dsp:txXfrm>
     </dsp:sp>
     <dsp:sp modelId="{AB866788-43E9-4301-A7EB-A481A3158E89}">
@@ -6509,8 +5810,8 @@
       </dsp:nvSpPr>
       <dsp:spPr>
         <a:xfrm>
-          <a:off x="0" y="2590024"/>
-          <a:ext cx="5641974" cy="1035192"/>
+          <a:off x="0" y="1757760"/>
+          <a:ext cx="5641974" cy="1405728"/>
         </a:xfrm>
         <a:prstGeom prst="roundRect">
           <a:avLst>
@@ -6551,8 +5852,8 @@
       </dsp:nvSpPr>
       <dsp:spPr>
         <a:xfrm>
-          <a:off x="313145" y="2822942"/>
-          <a:ext cx="569355" cy="569355"/>
+          <a:off x="425232" y="2074049"/>
+          <a:ext cx="773150" cy="773150"/>
         </a:xfrm>
         <a:prstGeom prst="rect">
           <a:avLst/>
@@ -6564,7 +5865,7 @@
                 <a14:useLocalDpi xmlns:a14="http://schemas.microsoft.com/office/drawing/2010/main" val="0"/>
               </a:ext>
               <a:ext uri="{96DAC541-7B7A-43D3-8B79-37D633B846F1}">
-                <asvg:svgBlip xmlns:asvg="http://schemas.microsoft.com/office/drawing/2016/SVG/main" xmlns="" r:embed="rId4"/>
+                <asvg:svgBlip xmlns:asvg="http://schemas.microsoft.com/office/drawing/2016/SVG/main" r:embed="rId4"/>
               </a:ext>
             </a:extLst>
           </a:blip>
@@ -6609,8 +5910,8 @@
       </dsp:nvSpPr>
       <dsp:spPr>
         <a:xfrm>
-          <a:off x="1195647" y="2590024"/>
-          <a:ext cx="4446327" cy="1035192"/>
+          <a:off x="1623616" y="1757760"/>
+          <a:ext cx="4018358" cy="1405728"/>
         </a:xfrm>
         <a:prstGeom prst="rect">
           <a:avLst/>
@@ -6634,12 +5935,12 @@
         <a:fontRef idx="minor"/>
       </dsp:style>
       <dsp:txBody>
-        <a:bodyPr spcFirstLastPara="0" vert="horz" wrap="square" lIns="109558" tIns="109558" rIns="109558" bIns="109558" numCol="1" spcCol="1270" anchor="ctr" anchorCtr="0">
+        <a:bodyPr spcFirstLastPara="0" vert="horz" wrap="square" lIns="148773" tIns="148773" rIns="148773" bIns="148773" numCol="1" spcCol="1270" anchor="ctr" anchorCtr="0">
           <a:noAutofit/>
         </a:bodyPr>
         <a:lstStyle/>
         <a:p>
-          <a:pPr lvl="0" algn="l" defTabSz="622300">
+          <a:pPr marL="0" lvl="0" indent="0" algn="l" defTabSz="711200">
             <a:lnSpc>
               <a:spcPct val="100000"/>
             </a:lnSpc>
@@ -6649,35 +5950,31 @@
             <a:spcAft>
               <a:spcPct val="35000"/>
             </a:spcAft>
+            <a:buNone/>
           </a:pPr>
           <a:r>
-            <a:rPr lang="en-US" sz="1400" kern="1200" dirty="0"/>
-            <a:t>Prediction ranges </a:t>
-          </a:r>
-          <a:r>
-            <a:rPr lang="en-US" sz="1400" kern="1200" dirty="0" smtClean="0"/>
-            <a:t>:                                                         1) Small gain or lose(Small change 2%)</a:t>
+            <a:rPr lang="en-US" sz="1600" kern="1200" dirty="0"/>
+            <a:t>Prediction ranges :                                                         1) Small gain or lose(Small change 2%)</a:t>
           </a:r>
           <a:br>
-            <a:rPr lang="en-US" sz="1400" kern="1200" dirty="0" smtClean="0"/>
+            <a:rPr lang="en-US" sz="1600" kern="1200" dirty="0"/>
           </a:br>
           <a:r>
-            <a:rPr lang="en-US" sz="1400" kern="1200" dirty="0" smtClean="0"/>
+            <a:rPr lang="en-US" sz="1600" kern="1200" dirty="0"/>
             <a:t>2) Neutral (No Change in Stock value)</a:t>
           </a:r>
           <a:br>
-            <a:rPr lang="en-US" sz="1400" kern="1200" dirty="0" smtClean="0"/>
+            <a:rPr lang="en-US" sz="1600" kern="1200" dirty="0"/>
           </a:br>
           <a:r>
-            <a:rPr lang="en-US" sz="1400" kern="1200" dirty="0" smtClean="0"/>
+            <a:rPr lang="en-US" sz="1600" kern="1200" dirty="0"/>
             <a:t>3) Large gain or lose (Large change 10%)</a:t>
           </a:r>
-          <a:endParaRPr lang="en-US" sz="1400" kern="1200" dirty="0"/>
         </a:p>
       </dsp:txBody>
       <dsp:txXfrm>
-        <a:off x="1195647" y="2590024"/>
-        <a:ext cx="4446327" cy="1035192"/>
+        <a:off x="1623616" y="1757760"/>
+        <a:ext cx="4018358" cy="1405728"/>
       </dsp:txXfrm>
     </dsp:sp>
     <dsp:sp modelId="{67D1901F-B571-6146-9622-1749C5A45F7C}">
@@ -6687,8 +5984,8 @@
       </dsp:nvSpPr>
       <dsp:spPr>
         <a:xfrm>
-          <a:off x="0" y="3884014"/>
-          <a:ext cx="5641974" cy="1035192"/>
+          <a:off x="0" y="3514921"/>
+          <a:ext cx="5641974" cy="1405728"/>
         </a:xfrm>
         <a:prstGeom prst="roundRect">
           <a:avLst>
@@ -6729,8 +6026,8 @@
       </dsp:nvSpPr>
       <dsp:spPr>
         <a:xfrm>
-          <a:off x="313145" y="4116933"/>
-          <a:ext cx="569355" cy="569355"/>
+          <a:off x="425232" y="3831209"/>
+          <a:ext cx="773150" cy="773150"/>
         </a:xfrm>
         <a:prstGeom prst="rect">
           <a:avLst/>
@@ -6777,8 +6074,8 @@
       </dsp:nvSpPr>
       <dsp:spPr>
         <a:xfrm>
-          <a:off x="1195647" y="3884014"/>
-          <a:ext cx="4446327" cy="1035192"/>
+          <a:off x="1623616" y="3514921"/>
+          <a:ext cx="4018358" cy="1405728"/>
         </a:xfrm>
         <a:prstGeom prst="rect">
           <a:avLst/>
@@ -6802,14 +6099,14 @@
         <a:fontRef idx="minor"/>
       </dsp:style>
       <dsp:txBody>
-        <a:bodyPr spcFirstLastPara="0" vert="horz" wrap="square" lIns="109558" tIns="109558" rIns="109558" bIns="109558" numCol="1" spcCol="1270" anchor="ctr" anchorCtr="0">
+        <a:bodyPr spcFirstLastPara="0" vert="horz" wrap="square" lIns="148773" tIns="148773" rIns="148773" bIns="148773" numCol="1" spcCol="1270" anchor="ctr" anchorCtr="0">
           <a:noAutofit/>
         </a:bodyPr>
         <a:lstStyle/>
         <a:p>
-          <a:pPr lvl="0" algn="l" defTabSz="622300">
+          <a:pPr marL="0" lvl="0" indent="0" algn="l" defTabSz="711200">
             <a:lnSpc>
-              <a:spcPct val="90000"/>
+              <a:spcPct val="100000"/>
             </a:lnSpc>
             <a:spcBef>
               <a:spcPct val="0"/>
@@ -6817,29 +6114,29 @@
             <a:spcAft>
               <a:spcPct val="35000"/>
             </a:spcAft>
+            <a:buNone/>
           </a:pPr>
           <a:r>
-            <a:rPr lang="en-US" sz="1400" b="1" kern="1200" dirty="0" smtClean="0"/>
+            <a:rPr lang="en-US" sz="1600" b="1" kern="1200" dirty="0"/>
             <a:t>Reactive Application! </a:t>
           </a:r>
           <a:r>
-            <a:rPr lang="en-US" sz="1400" kern="1200" dirty="0" smtClean="0"/>
+            <a:rPr lang="en-US" sz="1600" kern="1200" dirty="0"/>
             <a:t>Used </a:t>
           </a:r>
           <a:r>
-            <a:rPr lang="en-US" sz="1400" b="1" kern="1200" dirty="0" smtClean="0"/>
+            <a:rPr lang="en-US" sz="1600" b="1" kern="1200" dirty="0"/>
             <a:t>PLAY</a:t>
           </a:r>
           <a:r>
-            <a:rPr lang="en-US" sz="1400" kern="1200" dirty="0" smtClean="0"/>
+            <a:rPr lang="en-US" sz="1600" kern="1200" dirty="0"/>
             <a:t> framework.                 We were also able to compute to suggest to predict future trends for the particular stock.</a:t>
           </a:r>
-          <a:endParaRPr lang="en-US" sz="1400" kern="1200" dirty="0"/>
         </a:p>
       </dsp:txBody>
       <dsp:txXfrm>
-        <a:off x="1195647" y="3884014"/>
-        <a:ext cx="4446327" cy="1035192"/>
+        <a:off x="1623616" y="3514921"/>
+        <a:ext cx="4018358" cy="1405728"/>
       </dsp:txXfrm>
     </dsp:sp>
   </dsp:spTree>
@@ -6908,7 +6205,7 @@
         </a:bodyPr>
         <a:lstStyle/>
         <a:p>
-          <a:pPr lvl="0" algn="ctr" defTabSz="488950">
+          <a:pPr marL="0" lvl="0" indent="0" algn="ctr" defTabSz="488950">
             <a:lnSpc>
               <a:spcPct val="100000"/>
             </a:lnSpc>
@@ -6918,6 +6215,7 @@
             <a:spcAft>
               <a:spcPct val="35000"/>
             </a:spcAft>
+            <a:buNone/>
           </a:pPr>
           <a:r>
             <a:rPr lang="en-US" sz="1100" kern="1200" dirty="0"/>
@@ -6986,7 +6284,7 @@
         </a:bodyPr>
         <a:lstStyle/>
         <a:p>
-          <a:pPr lvl="0" algn="ctr" defTabSz="755650">
+          <a:pPr marL="0" lvl="0" indent="0" algn="ctr" defTabSz="755650">
             <a:lnSpc>
               <a:spcPct val="100000"/>
             </a:lnSpc>
@@ -6996,6 +6294,7 @@
             <a:spcAft>
               <a:spcPct val="35000"/>
             </a:spcAft>
+            <a:buNone/>
           </a:pPr>
           <a:r>
             <a:rPr lang="en-US" sz="1700" kern="1200" dirty="0"/>
@@ -7064,7 +6363,7 @@
         </a:bodyPr>
         <a:lstStyle/>
         <a:p>
-          <a:pPr lvl="0" algn="ctr" defTabSz="755650">
+          <a:pPr marL="0" lvl="0" indent="0" algn="ctr" defTabSz="755650">
             <a:lnSpc>
               <a:spcPct val="100000"/>
             </a:lnSpc>
@@ -7074,6 +6373,7 @@
             <a:spcAft>
               <a:spcPct val="35000"/>
             </a:spcAft>
+            <a:buNone/>
           </a:pPr>
           <a:r>
             <a:rPr lang="en-US" sz="1700" kern="1200" dirty="0"/>
@@ -7142,7 +6442,7 @@
         </a:bodyPr>
         <a:lstStyle/>
         <a:p>
-          <a:pPr lvl="0" algn="ctr" defTabSz="755650">
+          <a:pPr marL="0" lvl="0" indent="0" algn="ctr" defTabSz="755650">
             <a:lnSpc>
               <a:spcPct val="100000"/>
             </a:lnSpc>
@@ -7152,6 +6452,7 @@
             <a:spcAft>
               <a:spcPct val="35000"/>
             </a:spcAft>
+            <a:buNone/>
           </a:pPr>
           <a:r>
             <a:rPr lang="en-US" sz="1700" kern="1200" dirty="0"/>
@@ -7218,7 +6519,7 @@
         </a:bodyPr>
         <a:lstStyle/>
         <a:p>
-          <a:pPr lvl="0" algn="ctr" defTabSz="488950">
+          <a:pPr marL="0" lvl="0" indent="0" algn="ctr" defTabSz="488950">
             <a:lnSpc>
               <a:spcPct val="100000"/>
             </a:lnSpc>
@@ -7228,6 +6529,7 @@
             <a:spcAft>
               <a:spcPct val="35000"/>
             </a:spcAft>
+            <a:buNone/>
           </a:pPr>
           <a:r>
             <a:rPr lang="en-US" sz="1100" kern="1200" dirty="0"/>
@@ -7296,7 +6598,7 @@
         </a:bodyPr>
         <a:lstStyle/>
         <a:p>
-          <a:pPr lvl="0" algn="ctr" defTabSz="755650">
+          <a:pPr marL="0" lvl="0" indent="0" algn="ctr" defTabSz="755650">
             <a:lnSpc>
               <a:spcPct val="100000"/>
             </a:lnSpc>
@@ -7306,6 +6608,7 @@
             <a:spcAft>
               <a:spcPct val="35000"/>
             </a:spcAft>
+            <a:buNone/>
           </a:pPr>
           <a:r>
             <a:rPr lang="en-US" sz="1700" kern="1200" dirty="0"/>
@@ -7374,7 +6677,7 @@
         </a:bodyPr>
         <a:lstStyle/>
         <a:p>
-          <a:pPr lvl="0" algn="ctr" defTabSz="755650">
+          <a:pPr marL="0" lvl="0" indent="0" algn="ctr" defTabSz="755650">
             <a:lnSpc>
               <a:spcPct val="100000"/>
             </a:lnSpc>
@@ -7384,6 +6687,7 @@
             <a:spcAft>
               <a:spcPct val="35000"/>
             </a:spcAft>
+            <a:buNone/>
           </a:pPr>
           <a:r>
             <a:rPr lang="en-US" sz="1700" kern="1200" dirty="0"/>
@@ -7450,7 +6754,7 @@
         </a:bodyPr>
         <a:lstStyle/>
         <a:p>
-          <a:pPr lvl="0" algn="ctr" defTabSz="488950">
+          <a:pPr marL="0" lvl="0" indent="0" algn="ctr" defTabSz="488950">
             <a:lnSpc>
               <a:spcPct val="100000"/>
             </a:lnSpc>
@@ -7460,6 +6764,7 @@
             <a:spcAft>
               <a:spcPct val="35000"/>
             </a:spcAft>
+            <a:buNone/>
           </a:pPr>
           <a:r>
             <a:rPr lang="en-US" sz="1100" kern="1200" dirty="0"/>
@@ -7528,7 +6833,7 @@
         </a:bodyPr>
         <a:lstStyle/>
         <a:p>
-          <a:pPr lvl="0" algn="ctr" defTabSz="755650">
+          <a:pPr marL="0" lvl="0" indent="0" algn="ctr" defTabSz="755650">
             <a:lnSpc>
               <a:spcPct val="100000"/>
             </a:lnSpc>
@@ -7538,6 +6843,7 @@
             <a:spcAft>
               <a:spcPct val="35000"/>
             </a:spcAft>
+            <a:buNone/>
           </a:pPr>
           <a:r>
             <a:rPr lang="en-US" sz="1700" kern="1200" dirty="0"/>
@@ -7606,7 +6912,7 @@
         </a:bodyPr>
         <a:lstStyle/>
         <a:p>
-          <a:pPr lvl="0" algn="ctr" defTabSz="755650">
+          <a:pPr marL="0" lvl="0" indent="0" algn="ctr" defTabSz="755650">
             <a:lnSpc>
               <a:spcPct val="100000"/>
             </a:lnSpc>
@@ -7616,6 +6922,7 @@
             <a:spcAft>
               <a:spcPct val="35000"/>
             </a:spcAft>
+            <a:buNone/>
           </a:pPr>
           <a:r>
             <a:rPr lang="en-US" sz="1700" kern="1200" dirty="0"/>
@@ -7682,7 +6989,7 @@
         </a:bodyPr>
         <a:lstStyle/>
         <a:p>
-          <a:pPr lvl="0" algn="ctr" defTabSz="488950">
+          <a:pPr marL="0" lvl="0" indent="0" algn="ctr" defTabSz="488950">
             <a:lnSpc>
               <a:spcPct val="100000"/>
             </a:lnSpc>
@@ -7692,6 +6999,7 @@
             <a:spcAft>
               <a:spcPct val="35000"/>
             </a:spcAft>
+            <a:buNone/>
           </a:pPr>
           <a:r>
             <a:rPr lang="en-US" sz="1100" kern="1200" dirty="0"/>
@@ -7704,15 +7012,15 @@
         <a:ext cx="10515600" cy="331871"/>
       </dsp:txXfrm>
     </dsp:sp>
-    <dsp:sp modelId="{B7E1A251-AF4C-4A3F-84C4-69F34DA0B292}">
+    <dsp:sp modelId="{6E1BA8AE-658E-4E44-B425-476C5EE09793}">
       <dsp:nvSpPr>
         <dsp:cNvPr id="0" name=""/>
         <dsp:cNvSpPr/>
       </dsp:nvSpPr>
       <dsp:spPr>
         <a:xfrm>
-          <a:off x="5134" y="1270240"/>
-          <a:ext cx="3501776" cy="282705"/>
+          <a:off x="0" y="1270240"/>
+          <a:ext cx="5257799" cy="282705"/>
         </a:xfrm>
         <a:prstGeom prst="rect">
           <a:avLst/>
@@ -7760,7 +7068,7 @@
         </a:bodyPr>
         <a:lstStyle/>
         <a:p>
-          <a:pPr lvl="0" algn="ctr" defTabSz="755650">
+          <a:pPr marL="0" lvl="0" indent="0" algn="ctr" defTabSz="755650">
             <a:lnSpc>
               <a:spcPct val="100000"/>
             </a:lnSpc>
@@ -7770,27 +7078,28 @@
             <a:spcAft>
               <a:spcPct val="35000"/>
             </a:spcAft>
+            <a:buNone/>
           </a:pPr>
           <a:r>
             <a:rPr lang="en-US" sz="1700" kern="1200" dirty="0"/>
-            <a:t>News Feeds</a:t>
+            <a:t>Twitter</a:t>
           </a:r>
         </a:p>
       </dsp:txBody>
       <dsp:txXfrm>
-        <a:off x="5134" y="1270240"/>
-        <a:ext cx="3501776" cy="282705"/>
+        <a:off x="0" y="1270240"/>
+        <a:ext cx="5257799" cy="282705"/>
       </dsp:txXfrm>
     </dsp:sp>
-    <dsp:sp modelId="{6E1BA8AE-658E-4E44-B425-476C5EE09793}">
+    <dsp:sp modelId="{56B81042-37B5-4DC0-BE7F-D400B29B9A36}">
       <dsp:nvSpPr>
         <dsp:cNvPr id="0" name=""/>
         <dsp:cNvSpPr/>
       </dsp:nvSpPr>
       <dsp:spPr>
         <a:xfrm>
-          <a:off x="3506911" y="1270240"/>
-          <a:ext cx="3501776" cy="282705"/>
+          <a:off x="5257800" y="1270240"/>
+          <a:ext cx="5257799" cy="282705"/>
         </a:xfrm>
         <a:prstGeom prst="rect">
           <a:avLst/>
@@ -7838,7 +7147,7 @@
         </a:bodyPr>
         <a:lstStyle/>
         <a:p>
-          <a:pPr lvl="0" algn="ctr" defTabSz="755650">
+          <a:pPr marL="0" lvl="0" indent="0" algn="ctr" defTabSz="755650">
             <a:lnSpc>
               <a:spcPct val="100000"/>
             </a:lnSpc>
@@ -7848,84 +7157,7 @@
             <a:spcAft>
               <a:spcPct val="35000"/>
             </a:spcAft>
-          </a:pPr>
-          <a:r>
-            <a:rPr lang="en-US" sz="1700" kern="1200" dirty="0"/>
-            <a:t>Twitter</a:t>
-          </a:r>
-        </a:p>
-      </dsp:txBody>
-      <dsp:txXfrm>
-        <a:off x="3506911" y="1270240"/>
-        <a:ext cx="3501776" cy="282705"/>
-      </dsp:txXfrm>
-    </dsp:sp>
-    <dsp:sp modelId="{56B81042-37B5-4DC0-BE7F-D400B29B9A36}">
-      <dsp:nvSpPr>
-        <dsp:cNvPr id="0" name=""/>
-        <dsp:cNvSpPr/>
-      </dsp:nvSpPr>
-      <dsp:spPr>
-        <a:xfrm>
-          <a:off x="7008688" y="1270240"/>
-          <a:ext cx="3501776" cy="282705"/>
-        </a:xfrm>
-        <a:prstGeom prst="rect">
-          <a:avLst/>
-        </a:prstGeom>
-        <a:solidFill>
-          <a:schemeClr val="accent1">
-            <a:alpha val="90000"/>
-            <a:tint val="40000"/>
-            <a:hueOff val="0"/>
-            <a:satOff val="0"/>
-            <a:lumOff val="0"/>
-            <a:alphaOff val="0"/>
-          </a:schemeClr>
-        </a:solidFill>
-        <a:ln w="15875" cap="flat" cmpd="sng" algn="ctr">
-          <a:solidFill>
-            <a:schemeClr val="accent1">
-              <a:alpha val="90000"/>
-              <a:tint val="40000"/>
-              <a:hueOff val="0"/>
-              <a:satOff val="0"/>
-              <a:lumOff val="0"/>
-              <a:alphaOff val="0"/>
-            </a:schemeClr>
-          </a:solidFill>
-          <a:prstDash val="solid"/>
-        </a:ln>
-        <a:effectLst/>
-      </dsp:spPr>
-      <dsp:style>
-        <a:lnRef idx="2">
-          <a:scrgbClr r="0" g="0" b="0"/>
-        </a:lnRef>
-        <a:fillRef idx="1">
-          <a:scrgbClr r="0" g="0" b="0"/>
-        </a:fillRef>
-        <a:effectRef idx="0">
-          <a:scrgbClr r="0" g="0" b="0"/>
-        </a:effectRef>
-        <a:fontRef idx="minor"/>
-      </dsp:style>
-      <dsp:txBody>
-        <a:bodyPr spcFirstLastPara="0" vert="horz" wrap="square" lIns="120904" tIns="21590" rIns="120904" bIns="21590" numCol="1" spcCol="1270" anchor="ctr" anchorCtr="0">
-          <a:noAutofit/>
-        </a:bodyPr>
-        <a:lstStyle/>
-        <a:p>
-          <a:pPr lvl="0" algn="ctr" defTabSz="755650">
-            <a:lnSpc>
-              <a:spcPct val="100000"/>
-            </a:lnSpc>
-            <a:spcBef>
-              <a:spcPct val="0"/>
-            </a:spcBef>
-            <a:spcAft>
-              <a:spcPct val="35000"/>
-            </a:spcAft>
+            <a:buNone/>
           </a:pPr>
           <a:r>
             <a:rPr lang="en-US" sz="1700" kern="1200" dirty="0"/>
@@ -7934,8 +7166,8 @@
         </a:p>
       </dsp:txBody>
       <dsp:txXfrm>
-        <a:off x="7008688" y="1270240"/>
-        <a:ext cx="3501776" cy="282705"/>
+        <a:off x="5257800" y="1270240"/>
+        <a:ext cx="5257799" cy="282705"/>
       </dsp:txXfrm>
     </dsp:sp>
     <dsp:sp modelId="{3D537E0A-2C83-4CC7-90FA-3400F15AE972}">
@@ -7992,7 +7224,7 @@
         </a:bodyPr>
         <a:lstStyle/>
         <a:p>
-          <a:pPr lvl="0" algn="ctr" defTabSz="488950">
+          <a:pPr marL="0" lvl="0" indent="0" algn="ctr" defTabSz="488950">
             <a:lnSpc>
               <a:spcPct val="100000"/>
             </a:lnSpc>
@@ -8002,6 +7234,7 @@
             <a:spcAft>
               <a:spcPct val="35000"/>
             </a:spcAft>
+            <a:buNone/>
           </a:pPr>
           <a:r>
             <a:rPr lang="en-US" sz="1100" kern="1200" dirty="0"/>
@@ -8094,7 +7327,7 @@
                 <a14:useLocalDpi xmlns:a14="http://schemas.microsoft.com/office/drawing/2010/main" val="0"/>
               </a:ext>
               <a:ext uri="{96DAC541-7B7A-43D3-8B79-37D633B846F1}">
-                <asvg:svgBlip xmlns:asvg="http://schemas.microsoft.com/office/drawing/2016/SVG/main" xmlns="" r:embed="rId2"/>
+                <asvg:svgBlip xmlns:asvg="http://schemas.microsoft.com/office/drawing/2016/SVG/main" r:embed="rId2"/>
               </a:ext>
             </a:extLst>
           </a:blip>
@@ -8165,7 +7398,7 @@
         </a:bodyPr>
         <a:lstStyle/>
         <a:p>
-          <a:pPr lvl="0" algn="l" defTabSz="977900">
+          <a:pPr marL="0" lvl="0" indent="0" algn="l" defTabSz="977900">
             <a:lnSpc>
               <a:spcPct val="90000"/>
             </a:lnSpc>
@@ -8175,12 +7408,12 @@
             <a:spcAft>
               <a:spcPct val="35000"/>
             </a:spcAft>
+            <a:buNone/>
           </a:pPr>
           <a:r>
-            <a:rPr lang="en-US" sz="2200" kern="1200" dirty="0" smtClean="0"/>
+            <a:rPr lang="en-US" sz="2200" kern="1200" dirty="0"/>
             <a:t>Used Quandl api to ingest data using python.</a:t>
           </a:r>
-          <a:endParaRPr lang="en-US" sz="2200" kern="1200" dirty="0"/>
         </a:p>
       </dsp:txBody>
       <dsp:txXfrm>
@@ -8256,7 +7489,7 @@
                 <a14:useLocalDpi xmlns:a14="http://schemas.microsoft.com/office/drawing/2010/main" val="0"/>
               </a:ext>
               <a:ext uri="{96DAC541-7B7A-43D3-8B79-37D633B846F1}">
-                <asvg:svgBlip xmlns:asvg="http://schemas.microsoft.com/office/drawing/2016/SVG/main" xmlns="" r:embed="rId4"/>
+                <asvg:svgBlip xmlns:asvg="http://schemas.microsoft.com/office/drawing/2016/SVG/main" r:embed="rId4"/>
               </a:ext>
             </a:extLst>
           </a:blip>
@@ -8327,7 +7560,7 @@
         </a:bodyPr>
         <a:lstStyle/>
         <a:p>
-          <a:pPr lvl="0" algn="l" defTabSz="977900">
+          <a:pPr marL="0" lvl="0" indent="0" algn="l" defTabSz="977900">
             <a:lnSpc>
               <a:spcPct val="90000"/>
             </a:lnSpc>
@@ -8337,6 +7570,7 @@
             <a:spcAft>
               <a:spcPct val="35000"/>
             </a:spcAft>
+            <a:buNone/>
           </a:pPr>
           <a:r>
             <a:rPr lang="en-US" sz="2200" kern="1200" dirty="0"/>
@@ -8417,7 +7651,7 @@
                 <a14:useLocalDpi xmlns:a14="http://schemas.microsoft.com/office/drawing/2010/main" val="0"/>
               </a:ext>
               <a:ext uri="{96DAC541-7B7A-43D3-8B79-37D633B846F1}">
-                <asvg:svgBlip xmlns:asvg="http://schemas.microsoft.com/office/drawing/2016/SVG/main" xmlns="" r:embed="rId6"/>
+                <asvg:svgBlip xmlns:asvg="http://schemas.microsoft.com/office/drawing/2016/SVG/main" r:embed="rId6"/>
               </a:ext>
             </a:extLst>
           </a:blip>
@@ -8488,7 +7722,7 @@
         </a:bodyPr>
         <a:lstStyle/>
         <a:p>
-          <a:pPr lvl="0" algn="l" defTabSz="977900">
+          <a:pPr marL="0" lvl="0" indent="0" algn="l" defTabSz="977900">
             <a:lnSpc>
               <a:spcPct val="90000"/>
             </a:lnSpc>
@@ -8498,6 +7732,7 @@
             <a:spcAft>
               <a:spcPct val="35000"/>
             </a:spcAft>
+            <a:buNone/>
           </a:pPr>
           <a:r>
             <a:rPr lang="en-US" sz="2200" kern="1200"/>
@@ -8640,7 +7875,7 @@
         </a:bodyPr>
         <a:lstStyle/>
         <a:p>
-          <a:pPr lvl="0" algn="l" defTabSz="977900">
+          <a:pPr marL="0" lvl="0" indent="0" algn="l" defTabSz="977900">
             <a:lnSpc>
               <a:spcPct val="90000"/>
             </a:lnSpc>
@@ -8650,12 +7885,12 @@
             <a:spcAft>
               <a:spcPct val="35000"/>
             </a:spcAft>
+            <a:buNone/>
           </a:pPr>
           <a:r>
-            <a:rPr lang="en-US" sz="2200" kern="1200" dirty="0" smtClean="0"/>
+            <a:rPr lang="en-US" sz="2200" kern="1200" dirty="0"/>
             <a:t>We trained the model with the data of 5 companies and 10000 rows</a:t>
           </a:r>
-          <a:endParaRPr lang="en-US" sz="2200" kern="1200" dirty="0"/>
         </a:p>
       </dsp:txBody>
       <dsp:txXfrm>
@@ -8731,7 +7966,7 @@
         </a:bodyPr>
         <a:lstStyle/>
         <a:p>
-          <a:pPr lvl="0" algn="r" defTabSz="1289050">
+          <a:pPr marL="0" lvl="0" indent="0" algn="r" defTabSz="1289050">
             <a:lnSpc>
               <a:spcPct val="90000"/>
             </a:lnSpc>
@@ -8741,6 +7976,7 @@
             <a:spcAft>
               <a:spcPct val="35000"/>
             </a:spcAft>
+            <a:buNone/>
           </a:pPr>
           <a:r>
             <a:rPr lang="en-US" sz="2900" kern="1200" dirty="0"/>
@@ -8802,7 +8038,7 @@
         </a:bodyPr>
         <a:lstStyle/>
         <a:p>
-          <a:pPr lvl="0" algn="l" defTabSz="889000">
+          <a:pPr marL="0" lvl="0" indent="0" algn="l" defTabSz="889000">
             <a:lnSpc>
               <a:spcPct val="90000"/>
             </a:lnSpc>
@@ -8812,6 +8048,7 @@
             <a:spcAft>
               <a:spcPct val="35000"/>
             </a:spcAft>
+            <a:buNone/>
           </a:pPr>
           <a:r>
             <a:rPr lang="en-US" sz="2000" kern="1200" dirty="0"/>
@@ -8880,7 +8117,7 @@
         </a:bodyPr>
         <a:lstStyle/>
         <a:p>
-          <a:pPr lvl="0" algn="r" defTabSz="1289050">
+          <a:pPr marL="0" lvl="0" indent="0" algn="r" defTabSz="1289050">
             <a:lnSpc>
               <a:spcPct val="90000"/>
             </a:lnSpc>
@@ -8890,6 +8127,7 @@
             <a:spcAft>
               <a:spcPct val="35000"/>
             </a:spcAft>
+            <a:buNone/>
           </a:pPr>
           <a:r>
             <a:rPr lang="en-US" sz="2900" kern="1200" dirty="0"/>
@@ -8998,7 +8236,7 @@
         </a:bodyPr>
         <a:lstStyle/>
         <a:p>
-          <a:pPr lvl="0" algn="l" defTabSz="889000">
+          <a:pPr marL="0" lvl="0" indent="0" algn="l" defTabSz="889000">
             <a:lnSpc>
               <a:spcPct val="90000"/>
             </a:lnSpc>
@@ -9008,6 +8246,7 @@
             <a:spcAft>
               <a:spcPct val="35000"/>
             </a:spcAft>
+            <a:buNone/>
           </a:pPr>
           <a:r>
             <a:rPr lang="en-US" sz="2000" kern="1200" dirty="0"/>
@@ -9076,7 +8315,7 @@
         </a:bodyPr>
         <a:lstStyle/>
         <a:p>
-          <a:pPr lvl="0" algn="r" defTabSz="1289050">
+          <a:pPr marL="0" lvl="0" indent="0" algn="r" defTabSz="1289050">
             <a:lnSpc>
               <a:spcPct val="90000"/>
             </a:lnSpc>
@@ -9086,6 +8325,7 @@
             <a:spcAft>
               <a:spcPct val="35000"/>
             </a:spcAft>
+            <a:buNone/>
           </a:pPr>
           <a:r>
             <a:rPr lang="en-US" sz="2900" kern="1200" dirty="0"/>
@@ -9194,7 +8434,7 @@
         </a:bodyPr>
         <a:lstStyle/>
         <a:p>
-          <a:pPr lvl="0" algn="l" defTabSz="889000">
+          <a:pPr marL="0" lvl="0" indent="0" algn="l" defTabSz="889000">
             <a:lnSpc>
               <a:spcPct val="90000"/>
             </a:lnSpc>
@@ -9204,6 +8444,7 @@
             <a:spcAft>
               <a:spcPct val="35000"/>
             </a:spcAft>
+            <a:buNone/>
           </a:pPr>
           <a:r>
             <a:rPr lang="en-US" sz="2000" kern="1200" dirty="0"/>
@@ -9272,7 +8513,7 @@
         </a:bodyPr>
         <a:lstStyle/>
         <a:p>
-          <a:pPr lvl="0" algn="r" defTabSz="1289050">
+          <a:pPr marL="0" lvl="0" indent="0" algn="r" defTabSz="1289050">
             <a:lnSpc>
               <a:spcPct val="90000"/>
             </a:lnSpc>
@@ -9282,6 +8523,7 @@
             <a:spcAft>
               <a:spcPct val="35000"/>
             </a:spcAft>
+            <a:buNone/>
           </a:pPr>
           <a:r>
             <a:rPr lang="en-US" sz="2900" kern="1200" dirty="0"/>
@@ -9390,7 +8632,7 @@
         </a:bodyPr>
         <a:lstStyle/>
         <a:p>
-          <a:pPr lvl="0" algn="l" defTabSz="889000">
+          <a:pPr marL="0" lvl="0" indent="0" algn="l" defTabSz="889000">
             <a:lnSpc>
               <a:spcPct val="90000"/>
             </a:lnSpc>
@@ -9400,6 +8642,7 @@
             <a:spcAft>
               <a:spcPct val="35000"/>
             </a:spcAft>
+            <a:buNone/>
           </a:pPr>
           <a:r>
             <a:rPr lang="en-US" sz="2000" kern="1200" dirty="0"/>
@@ -9693,7 +8936,7 @@
   </dgm:layoutNode>
   <dgm:extLst>
     <a:ext uri="{68A01E43-0DF5-4B5B-8FA6-DAF915123BFB}">
-      <dgm1612:lstStyle xmlns:dgm1612="http://schemas.microsoft.com/office/drawing/2016/12/diagram" xmlns="">
+      <dgm1612:lstStyle xmlns:dgm1612="http://schemas.microsoft.com/office/drawing/2016/12/diagram">
         <a:lvl1pPr>
           <a:lnSpc>
             <a:spcPct val="100000"/>
@@ -10340,7 +9583,7 @@
   </dgm:layoutNode>
   <dgm:extLst>
     <a:ext uri="{68A01E43-0DF5-4B5B-8FA6-DAF915123BFB}">
-      <dgm1612:lstStyle xmlns:dgm1612="http://schemas.microsoft.com/office/drawing/2016/12/diagram" xmlns="">
+      <dgm1612:lstStyle xmlns:dgm1612="http://schemas.microsoft.com/office/drawing/2016/12/diagram">
         <a:lvl1pPr>
           <a:lnSpc>
             <a:spcPct val="100000"/>
@@ -23624,7 +22867,7 @@
           <a:p>
             <a:fld id="{FAA981F8-B1A0-4F96-A8FB-AF1F95201E91}" type="datetimeFigureOut">
               <a:rPr lang="en-US" smtClean="0"/>
-              <a:t>12/14/18</a:t>
+              <a:t>12/15/18</a:t>
             </a:fld>
             <a:endParaRPr lang="en-US"/>
           </a:p>
@@ -23831,7 +23074,7 @@
           <a:p>
             <a:fld id="{FAA981F8-B1A0-4F96-A8FB-AF1F95201E91}" type="datetimeFigureOut">
               <a:rPr lang="en-US" smtClean="0"/>
-              <a:t>12/14/18</a:t>
+              <a:t>12/15/18</a:t>
             </a:fld>
             <a:endParaRPr lang="en-US"/>
           </a:p>
@@ -24011,7 +23254,7 @@
           <a:p>
             <a:fld id="{FAA981F8-B1A0-4F96-A8FB-AF1F95201E91}" type="datetimeFigureOut">
               <a:rPr lang="en-US" smtClean="0"/>
-              <a:t>12/14/18</a:t>
+              <a:t>12/15/18</a:t>
             </a:fld>
             <a:endParaRPr lang="en-US"/>
           </a:p>
@@ -24216,7 +23459,7 @@
           <a:p>
             <a:fld id="{FAA981F8-B1A0-4F96-A8FB-AF1F95201E91}" type="datetimeFigureOut">
               <a:rPr lang="en-US" smtClean="0"/>
-              <a:t>12/14/18</a:t>
+              <a:t>12/15/18</a:t>
             </a:fld>
             <a:endParaRPr lang="en-US"/>
           </a:p>
@@ -33114,7 +32357,7 @@
           <a:p>
             <a:fld id="{FAA981F8-B1A0-4F96-A8FB-AF1F95201E91}" type="datetimeFigureOut">
               <a:rPr lang="en-US" smtClean="0"/>
-              <a:t>12/14/18</a:t>
+              <a:t>12/15/18</a:t>
             </a:fld>
             <a:endParaRPr lang="en-US"/>
           </a:p>
@@ -33388,7 +32631,7 @@
           <a:p>
             <a:fld id="{FAA981F8-B1A0-4F96-A8FB-AF1F95201E91}" type="datetimeFigureOut">
               <a:rPr lang="en-US" smtClean="0"/>
-              <a:t>12/14/18</a:t>
+              <a:t>12/15/18</a:t>
             </a:fld>
             <a:endParaRPr lang="en-US"/>
           </a:p>
@@ -33786,7 +33029,7 @@
           <a:p>
             <a:fld id="{FAA981F8-B1A0-4F96-A8FB-AF1F95201E91}" type="datetimeFigureOut">
               <a:rPr lang="en-US" smtClean="0"/>
-              <a:t>12/14/18</a:t>
+              <a:t>12/15/18</a:t>
             </a:fld>
             <a:endParaRPr lang="en-US"/>
           </a:p>
@@ -33904,7 +33147,7 @@
           <a:p>
             <a:fld id="{FAA981F8-B1A0-4F96-A8FB-AF1F95201E91}" type="datetimeFigureOut">
               <a:rPr lang="en-US" smtClean="0"/>
-              <a:t>12/14/18</a:t>
+              <a:t>12/15/18</a:t>
             </a:fld>
             <a:endParaRPr lang="en-US"/>
           </a:p>
@@ -33999,7 +33242,7 @@
           <a:p>
             <a:fld id="{FAA981F8-B1A0-4F96-A8FB-AF1F95201E91}" type="datetimeFigureOut">
               <a:rPr lang="en-US" smtClean="0"/>
-              <a:t>12/14/18</a:t>
+              <a:t>12/15/18</a:t>
             </a:fld>
             <a:endParaRPr lang="en-US"/>
           </a:p>
@@ -34289,7 +33532,7 @@
           <a:p>
             <a:fld id="{FAA981F8-B1A0-4F96-A8FB-AF1F95201E91}" type="datetimeFigureOut">
               <a:rPr lang="en-US" smtClean="0"/>
-              <a:t>12/14/18</a:t>
+              <a:t>12/15/18</a:t>
             </a:fld>
             <a:endParaRPr lang="en-US"/>
           </a:p>
@@ -34569,7 +33812,7 @@
           <a:p>
             <a:fld id="{FAA981F8-B1A0-4F96-A8FB-AF1F95201E91}" type="datetimeFigureOut">
               <a:rPr lang="en-US" smtClean="0"/>
-              <a:t>12/14/18</a:t>
+              <a:t>12/15/18</a:t>
             </a:fld>
             <a:endParaRPr lang="en-US"/>
           </a:p>
@@ -34819,7 +34062,7 @@
           <a:p>
             <a:fld id="{FAA981F8-B1A0-4F96-A8FB-AF1F95201E91}" type="datetimeFigureOut">
               <a:rPr lang="en-US" smtClean="0"/>
-              <a:t>12/14/18</a:t>
+              <a:t>12/15/18</a:t>
             </a:fld>
             <a:endParaRPr lang="en-US"/>
           </a:p>
@@ -35334,10 +34577,10 @@
           <p:cNvPr id="8" name="Rectangle 7">
             <a:extLst>
               <a:ext uri="{FF2B5EF4-FFF2-40B4-BE49-F238E27FC236}">
-                <a16:creationId xmlns:a16="http://schemas.microsoft.com/office/drawing/2014/main" xmlns="" id="{62AE8E50-35D4-4D5A-A4BB-168CBB027DA2}"/>
+                <a16:creationId xmlns:a16="http://schemas.microsoft.com/office/drawing/2014/main" id="{62AE8E50-35D4-4D5A-A4BB-168CBB027DA2}"/>
               </a:ext>
               <a:ext uri="{C183D7F6-B498-43B3-948B-1728B52AA6E4}">
-                <adec:decorative xmlns:adec="http://schemas.microsoft.com/office/drawing/2017/decorative" xmlns="" val="1"/>
+                <adec:decorative xmlns:adec="http://schemas.microsoft.com/office/drawing/2017/decorative" val="1"/>
               </a:ext>
             </a:extLst>
           </p:cNvPr>
@@ -35394,10 +34637,10 @@
           <p:cNvPr id="10" name="Freeform 16">
             <a:extLst>
               <a:ext uri="{FF2B5EF4-FFF2-40B4-BE49-F238E27FC236}">
-                <a16:creationId xmlns:a16="http://schemas.microsoft.com/office/drawing/2014/main" xmlns="" id="{C37D1D6D-17D8-4296-B000-665D1892D01E}"/>
+                <a16:creationId xmlns:a16="http://schemas.microsoft.com/office/drawing/2014/main" id="{C37D1D6D-17D8-4296-B000-665D1892D01E}"/>
               </a:ext>
               <a:ext uri="{C183D7F6-B498-43B3-948B-1728B52AA6E4}">
-                <adec:decorative xmlns:adec="http://schemas.microsoft.com/office/drawing/2017/decorative" xmlns="" val="1"/>
+                <adec:decorative xmlns:adec="http://schemas.microsoft.com/office/drawing/2017/decorative" val="1"/>
               </a:ext>
             </a:extLst>
           </p:cNvPr>
@@ -44643,10 +43886,10 @@
           <p:cNvPr id="12" name="Rectangle 11">
             <a:extLst>
               <a:ext uri="{FF2B5EF4-FFF2-40B4-BE49-F238E27FC236}">
-                <a16:creationId xmlns:a16="http://schemas.microsoft.com/office/drawing/2014/main" xmlns="" id="{1B26E892-1320-40AA-9CA1-246721C18768}"/>
+                <a16:creationId xmlns:a16="http://schemas.microsoft.com/office/drawing/2014/main" id="{1B26E892-1320-40AA-9CA1-246721C18768}"/>
               </a:ext>
               <a:ext uri="{C183D7F6-B498-43B3-948B-1728B52AA6E4}">
-                <adec:decorative xmlns:adec="http://schemas.microsoft.com/office/drawing/2017/decorative" xmlns="" val="1"/>
+                <adec:decorative xmlns:adec="http://schemas.microsoft.com/office/drawing/2017/decorative" val="1"/>
               </a:ext>
             </a:extLst>
           </p:cNvPr>
@@ -44706,7 +43949,7 @@
           <p:cNvPr id="2" name="Title 1">
             <a:extLst>
               <a:ext uri="{FF2B5EF4-FFF2-40B4-BE49-F238E27FC236}">
-                <a16:creationId xmlns:a16="http://schemas.microsoft.com/office/drawing/2014/main" xmlns="" id="{D9093F82-69F0-437C-A3A3-F933E1B78530}"/>
+                <a16:creationId xmlns:a16="http://schemas.microsoft.com/office/drawing/2014/main" id="{D9093F82-69F0-437C-A3A3-F933E1B78530}"/>
               </a:ext>
             </a:extLst>
           </p:cNvPr>
@@ -44736,23 +43979,7 @@
                   <a:srgbClr val="FFFFFF"/>
                 </a:solidFill>
               </a:rPr>
-              <a:t>Sentiment Analysis of </a:t>
-            </a:r>
-            <a:r>
-              <a:rPr lang="en-US" sz="4800" dirty="0" smtClean="0">
-                <a:solidFill>
-                  <a:srgbClr val="FFFFFF"/>
-                </a:solidFill>
-              </a:rPr>
-              <a:t>News/Social Media feeds </a:t>
-            </a:r>
-            <a:r>
-              <a:rPr lang="en-US" sz="4800" dirty="0">
-                <a:solidFill>
-                  <a:srgbClr val="FFFFFF"/>
-                </a:solidFill>
-              </a:rPr>
-              <a:t>on Stock Market</a:t>
+              <a:t>Sentiment Analysis of News/Social Media feeds on Stock Market</a:t>
             </a:r>
           </a:p>
         </p:txBody>
@@ -44762,7 +43989,7 @@
           <p:cNvPr id="3" name="Subtitle 2">
             <a:extLst>
               <a:ext uri="{FF2B5EF4-FFF2-40B4-BE49-F238E27FC236}">
-                <a16:creationId xmlns:a16="http://schemas.microsoft.com/office/drawing/2014/main" xmlns="" id="{1C909F91-67DD-4A62-B293-6DFAD1886061}"/>
+                <a16:creationId xmlns:a16="http://schemas.microsoft.com/office/drawing/2014/main" id="{1C909F91-67DD-4A62-B293-6DFAD1886061}"/>
               </a:ext>
             </a:extLst>
           </p:cNvPr>
@@ -44848,10 +44075,10 @@
           <p:cNvPr id="14" name="Straight Connector 13">
             <a:extLst>
               <a:ext uri="{FF2B5EF4-FFF2-40B4-BE49-F238E27FC236}">
-                <a16:creationId xmlns:a16="http://schemas.microsoft.com/office/drawing/2014/main" xmlns="" id="{C9A1F79C-E4D1-4AAE-BA11-3A09005252E3}"/>
+                <a16:creationId xmlns:a16="http://schemas.microsoft.com/office/drawing/2014/main" id="{C9A1F79C-E4D1-4AAE-BA11-3A09005252E3}"/>
               </a:ext>
               <a:ext uri="{C183D7F6-B498-43B3-948B-1728B52AA6E4}">
-                <adec:decorative xmlns:adec="http://schemas.microsoft.com/office/drawing/2017/decorative" xmlns="" val="1"/>
+                <adec:decorative xmlns:adec="http://schemas.microsoft.com/office/drawing/2017/decorative" val="1"/>
               </a:ext>
             </a:extLst>
           </p:cNvPr>
@@ -44900,10 +44127,10 @@
           <p:cNvPr id="16" name="Rectangle 15">
             <a:extLst>
               <a:ext uri="{FF2B5EF4-FFF2-40B4-BE49-F238E27FC236}">
-                <a16:creationId xmlns:a16="http://schemas.microsoft.com/office/drawing/2014/main" xmlns="" id="{C170DF7D-4686-4BD5-A9CD-C8964928468D}"/>
+                <a16:creationId xmlns:a16="http://schemas.microsoft.com/office/drawing/2014/main" id="{C170DF7D-4686-4BD5-A9CD-C8964928468D}"/>
               </a:ext>
               <a:ext uri="{C183D7F6-B498-43B3-948B-1728B52AA6E4}">
-                <adec:decorative xmlns:adec="http://schemas.microsoft.com/office/drawing/2017/decorative" xmlns="" val="1"/>
+                <adec:decorative xmlns:adec="http://schemas.microsoft.com/office/drawing/2017/decorative" val="1"/>
               </a:ext>
             </a:extLst>
           </p:cNvPr>
@@ -45025,13 +44252,6 @@
   <p:clrMapOvr>
     <a:masterClrMapping/>
   </p:clrMapOvr>
-  <p:timing>
-    <p:tnLst>
-      <p:par>
-        <p:cTn id="1" dur="indefinite" restart="never" nodeType="tmRoot"/>
-      </p:par>
-    </p:tnLst>
-  </p:timing>
 </p:sld>
 </file>
 
@@ -45065,10 +44285,10 @@
           <p:cNvPr id="10" name="Rectangle 9">
             <a:extLst>
               <a:ext uri="{FF2B5EF4-FFF2-40B4-BE49-F238E27FC236}">
-                <a16:creationId xmlns:a16="http://schemas.microsoft.com/office/drawing/2014/main" xmlns="" id="{F7422F06-6017-4361-8872-E0E2CEB20B48}"/>
+                <a16:creationId xmlns:a16="http://schemas.microsoft.com/office/drawing/2014/main" id="{F7422F06-6017-4361-8872-E0E2CEB20B48}"/>
               </a:ext>
               <a:ext uri="{C183D7F6-B498-43B3-948B-1728B52AA6E4}">
-                <adec:decorative xmlns:adec="http://schemas.microsoft.com/office/drawing/2017/decorative" xmlns="" val="1"/>
+                <adec:decorative xmlns:adec="http://schemas.microsoft.com/office/drawing/2017/decorative" val="1"/>
               </a:ext>
             </a:extLst>
           </p:cNvPr>
@@ -45128,7 +44348,7 @@
           <p:cNvPr id="2" name="Title 1">
             <a:extLst>
               <a:ext uri="{FF2B5EF4-FFF2-40B4-BE49-F238E27FC236}">
-                <a16:creationId xmlns:a16="http://schemas.microsoft.com/office/drawing/2014/main" xmlns="" id="{A583F4B6-8547-4F81-B8D8-A79685BA7CBA}"/>
+                <a16:creationId xmlns:a16="http://schemas.microsoft.com/office/drawing/2014/main" id="{A583F4B6-8547-4F81-B8D8-A79685BA7CBA}"/>
               </a:ext>
             </a:extLst>
           </p:cNvPr>
@@ -45167,7 +44387,7 @@
           <p:cNvPr id="5" name="Content Placeholder 2">
             <a:extLst>
               <a:ext uri="{FF2B5EF4-FFF2-40B4-BE49-F238E27FC236}">
-                <a16:creationId xmlns:a16="http://schemas.microsoft.com/office/drawing/2014/main" xmlns="" id="{D9CF63AE-8F4D-4BB3-9EAB-983DC3AD4A17}"/>
+                <a16:creationId xmlns:a16="http://schemas.microsoft.com/office/drawing/2014/main" id="{D9CF63AE-8F4D-4BB3-9EAB-983DC3AD4A17}"/>
               </a:ext>
             </a:extLst>
           </p:cNvPr>
@@ -45233,13 +44453,6 @@
   <p:clrMapOvr>
     <a:masterClrMapping/>
   </p:clrMapOvr>
-  <p:timing>
-    <p:tnLst>
-      <p:par>
-        <p:cTn id="1" dur="indefinite" restart="never" nodeType="tmRoot"/>
-      </p:par>
-    </p:tnLst>
-  </p:timing>
 </p:sld>
 </file>
 
@@ -45265,7 +44478,7 @@
           <p:cNvPr id="2" name="Title 1">
             <a:extLst>
               <a:ext uri="{FF2B5EF4-FFF2-40B4-BE49-F238E27FC236}">
-                <a16:creationId xmlns:a16="http://schemas.microsoft.com/office/drawing/2014/main" xmlns="" id="{8146BE95-47C9-45D8-A6BD-39FF119226D2}"/>
+                <a16:creationId xmlns:a16="http://schemas.microsoft.com/office/drawing/2014/main" id="{8146BE95-47C9-45D8-A6BD-39FF119226D2}"/>
               </a:ext>
             </a:extLst>
           </p:cNvPr>
@@ -45293,7 +44506,7 @@
           <p:cNvPr id="4" name="Content Placeholder 3">
             <a:extLst>
               <a:ext uri="{FF2B5EF4-FFF2-40B4-BE49-F238E27FC236}">
-                <a16:creationId xmlns:a16="http://schemas.microsoft.com/office/drawing/2014/main" xmlns="" id="{0807CA3A-9D72-4B03-B5D6-476AD69A05FD}"/>
+                <a16:creationId xmlns:a16="http://schemas.microsoft.com/office/drawing/2014/main" id="{0807CA3A-9D72-4B03-B5D6-476AD69A05FD}"/>
               </a:ext>
             </a:extLst>
           </p:cNvPr>
@@ -45359,13 +44572,6 @@
   <p:clrMapOvr>
     <a:masterClrMapping/>
   </p:clrMapOvr>
-  <p:timing>
-    <p:tnLst>
-      <p:par>
-        <p:cTn id="1" dur="indefinite" restart="never" nodeType="tmRoot"/>
-      </p:par>
-    </p:tnLst>
-  </p:timing>
 </p:sld>
 </file>
 
@@ -45402,18 +44608,17 @@
           <a:lstStyle/>
           <a:p>
             <a:r>
-              <a:rPr lang="en-US" dirty="0" smtClean="0"/>
+              <a:rPr lang="en-US" dirty="0"/>
               <a:t>Screenshots</a:t>
             </a:r>
             <a:r>
-              <a:rPr lang="mr-IN" dirty="0" smtClean="0"/>
+              <a:rPr lang="mr-IN" dirty="0"/>
               <a:t>–</a:t>
             </a:r>
             <a:r>
-              <a:rPr lang="en-US" dirty="0" smtClean="0"/>
+              <a:rPr lang="en-US" dirty="0"/>
               <a:t> Home page</a:t>
             </a:r>
-            <a:endParaRPr lang="en-US" dirty="0"/>
           </a:p>
         </p:txBody>
       </p:sp>
@@ -45486,13 +44691,6 @@
   <p:clrMapOvr>
     <a:masterClrMapping/>
   </p:clrMapOvr>
-  <p:timing>
-    <p:tnLst>
-      <p:par>
-        <p:cTn id="1" dur="indefinite" restart="never" nodeType="tmRoot"/>
-      </p:par>
-    </p:tnLst>
-  </p:timing>
 </p:sld>
 </file>
 
@@ -45529,10 +44727,9 @@
           <a:lstStyle/>
           <a:p>
             <a:r>
-              <a:rPr lang="en-US" dirty="0" smtClean="0"/>
+              <a:rPr lang="en-US" dirty="0"/>
               <a:t>LOGIN Page</a:t>
             </a:r>
-            <a:endParaRPr lang="en-US" dirty="0"/>
           </a:p>
         </p:txBody>
       </p:sp>
@@ -45605,13 +44802,6 @@
   <p:clrMapOvr>
     <a:masterClrMapping/>
   </p:clrMapOvr>
-  <p:timing>
-    <p:tnLst>
-      <p:par>
-        <p:cTn id="1" dur="indefinite" restart="never" nodeType="tmRoot"/>
-      </p:par>
-    </p:tnLst>
-  </p:timing>
 </p:sld>
 </file>
 
@@ -45648,10 +44838,9 @@
           <a:lstStyle/>
           <a:p>
             <a:r>
-              <a:rPr lang="en-US" dirty="0" smtClean="0"/>
+              <a:rPr lang="en-US" dirty="0"/>
               <a:t>Sign-up page</a:t>
             </a:r>
-            <a:endParaRPr lang="en-US" dirty="0"/>
           </a:p>
         </p:txBody>
       </p:sp>
@@ -45724,13 +44913,6 @@
   <p:clrMapOvr>
     <a:masterClrMapping/>
   </p:clrMapOvr>
-  <p:timing>
-    <p:tnLst>
-      <p:par>
-        <p:cTn id="1" dur="indefinite" restart="never" nodeType="tmRoot"/>
-      </p:par>
-    </p:tnLst>
-  </p:timing>
 </p:sld>
 </file>
 
@@ -45767,10 +44949,9 @@
           <a:lstStyle/>
           <a:p>
             <a:r>
-              <a:rPr lang="en-US" dirty="0" smtClean="0"/>
+              <a:rPr lang="en-US" dirty="0"/>
               <a:t>Database connection</a:t>
             </a:r>
-            <a:endParaRPr lang="en-US" dirty="0"/>
           </a:p>
         </p:txBody>
       </p:sp>
@@ -45843,17 +45024,294 @@
   <p:clrMapOvr>
     <a:masterClrMapping/>
   </p:clrMapOvr>
-  <p:timing>
-    <p:tnLst>
-      <p:par>
-        <p:cTn id="1" dur="indefinite" restart="never" nodeType="tmRoot"/>
-      </p:par>
-    </p:tnLst>
-  </p:timing>
 </p:sld>
 </file>
 
 <file path=ppt/slides/slide16.xml><?xml version="1.0" encoding="utf-8"?>
+<p:sld xmlns:a="http://schemas.openxmlformats.org/drawingml/2006/main" xmlns:r="http://schemas.openxmlformats.org/officeDocument/2006/relationships" xmlns:p="http://schemas.openxmlformats.org/presentationml/2006/main">
+  <p:cSld>
+    <p:spTree>
+      <p:nvGrpSpPr>
+        <p:cNvPr id="1" name=""/>
+        <p:cNvGrpSpPr/>
+        <p:nvPr/>
+      </p:nvGrpSpPr>
+      <p:grpSpPr>
+        <a:xfrm>
+          <a:off x="0" y="0"/>
+          <a:ext cx="0" cy="0"/>
+          <a:chOff x="0" y="0"/>
+          <a:chExt cx="0" cy="0"/>
+        </a:xfrm>
+      </p:grpSpPr>
+      <p:sp>
+        <p:nvSpPr>
+          <p:cNvPr id="2" name="Title 1">
+            <a:extLst>
+              <a:ext uri="{FF2B5EF4-FFF2-40B4-BE49-F238E27FC236}">
+                <a16:creationId xmlns:a16="http://schemas.microsoft.com/office/drawing/2014/main" id="{A7AF618C-E996-9A46-96D6-25ACCBCA1922}"/>
+              </a:ext>
+            </a:extLst>
+          </p:cNvPr>
+          <p:cNvSpPr>
+            <a:spLocks noGrp="1"/>
+          </p:cNvSpPr>
+          <p:nvPr>
+            <p:ph type="title"/>
+          </p:nvPr>
+        </p:nvSpPr>
+        <p:spPr/>
+        <p:txBody>
+          <a:bodyPr/>
+          <a:lstStyle/>
+          <a:p>
+            <a:r>
+              <a:rPr lang="en-US" dirty="0"/>
+              <a:t>Screen Shots of the Code Run</a:t>
+            </a:r>
+          </a:p>
+        </p:txBody>
+      </p:sp>
+      <p:pic>
+        <p:nvPicPr>
+          <p:cNvPr id="9" name="Content Placeholder 8" descr="A screenshot of a social media post&#13;&#10;&#13;&#10;Description automatically generated">
+            <a:extLst>
+              <a:ext uri="{FF2B5EF4-FFF2-40B4-BE49-F238E27FC236}">
+                <a16:creationId xmlns:a16="http://schemas.microsoft.com/office/drawing/2014/main" id="{864055B9-DE18-C040-935F-86BBF636C92B}"/>
+              </a:ext>
+            </a:extLst>
+          </p:cNvPr>
+          <p:cNvPicPr>
+            <a:picLocks noGrp="1" noChangeAspect="1"/>
+          </p:cNvPicPr>
+          <p:nvPr>
+            <p:ph idx="1"/>
+          </p:nvPr>
+        </p:nvPicPr>
+        <p:blipFill>
+          <a:blip r:embed="rId2">
+            <a:extLst>
+              <a:ext uri="{28A0092B-C50C-407E-A947-70E740481C1C}">
+                <a14:useLocalDpi xmlns:a14="http://schemas.microsoft.com/office/drawing/2010/main" val="0"/>
+              </a:ext>
+            </a:extLst>
+          </a:blip>
+          <a:stretch>
+            <a:fillRect/>
+          </a:stretch>
+        </p:blipFill>
+        <p:spPr>
+          <a:xfrm>
+            <a:off x="1219701" y="1867546"/>
+            <a:ext cx="6694024" cy="4022725"/>
+          </a:xfrm>
+        </p:spPr>
+      </p:pic>
+    </p:spTree>
+    <p:extLst>
+      <p:ext uri="{BB962C8B-B14F-4D97-AF65-F5344CB8AC3E}">
+        <p14:creationId xmlns:p14="http://schemas.microsoft.com/office/powerpoint/2010/main" val="2075485653"/>
+      </p:ext>
+    </p:extLst>
+  </p:cSld>
+  <p:clrMapOvr>
+    <a:masterClrMapping/>
+  </p:clrMapOvr>
+</p:sld>
+</file>
+
+<file path=ppt/slides/slide17.xml><?xml version="1.0" encoding="utf-8"?>
+<p:sld xmlns:a="http://schemas.openxmlformats.org/drawingml/2006/main" xmlns:r="http://schemas.openxmlformats.org/officeDocument/2006/relationships" xmlns:p="http://schemas.openxmlformats.org/presentationml/2006/main">
+  <p:cSld>
+    <p:spTree>
+      <p:nvGrpSpPr>
+        <p:cNvPr id="1" name=""/>
+        <p:cNvGrpSpPr/>
+        <p:nvPr/>
+      </p:nvGrpSpPr>
+      <p:grpSpPr>
+        <a:xfrm>
+          <a:off x="0" y="0"/>
+          <a:ext cx="0" cy="0"/>
+          <a:chOff x="0" y="0"/>
+          <a:chExt cx="0" cy="0"/>
+        </a:xfrm>
+      </p:grpSpPr>
+      <p:sp>
+        <p:nvSpPr>
+          <p:cNvPr id="2" name="Title 1">
+            <a:extLst>
+              <a:ext uri="{FF2B5EF4-FFF2-40B4-BE49-F238E27FC236}">
+                <a16:creationId xmlns:a16="http://schemas.microsoft.com/office/drawing/2014/main" id="{81820166-343C-3D40-869D-8CB5F6A1B772}"/>
+              </a:ext>
+            </a:extLst>
+          </p:cNvPr>
+          <p:cNvSpPr>
+            <a:spLocks noGrp="1"/>
+          </p:cNvSpPr>
+          <p:nvPr>
+            <p:ph type="title"/>
+          </p:nvPr>
+        </p:nvSpPr>
+        <p:spPr/>
+        <p:txBody>
+          <a:bodyPr/>
+          <a:lstStyle/>
+          <a:p>
+            <a:r>
+              <a:rPr lang="en-US" dirty="0"/>
+              <a:t>Accuracy Score AND RMSE Values</a:t>
+            </a:r>
+          </a:p>
+        </p:txBody>
+      </p:sp>
+      <p:pic>
+        <p:nvPicPr>
+          <p:cNvPr id="5" name="Content Placeholder 4" descr="A screenshot of a cell phone&#13;&#10;&#13;&#10;Description automatically generated">
+            <a:extLst>
+              <a:ext uri="{FF2B5EF4-FFF2-40B4-BE49-F238E27FC236}">
+                <a16:creationId xmlns:a16="http://schemas.microsoft.com/office/drawing/2014/main" id="{AA8DBF16-5946-2647-9F53-D722C6BF8622}"/>
+              </a:ext>
+            </a:extLst>
+          </p:cNvPr>
+          <p:cNvPicPr>
+            <a:picLocks noGrp="1" noChangeAspect="1"/>
+          </p:cNvPicPr>
+          <p:nvPr>
+            <p:ph idx="1"/>
+          </p:nvPr>
+        </p:nvPicPr>
+        <p:blipFill>
+          <a:blip r:embed="rId2">
+            <a:extLst>
+              <a:ext uri="{28A0092B-C50C-407E-A947-70E740481C1C}">
+                <a14:useLocalDpi xmlns:a14="http://schemas.microsoft.com/office/drawing/2010/main" val="0"/>
+              </a:ext>
+            </a:extLst>
+          </a:blip>
+          <a:stretch>
+            <a:fillRect/>
+          </a:stretch>
+        </p:blipFill>
+        <p:spPr>
+          <a:xfrm>
+            <a:off x="1023938" y="2439676"/>
+            <a:ext cx="9720262" cy="3715372"/>
+          </a:xfrm>
+        </p:spPr>
+      </p:pic>
+    </p:spTree>
+    <p:extLst>
+      <p:ext uri="{BB962C8B-B14F-4D97-AF65-F5344CB8AC3E}">
+        <p14:creationId xmlns:p14="http://schemas.microsoft.com/office/powerpoint/2010/main" val="294152919"/>
+      </p:ext>
+    </p:extLst>
+  </p:cSld>
+  <p:clrMapOvr>
+    <a:masterClrMapping/>
+  </p:clrMapOvr>
+</p:sld>
+</file>
+
+<file path=ppt/slides/slide18.xml><?xml version="1.0" encoding="utf-8"?>
+<p:sld xmlns:a="http://schemas.openxmlformats.org/drawingml/2006/main" xmlns:r="http://schemas.openxmlformats.org/officeDocument/2006/relationships" xmlns:p="http://schemas.openxmlformats.org/presentationml/2006/main">
+  <p:cSld>
+    <p:spTree>
+      <p:nvGrpSpPr>
+        <p:cNvPr id="1" name=""/>
+        <p:cNvGrpSpPr/>
+        <p:nvPr/>
+      </p:nvGrpSpPr>
+      <p:grpSpPr>
+        <a:xfrm>
+          <a:off x="0" y="0"/>
+          <a:ext cx="0" cy="0"/>
+          <a:chOff x="0" y="0"/>
+          <a:chExt cx="0" cy="0"/>
+        </a:xfrm>
+      </p:grpSpPr>
+      <p:sp>
+        <p:nvSpPr>
+          <p:cNvPr id="2" name="Title 1">
+            <a:extLst>
+              <a:ext uri="{FF2B5EF4-FFF2-40B4-BE49-F238E27FC236}">
+                <a16:creationId xmlns:a16="http://schemas.microsoft.com/office/drawing/2014/main" id="{E5EB6973-C4FD-4F45-A755-03B855B216EB}"/>
+              </a:ext>
+            </a:extLst>
+          </p:cNvPr>
+          <p:cNvSpPr>
+            <a:spLocks noGrp="1"/>
+          </p:cNvSpPr>
+          <p:nvPr>
+            <p:ph type="title"/>
+          </p:nvPr>
+        </p:nvSpPr>
+        <p:spPr/>
+        <p:txBody>
+          <a:bodyPr/>
+          <a:lstStyle/>
+          <a:p>
+            <a:r>
+              <a:rPr lang="en-US" dirty="0"/>
+              <a:t>Test </a:t>
+            </a:r>
+            <a:r>
+              <a:rPr lang="en-US" dirty="0" err="1"/>
+              <a:t>CAses</a:t>
+            </a:r>
+            <a:endParaRPr lang="en-US" dirty="0"/>
+          </a:p>
+        </p:txBody>
+      </p:sp>
+      <p:pic>
+        <p:nvPicPr>
+          <p:cNvPr id="15" name="Content Placeholder 14" descr="A screenshot of a computer&#13;&#10;&#13;&#10;Description automatically generated">
+            <a:extLst>
+              <a:ext uri="{FF2B5EF4-FFF2-40B4-BE49-F238E27FC236}">
+                <a16:creationId xmlns:a16="http://schemas.microsoft.com/office/drawing/2014/main" id="{558212B3-209E-204E-BAB9-206ADA1DE16B}"/>
+              </a:ext>
+            </a:extLst>
+          </p:cNvPr>
+          <p:cNvPicPr>
+            <a:picLocks noGrp="1" noChangeAspect="1"/>
+          </p:cNvPicPr>
+          <p:nvPr>
+            <p:ph idx="1"/>
+          </p:nvPr>
+        </p:nvPicPr>
+        <p:blipFill>
+          <a:blip r:embed="rId2">
+            <a:extLst>
+              <a:ext uri="{28A0092B-C50C-407E-A947-70E740481C1C}">
+                <a14:useLocalDpi xmlns:a14="http://schemas.microsoft.com/office/drawing/2010/main" val="0"/>
+              </a:ext>
+            </a:extLst>
+          </a:blip>
+          <a:stretch>
+            <a:fillRect/>
+          </a:stretch>
+        </p:blipFill>
+        <p:spPr>
+          <a:xfrm>
+            <a:off x="1774034" y="2286000"/>
+            <a:ext cx="8220069" cy="4022725"/>
+          </a:xfrm>
+        </p:spPr>
+      </p:pic>
+    </p:spTree>
+    <p:extLst>
+      <p:ext uri="{BB962C8B-B14F-4D97-AF65-F5344CB8AC3E}">
+        <p14:creationId xmlns:p14="http://schemas.microsoft.com/office/powerpoint/2010/main" val="4017262594"/>
+      </p:ext>
+    </p:extLst>
+  </p:cSld>
+  <p:clrMapOvr>
+    <a:masterClrMapping/>
+  </p:clrMapOvr>
+</p:sld>
+</file>
+
+<file path=ppt/slides/slide19.xml><?xml version="1.0" encoding="utf-8"?>
 <p:sld xmlns:a="http://schemas.openxmlformats.org/drawingml/2006/main" xmlns:r="http://schemas.openxmlformats.org/officeDocument/2006/relationships" xmlns:p="http://schemas.openxmlformats.org/presentationml/2006/main">
   <p:cSld>
     <p:bg>
@@ -45883,10 +45341,10 @@
           <p:cNvPr id="12" name="Rectangle 7">
             <a:extLst>
               <a:ext uri="{FF2B5EF4-FFF2-40B4-BE49-F238E27FC236}">
-                <a16:creationId xmlns:a16="http://schemas.microsoft.com/office/drawing/2014/main" xmlns="" id="{B0890400-BB8B-4A44-AB63-65C7CA223EBA}"/>
+                <a16:creationId xmlns:a16="http://schemas.microsoft.com/office/drawing/2014/main" id="{B0890400-BB8B-4A44-AB63-65C7CA223EBA}"/>
               </a:ext>
               <a:ext uri="{C183D7F6-B498-43B3-948B-1728B52AA6E4}">
-                <adec:decorative xmlns:adec="http://schemas.microsoft.com/office/drawing/2017/decorative" xmlns="" val="1"/>
+                <adec:decorative xmlns:adec="http://schemas.microsoft.com/office/drawing/2017/decorative" val="1"/>
               </a:ext>
             </a:extLst>
           </p:cNvPr>
@@ -45943,7 +45401,7 @@
           <p:cNvPr id="2" name="Title 1">
             <a:extLst>
               <a:ext uri="{FF2B5EF4-FFF2-40B4-BE49-F238E27FC236}">
-                <a16:creationId xmlns:a16="http://schemas.microsoft.com/office/drawing/2014/main" xmlns="" id="{80AC0F9C-360C-4122-BB85-2CB5A1C70CFD}"/>
+                <a16:creationId xmlns:a16="http://schemas.microsoft.com/office/drawing/2014/main" id="{80AC0F9C-360C-4122-BB85-2CB5A1C70CFD}"/>
               </a:ext>
             </a:extLst>
           </p:cNvPr>
@@ -45979,10 +45437,10 @@
           <p:cNvPr id="13" name="Straight Connector 9">
             <a:extLst>
               <a:ext uri="{FF2B5EF4-FFF2-40B4-BE49-F238E27FC236}">
-                <a16:creationId xmlns:a16="http://schemas.microsoft.com/office/drawing/2014/main" xmlns="" id="{4D39B797-CDC6-4529-8A36-9CBFC9816337}"/>
+                <a16:creationId xmlns:a16="http://schemas.microsoft.com/office/drawing/2014/main" id="{4D39B797-CDC6-4529-8A36-9CBFC9816337}"/>
               </a:ext>
               <a:ext uri="{C183D7F6-B498-43B3-948B-1728B52AA6E4}">
-                <adec:decorative xmlns:adec="http://schemas.microsoft.com/office/drawing/2017/decorative" xmlns="" val="1"/>
+                <adec:decorative xmlns:adec="http://schemas.microsoft.com/office/drawing/2017/decorative" val="1"/>
               </a:ext>
             </a:extLst>
           </p:cNvPr>
@@ -46031,7 +45489,7 @@
           <p:cNvPr id="3" name="Content Placeholder 2">
             <a:extLst>
               <a:ext uri="{FF2B5EF4-FFF2-40B4-BE49-F238E27FC236}">
-                <a16:creationId xmlns:a16="http://schemas.microsoft.com/office/drawing/2014/main" xmlns="" id="{A1B8F885-B44A-4096-884F-2CEA57133BD0}"/>
+                <a16:creationId xmlns:a16="http://schemas.microsoft.com/office/drawing/2014/main" id="{A1B8F885-B44A-4096-884F-2CEA57133BD0}"/>
               </a:ext>
             </a:extLst>
           </p:cNvPr>
@@ -46055,36 +45513,8 @@
           <a:lstStyle/>
           <a:p>
             <a:r>
-              <a:rPr lang="en-US" dirty="0" smtClean="0"/>
-              <a:t>Achieved</a:t>
-            </a:r>
-            <a:r>
-              <a:rPr lang="en-US" dirty="0" smtClean="0"/>
-              <a:t> </a:t>
-            </a:r>
-            <a:r>
               <a:rPr lang="en-US" dirty="0"/>
-              <a:t>a </a:t>
-            </a:r>
-            <a:r>
-              <a:rPr lang="en-US" dirty="0" smtClean="0"/>
-              <a:t>55</a:t>
-            </a:r>
-            <a:r>
-              <a:rPr lang="en-US" dirty="0" smtClean="0"/>
-              <a:t>% </a:t>
-            </a:r>
-            <a:r>
-              <a:rPr lang="en-US" dirty="0"/>
-              <a:t>Accuracy score for </a:t>
-            </a:r>
-            <a:r>
-              <a:rPr lang="en-US" dirty="0" smtClean="0"/>
-              <a:t>model </a:t>
-            </a:r>
-            <a:r>
-              <a:rPr lang="en-US" dirty="0"/>
-              <a:t>prediction</a:t>
+              <a:t>Achieved a 74% Accuracy score for model prediction.</a:t>
             </a:r>
           </a:p>
           <a:p>
@@ -46153,13 +45583,6 @@
   <p:clrMapOvr>
     <a:masterClrMapping/>
   </p:clrMapOvr>
-  <p:timing>
-    <p:tnLst>
-      <p:par>
-        <p:cTn id="1" dur="indefinite" restart="never" nodeType="tmRoot"/>
-      </p:par>
-    </p:tnLst>
-  </p:timing>
 </p:sld>
 </file>
 
@@ -46220,13 +45643,6 @@
   <p:clrMapOvr>
     <a:masterClrMapping/>
   </p:clrMapOvr>
-  <p:timing>
-    <p:tnLst>
-      <p:par>
-        <p:cTn id="1" dur="indefinite" restart="never" nodeType="tmRoot"/>
-      </p:par>
-    </p:tnLst>
-  </p:timing>
 </p:sld>
 </file>
 
@@ -46260,10 +45676,10 @@
           <p:cNvPr id="10" name="Rectangle 9">
             <a:extLst>
               <a:ext uri="{FF2B5EF4-FFF2-40B4-BE49-F238E27FC236}">
-                <a16:creationId xmlns:a16="http://schemas.microsoft.com/office/drawing/2014/main" xmlns="" id="{319E6BB3-DF2B-4751-97C5-B3DB949AED9A}"/>
+                <a16:creationId xmlns:a16="http://schemas.microsoft.com/office/drawing/2014/main" id="{319E6BB3-DF2B-4751-97C5-B3DB949AED9A}"/>
               </a:ext>
               <a:ext uri="{C183D7F6-B498-43B3-948B-1728B52AA6E4}">
-                <adec:decorative xmlns:adec="http://schemas.microsoft.com/office/drawing/2017/decorative" xmlns="" val="1"/>
+                <adec:decorative xmlns:adec="http://schemas.microsoft.com/office/drawing/2017/decorative" val="1"/>
               </a:ext>
             </a:extLst>
           </p:cNvPr>
@@ -46323,7 +45739,7 @@
           <p:cNvPr id="2" name="Title 1">
             <a:extLst>
               <a:ext uri="{FF2B5EF4-FFF2-40B4-BE49-F238E27FC236}">
-                <a16:creationId xmlns:a16="http://schemas.microsoft.com/office/drawing/2014/main" xmlns="" id="{8DEF7E5D-1A73-4BFE-9C84-C7C8ADE8B45A}"/>
+                <a16:creationId xmlns:a16="http://schemas.microsoft.com/office/drawing/2014/main" id="{8DEF7E5D-1A73-4BFE-9C84-C7C8ADE8B45A}"/>
               </a:ext>
             </a:extLst>
           </p:cNvPr>
@@ -46362,7 +45778,7 @@
           <p:cNvPr id="3" name="Content Placeholder 2">
             <a:extLst>
               <a:ext uri="{FF2B5EF4-FFF2-40B4-BE49-F238E27FC236}">
-                <a16:creationId xmlns:a16="http://schemas.microsoft.com/office/drawing/2014/main" xmlns="" id="{6C281E0A-76E6-44AD-A526-AA8FB7249658}"/>
+                <a16:creationId xmlns:a16="http://schemas.microsoft.com/office/drawing/2014/main" id="{6C281E0A-76E6-44AD-A526-AA8FB7249658}"/>
               </a:ext>
             </a:extLst>
           </p:cNvPr>
@@ -46408,7 +45824,7 @@
           <p:cNvPr id="7" name="Graphic 6" descr="Upward trend">
             <a:extLst>
               <a:ext uri="{FF2B5EF4-FFF2-40B4-BE49-F238E27FC236}">
-                <a16:creationId xmlns:a16="http://schemas.microsoft.com/office/drawing/2014/main" xmlns="" id="{58D333BA-5E66-4A8C-88D2-2266F4F1CD15}"/>
+                <a16:creationId xmlns:a16="http://schemas.microsoft.com/office/drawing/2014/main" id="{58D333BA-5E66-4A8C-88D2-2266F4F1CD15}"/>
               </a:ext>
             </a:extLst>
           </p:cNvPr>
@@ -46424,7 +45840,7 @@
                 <a14:useLocalDpi xmlns:a14="http://schemas.microsoft.com/office/drawing/2010/main" val="0"/>
               </a:ext>
               <a:ext uri="{96DAC541-7B7A-43D3-8B79-37D633B846F1}">
-                <asvg:svgBlip xmlns:asvg="http://schemas.microsoft.com/office/drawing/2016/SVG/main" xmlns="" r:embed="rId3"/>
+                <asvg:svgBlip xmlns:asvg="http://schemas.microsoft.com/office/drawing/2016/SVG/main" r:embed="rId3"/>
               </a:ext>
             </a:extLst>
           </a:blip>
@@ -46447,10 +45863,10 @@
           <p:cNvPr id="25" name="Straight Connector 11">
             <a:extLst>
               <a:ext uri="{FF2B5EF4-FFF2-40B4-BE49-F238E27FC236}">
-                <a16:creationId xmlns:a16="http://schemas.microsoft.com/office/drawing/2014/main" xmlns="" id="{A61721DD-D110-44EE-82A7-D56AB687E614}"/>
+                <a16:creationId xmlns:a16="http://schemas.microsoft.com/office/drawing/2014/main" id="{A61721DD-D110-44EE-82A7-D56AB687E614}"/>
               </a:ext>
               <a:ext uri="{C183D7F6-B498-43B3-948B-1728B52AA6E4}">
-                <adec:decorative xmlns:adec="http://schemas.microsoft.com/office/drawing/2017/decorative" xmlns="" val="1"/>
+                <adec:decorative xmlns:adec="http://schemas.microsoft.com/office/drawing/2017/decorative" val="1"/>
               </a:ext>
             </a:extLst>
           </p:cNvPr>
@@ -46534,13 +45950,6 @@
   <p:clrMapOvr>
     <a:masterClrMapping/>
   </p:clrMapOvr>
-  <p:timing>
-    <p:tnLst>
-      <p:par>
-        <p:cTn id="1" dur="indefinite" restart="never" nodeType="tmRoot"/>
-      </p:par>
-    </p:tnLst>
-  </p:timing>
 </p:sld>
 </file>
 
@@ -46577,10 +45986,9 @@
           <a:lstStyle/>
           <a:p>
             <a:r>
-              <a:rPr lang="en-US" dirty="0" smtClean="0"/>
+              <a:rPr lang="en-US" dirty="0"/>
               <a:t>Twitter Sentiment Analysis</a:t>
             </a:r>
-            <a:endParaRPr lang="en-US" dirty="0"/>
           </a:p>
         </p:txBody>
       </p:sp>
@@ -46727,10 +46135,9 @@
           <a:p>
             <a:pPr algn="ctr"/>
             <a:r>
-              <a:rPr lang="en-US" dirty="0" smtClean="0"/>
+              <a:rPr lang="en-US" dirty="0"/>
               <a:t>Collecting the tweets using Keywords</a:t>
             </a:r>
-            <a:endParaRPr lang="en-US" dirty="0"/>
           </a:p>
         </p:txBody>
       </p:sp>
@@ -46758,10 +46165,9 @@
           <a:p>
             <a:pPr algn="ctr"/>
             <a:r>
-              <a:rPr lang="en-US" dirty="0" smtClean="0"/>
+              <a:rPr lang="en-US" dirty="0"/>
               <a:t>Filter the Tweets received</a:t>
             </a:r>
-            <a:endParaRPr lang="en-US" dirty="0"/>
           </a:p>
         </p:txBody>
       </p:sp>
@@ -46788,10 +46194,9 @@
           <a:lstStyle/>
           <a:p>
             <a:r>
-              <a:rPr lang="en-US" dirty="0" smtClean="0"/>
+              <a:rPr lang="en-US" dirty="0"/>
               <a:t>Set up pipeline, and get the sentiment score for each sentence as integer</a:t>
             </a:r>
-            <a:endParaRPr lang="en-US" dirty="0"/>
           </a:p>
         </p:txBody>
       </p:sp>
@@ -46818,31 +46223,31 @@
           <a:lstStyle/>
           <a:p>
             <a:r>
-              <a:rPr lang="en-US" dirty="0" smtClean="0"/>
+              <a:rPr lang="en-US" dirty="0"/>
               <a:t>0 = Very Negative</a:t>
             </a:r>
           </a:p>
           <a:p>
             <a:r>
-              <a:rPr lang="en-US" dirty="0" smtClean="0"/>
+              <a:rPr lang="en-US" dirty="0"/>
               <a:t>1 = Negative</a:t>
             </a:r>
           </a:p>
           <a:p>
             <a:r>
-              <a:rPr lang="en-US" dirty="0" smtClean="0"/>
+              <a:rPr lang="en-US" dirty="0"/>
               <a:t>2 = Neutral</a:t>
             </a:r>
           </a:p>
           <a:p>
             <a:r>
-              <a:rPr lang="en-US" dirty="0" smtClean="0"/>
+              <a:rPr lang="en-US" dirty="0"/>
               <a:t>3 = Positive</a:t>
             </a:r>
           </a:p>
           <a:p>
             <a:r>
-              <a:rPr lang="en-US" dirty="0" smtClean="0"/>
+              <a:rPr lang="en-US" dirty="0"/>
               <a:t>4 = Very Positive</a:t>
             </a:r>
           </a:p>
@@ -46861,13 +46266,6 @@
   <p:clrMapOvr>
     <a:masterClrMapping/>
   </p:clrMapOvr>
-  <p:timing>
-    <p:tnLst>
-      <p:par>
-        <p:cTn id="1" dur="indefinite" restart="never" nodeType="tmRoot"/>
-      </p:par>
-    </p:tnLst>
-  </p:timing>
 </p:sld>
 </file>
 
@@ -46904,10 +46302,9 @@
           <a:lstStyle/>
           <a:p>
             <a:r>
-              <a:rPr lang="en-US" dirty="0" smtClean="0"/>
+              <a:rPr lang="en-US" dirty="0"/>
               <a:t>Spark time-series methodology</a:t>
             </a:r>
-            <a:endParaRPr lang="en-US" dirty="0"/>
           </a:p>
         </p:txBody>
       </p:sp>
@@ -47056,18 +46453,17 @@
           <a:lstStyle/>
           <a:p>
             <a:r>
-              <a:rPr lang="en-US" dirty="0" smtClean="0"/>
+              <a:rPr lang="en-US" dirty="0"/>
               <a:t>Preprocessing and cleaning the data </a:t>
             </a:r>
             <a:r>
-              <a:rPr lang="mr-IN" dirty="0" smtClean="0"/>
+              <a:rPr lang="mr-IN" dirty="0"/>
               <a:t>–</a:t>
             </a:r>
             <a:r>
-              <a:rPr lang="en-US" dirty="0" smtClean="0"/>
+              <a:rPr lang="en-US" dirty="0"/>
               <a:t> Using SCALA</a:t>
             </a:r>
-            <a:endParaRPr lang="en-US" dirty="0"/>
           </a:p>
         </p:txBody>
       </p:sp>
@@ -47094,7 +46490,7 @@
           <a:lstStyle/>
           <a:p>
             <a:r>
-              <a:rPr lang="en-US" dirty="0" smtClean="0"/>
+              <a:rPr lang="en-US" dirty="0"/>
               <a:t>Feature extraction and load into RDD </a:t>
             </a:r>
           </a:p>
@@ -47123,10 +46519,9 @@
           <a:lstStyle/>
           <a:p>
             <a:r>
-              <a:rPr lang="en-US" dirty="0" smtClean="0"/>
+              <a:rPr lang="en-US" dirty="0"/>
               <a:t>Training the data using ARIMA model and forecasting the output- Using Spark ML</a:t>
             </a:r>
-            <a:endParaRPr lang="en-US" dirty="0"/>
           </a:p>
         </p:txBody>
       </p:sp>
@@ -47153,15 +46548,15 @@
           <a:lstStyle/>
           <a:p>
             <a:r>
-              <a:rPr lang="en-US" dirty="0" smtClean="0"/>
+              <a:rPr lang="en-US" dirty="0"/>
               <a:t>Parse data into desired format and visualize the data </a:t>
             </a:r>
             <a:r>
-              <a:rPr lang="mr-IN" dirty="0" smtClean="0"/>
+              <a:rPr lang="mr-IN" dirty="0"/>
               <a:t>–</a:t>
             </a:r>
             <a:r>
-              <a:rPr lang="en-US" dirty="0" smtClean="0"/>
+              <a:rPr lang="en-US" dirty="0"/>
               <a:t>Using D3.js</a:t>
             </a:r>
           </a:p>
@@ -47177,13 +46572,6 @@
   <p:clrMapOvr>
     <a:masterClrMapping/>
   </p:clrMapOvr>
-  <p:timing>
-    <p:tnLst>
-      <p:par>
-        <p:cTn id="1" dur="indefinite" restart="never" nodeType="tmRoot"/>
-      </p:par>
-    </p:tnLst>
-  </p:timing>
 </p:sld>
 </file>
 
@@ -47217,10 +46605,10 @@
           <p:cNvPr id="10" name="Rectangle 9">
             <a:extLst>
               <a:ext uri="{FF2B5EF4-FFF2-40B4-BE49-F238E27FC236}">
-                <a16:creationId xmlns:a16="http://schemas.microsoft.com/office/drawing/2014/main" xmlns="" id="{F7422F06-6017-4361-8872-E0E2CEB20B48}"/>
+                <a16:creationId xmlns:a16="http://schemas.microsoft.com/office/drawing/2014/main" id="{F7422F06-6017-4361-8872-E0E2CEB20B48}"/>
               </a:ext>
               <a:ext uri="{C183D7F6-B498-43B3-948B-1728B52AA6E4}">
-                <adec:decorative xmlns:adec="http://schemas.microsoft.com/office/drawing/2017/decorative" xmlns="" val="1"/>
+                <adec:decorative xmlns:adec="http://schemas.microsoft.com/office/drawing/2017/decorative" val="1"/>
               </a:ext>
             </a:extLst>
           </p:cNvPr>
@@ -47280,7 +46668,7 @@
           <p:cNvPr id="2" name="Title 1">
             <a:extLst>
               <a:ext uri="{FF2B5EF4-FFF2-40B4-BE49-F238E27FC236}">
-                <a16:creationId xmlns:a16="http://schemas.microsoft.com/office/drawing/2014/main" xmlns="" id="{6F61DCE6-A8B8-4D60-B1FC-613B11F09640}"/>
+                <a16:creationId xmlns:a16="http://schemas.microsoft.com/office/drawing/2014/main" id="{6F61DCE6-A8B8-4D60-B1FC-613B11F09640}"/>
               </a:ext>
             </a:extLst>
           </p:cNvPr>
@@ -47304,20 +46692,12 @@
           <a:lstStyle/>
           <a:p>
             <a:r>
-              <a:rPr lang="en-US" dirty="0" smtClean="0">
-                <a:solidFill>
-                  <a:srgbClr val="FFFFFF"/>
-                </a:solidFill>
-              </a:rPr>
-              <a:t>Goals Achieved</a:t>
-            </a:r>
-            <a:r>
               <a:rPr lang="en-US" dirty="0">
                 <a:solidFill>
                   <a:srgbClr val="FFFFFF"/>
                 </a:solidFill>
               </a:rPr>
-              <a:t>	</a:t>
+              <a:t>Goals Achieved	</a:t>
             </a:r>
           </a:p>
         </p:txBody>
@@ -47327,7 +46707,7 @@
           <p:cNvPr id="5" name="Content Placeholder 2">
             <a:extLst>
               <a:ext uri="{FF2B5EF4-FFF2-40B4-BE49-F238E27FC236}">
-                <a16:creationId xmlns:a16="http://schemas.microsoft.com/office/drawing/2014/main" xmlns="" id="{B76FAF02-8F2A-48D2-BA11-39F3F736FD90}"/>
+                <a16:creationId xmlns:a16="http://schemas.microsoft.com/office/drawing/2014/main" id="{B76FAF02-8F2A-48D2-BA11-39F3F736FD90}"/>
               </a:ext>
             </a:extLst>
           </p:cNvPr>
@@ -47338,7 +46718,7 @@
             <p:ph idx="1"/>
             <p:extLst>
               <p:ext uri="{D42A27DB-BD31-4B8C-83A1-F6EECF244321}">
-                <p14:modId xmlns:p14="http://schemas.microsoft.com/office/powerpoint/2010/main" val="1562097293"/>
+                <p14:modId xmlns:p14="http://schemas.microsoft.com/office/powerpoint/2010/main" val="4181658857"/>
               </p:ext>
             </p:extLst>
           </p:nvPr>
@@ -47393,13 +46773,6 @@
   <p:clrMapOvr>
     <a:masterClrMapping/>
   </p:clrMapOvr>
-  <p:timing>
-    <p:tnLst>
-      <p:par>
-        <p:cTn id="1" dur="indefinite" restart="never" nodeType="tmRoot"/>
-      </p:par>
-    </p:tnLst>
-  </p:timing>
 </p:sld>
 </file>
 
@@ -47425,7 +46798,7 @@
           <p:cNvPr id="2" name="Title 1">
             <a:extLst>
               <a:ext uri="{FF2B5EF4-FFF2-40B4-BE49-F238E27FC236}">
-                <a16:creationId xmlns:a16="http://schemas.microsoft.com/office/drawing/2014/main" xmlns="" id="{6042528F-8BE6-4B3C-98CF-90AFD6BEEB30}"/>
+                <a16:creationId xmlns:a16="http://schemas.microsoft.com/office/drawing/2014/main" id="{6042528F-8BE6-4B3C-98CF-90AFD6BEEB30}"/>
               </a:ext>
             </a:extLst>
           </p:cNvPr>
@@ -47470,17 +46843,16 @@
               <a:rPr lang="en-US" sz="2000" dirty="0"/>
             </a:br>
             <a:r>
-              <a:rPr lang="en-US" sz="2000" dirty="0" smtClean="0"/>
+              <a:rPr lang="en-US" sz="2000" dirty="0"/>
               <a:t>Scala</a:t>
             </a:r>
             <a:br>
-              <a:rPr lang="en-US" sz="2000" dirty="0" smtClean="0"/>
+              <a:rPr lang="en-US" sz="2000" dirty="0"/>
             </a:br>
             <a:r>
-              <a:rPr lang="en-US" sz="2000" dirty="0" smtClean="0"/>
+              <a:rPr lang="en-US" sz="2000" dirty="0"/>
               <a:t>Play Framework</a:t>
             </a:r>
-            <a:endParaRPr lang="en-US" sz="2000" dirty="0"/>
           </a:p>
         </p:txBody>
       </p:sp>
@@ -47489,7 +46861,7 @@
           <p:cNvPr id="5" name="Content Placeholder 4">
             <a:extLst>
               <a:ext uri="{FF2B5EF4-FFF2-40B4-BE49-F238E27FC236}">
-                <a16:creationId xmlns:a16="http://schemas.microsoft.com/office/drawing/2014/main" xmlns="" id="{528F89DA-8857-46B6-B8E0-90C95297AA11}"/>
+                <a16:creationId xmlns:a16="http://schemas.microsoft.com/office/drawing/2014/main" id="{528F89DA-8857-46B6-B8E0-90C95297AA11}"/>
               </a:ext>
             </a:extLst>
           </p:cNvPr>
@@ -47500,7 +46872,7 @@
             <p:ph idx="1"/>
             <p:extLst>
               <p:ext uri="{D42A27DB-BD31-4B8C-83A1-F6EECF244321}">
-                <p14:modId xmlns:p14="http://schemas.microsoft.com/office/powerpoint/2010/main" val="1916016349"/>
+                <p14:modId xmlns:p14="http://schemas.microsoft.com/office/powerpoint/2010/main" val="1535190563"/>
               </p:ext>
             </p:extLst>
           </p:nvPr>
@@ -47555,13 +46927,6 @@
   <p:clrMapOvr>
     <a:masterClrMapping/>
   </p:clrMapOvr>
-  <p:timing>
-    <p:tnLst>
-      <p:par>
-        <p:cTn id="1" dur="indefinite" restart="never" nodeType="tmRoot"/>
-      </p:par>
-    </p:tnLst>
-  </p:timing>
 </p:sld>
 </file>
 
@@ -47595,10 +46960,10 @@
           <p:cNvPr id="10" name="Rectangle 9">
             <a:extLst>
               <a:ext uri="{FF2B5EF4-FFF2-40B4-BE49-F238E27FC236}">
-                <a16:creationId xmlns:a16="http://schemas.microsoft.com/office/drawing/2014/main" xmlns="" id="{319E6BB3-DF2B-4751-97C5-B3DB949AED9A}"/>
+                <a16:creationId xmlns:a16="http://schemas.microsoft.com/office/drawing/2014/main" id="{319E6BB3-DF2B-4751-97C5-B3DB949AED9A}"/>
               </a:ext>
               <a:ext uri="{C183D7F6-B498-43B3-948B-1728B52AA6E4}">
-                <adec:decorative xmlns:adec="http://schemas.microsoft.com/office/drawing/2017/decorative" xmlns="" val="1"/>
+                <adec:decorative xmlns:adec="http://schemas.microsoft.com/office/drawing/2017/decorative" val="1"/>
               </a:ext>
             </a:extLst>
           </p:cNvPr>
@@ -47658,7 +47023,7 @@
           <p:cNvPr id="2" name="Title 1">
             <a:extLst>
               <a:ext uri="{FF2B5EF4-FFF2-40B4-BE49-F238E27FC236}">
-                <a16:creationId xmlns:a16="http://schemas.microsoft.com/office/drawing/2014/main" xmlns="" id="{D021764D-98B8-469D-89E0-64B71756E05B}"/>
+                <a16:creationId xmlns:a16="http://schemas.microsoft.com/office/drawing/2014/main" id="{D021764D-98B8-469D-89E0-64B71756E05B}"/>
               </a:ext>
             </a:extLst>
           </p:cNvPr>
@@ -47697,7 +47062,7 @@
           <p:cNvPr id="3" name="Content Placeholder 2">
             <a:extLst>
               <a:ext uri="{FF2B5EF4-FFF2-40B4-BE49-F238E27FC236}">
-                <a16:creationId xmlns:a16="http://schemas.microsoft.com/office/drawing/2014/main" xmlns="" id="{1CD3901C-AC85-4688-A293-B0227BA2266F}"/>
+                <a16:creationId xmlns:a16="http://schemas.microsoft.com/office/drawing/2014/main" id="{1CD3901C-AC85-4688-A293-B0227BA2266F}"/>
               </a:ext>
             </a:extLst>
           </p:cNvPr>
@@ -47724,70 +47089,12 @@
               <a:buNone/>
             </a:pPr>
             <a:r>
-              <a:rPr lang="en-US" sz="2000" dirty="0" smtClean="0">
-                <a:solidFill>
-                  <a:srgbClr val="FFFFFF"/>
-                </a:solidFill>
-              </a:rPr>
-              <a:t>1. Giving </a:t>
-            </a:r>
-            <a:r>
               <a:rPr lang="en-US" sz="2000" dirty="0">
                 <a:solidFill>
                   <a:srgbClr val="FFFFFF"/>
                 </a:solidFill>
               </a:rPr>
-              <a:t>foresight to consumers to make the right decisions and avoid making a </a:t>
-            </a:r>
-            <a:r>
-              <a:rPr lang="en-US" sz="2000" dirty="0" smtClean="0">
-                <a:solidFill>
-                  <a:srgbClr val="FFFFFF"/>
-                </a:solidFill>
-              </a:rPr>
-              <a:t>loss</a:t>
-            </a:r>
-            <a:r>
-              <a:rPr lang="en-US" sz="2000" dirty="0" smtClean="0">
-                <a:solidFill>
-                  <a:srgbClr val="FFFFFF"/>
-                </a:solidFill>
-              </a:rPr>
-              <a:t>, by selecting the company and the system will return the prediction.</a:t>
-            </a:r>
-            <a:endParaRPr lang="en-US" sz="2000" dirty="0">
-              <a:solidFill>
-                <a:srgbClr val="FFFFFF"/>
-              </a:solidFill>
-            </a:endParaRPr>
-          </a:p>
-          <a:p>
-            <a:pPr marL="0" lvl="0" indent="0">
-              <a:buNone/>
-            </a:pPr>
-            <a:r>
-              <a:rPr lang="en-US" sz="2000" dirty="0" smtClean="0">
-                <a:solidFill>
-                  <a:srgbClr val="FFFFFF"/>
-                </a:solidFill>
-              </a:rPr>
-              <a:t>2. Decisions </a:t>
-            </a:r>
-            <a:r>
-              <a:rPr lang="en-US" sz="2000" dirty="0">
-                <a:solidFill>
-                  <a:srgbClr val="FFFFFF"/>
-                </a:solidFill>
-              </a:rPr>
-              <a:t>would be based on how the news/ Social feeds have responded to that particular </a:t>
-            </a:r>
-            <a:r>
-              <a:rPr lang="en-US" sz="2000" dirty="0" smtClean="0">
-                <a:solidFill>
-                  <a:srgbClr val="FFFFFF"/>
-                </a:solidFill>
-              </a:rPr>
-              <a:t>stock</a:t>
+              <a:t>1. Giving foresight to consumers to make the right decisions and avoid making a loss, by selecting the company and the system will return the prediction.</a:t>
             </a:r>
           </a:p>
           <a:p>
@@ -47795,18 +47102,26 @@
               <a:buNone/>
             </a:pPr>
             <a:r>
-              <a:rPr lang="en-US" sz="2000" dirty="0" smtClean="0">
+              <a:rPr lang="en-US" sz="2000" dirty="0">
+                <a:solidFill>
+                  <a:srgbClr val="FFFFFF"/>
+                </a:solidFill>
+              </a:rPr>
+              <a:t>2. Decisions would be based on how the news/ Social feeds have responded to that particular stock</a:t>
+            </a:r>
+          </a:p>
+          <a:p>
+            <a:pPr marL="0" lvl="0" indent="0">
+              <a:buNone/>
+            </a:pPr>
+            <a:r>
+              <a:rPr lang="en-US" sz="2000" dirty="0">
                 <a:solidFill>
                   <a:srgbClr val="FFFFFF"/>
                 </a:solidFill>
               </a:rPr>
               <a:t>3. User-friendly application, where the user can sign up/log in and then can check stock values.</a:t>
             </a:r>
-            <a:endParaRPr lang="en-US" sz="2000" dirty="0">
-              <a:solidFill>
-                <a:srgbClr val="FFFFFF"/>
-              </a:solidFill>
-            </a:endParaRPr>
           </a:p>
           <a:p>
             <a:pPr marL="0" lvl="0" indent="0">
@@ -47842,10 +47157,10 @@
           <p:cNvPr id="12" name="Straight Connector 11">
             <a:extLst>
               <a:ext uri="{FF2B5EF4-FFF2-40B4-BE49-F238E27FC236}">
-                <a16:creationId xmlns:a16="http://schemas.microsoft.com/office/drawing/2014/main" xmlns="" id="{A61721DD-D110-44EE-82A7-D56AB687E614}"/>
+                <a16:creationId xmlns:a16="http://schemas.microsoft.com/office/drawing/2014/main" id="{A61721DD-D110-44EE-82A7-D56AB687E614}"/>
               </a:ext>
               <a:ext uri="{C183D7F6-B498-43B3-948B-1728B52AA6E4}">
-                <adec:decorative xmlns:adec="http://schemas.microsoft.com/office/drawing/2017/decorative" xmlns="" val="1"/>
+                <adec:decorative xmlns:adec="http://schemas.microsoft.com/office/drawing/2017/decorative" val="1"/>
               </a:ext>
             </a:extLst>
           </p:cNvPr>
@@ -47959,13 +47274,6 @@
   <p:clrMapOvr>
     <a:masterClrMapping/>
   </p:clrMapOvr>
-  <p:timing>
-    <p:tnLst>
-      <p:par>
-        <p:cTn id="1" dur="indefinite" restart="never" nodeType="tmRoot"/>
-      </p:par>
-    </p:tnLst>
-  </p:timing>
 </p:sld>
 </file>
 
@@ -48002,10 +47310,9 @@
           <a:lstStyle/>
           <a:p>
             <a:r>
-              <a:rPr lang="en-US" dirty="0" smtClean="0"/>
+              <a:rPr lang="en-US" dirty="0"/>
               <a:t>Technologies used</a:t>
             </a:r>
-            <a:endParaRPr lang="en-US" dirty="0"/>
           </a:p>
         </p:txBody>
       </p:sp>
@@ -48025,46 +47332,45 @@
           <a:lstStyle/>
           <a:p>
             <a:r>
-              <a:rPr lang="en-US" dirty="0" smtClean="0"/>
+              <a:rPr lang="en-US" dirty="0"/>
               <a:t>1. PLAY framework</a:t>
             </a:r>
           </a:p>
           <a:p>
             <a:r>
-              <a:rPr lang="en-US" dirty="0" smtClean="0"/>
+              <a:rPr lang="en-US" dirty="0"/>
               <a:t>2. SPARK time series algorithm</a:t>
             </a:r>
           </a:p>
           <a:p>
             <a:r>
-              <a:rPr lang="en-US" dirty="0" smtClean="0"/>
+              <a:rPr lang="en-US" dirty="0"/>
               <a:t>3. Twitter Sentiment Analysis</a:t>
             </a:r>
           </a:p>
           <a:p>
             <a:r>
-              <a:rPr lang="en-US" dirty="0" smtClean="0"/>
+              <a:rPr lang="en-US" dirty="0"/>
               <a:t>4. AKKA framework</a:t>
             </a:r>
           </a:p>
           <a:p>
             <a:r>
-              <a:rPr lang="en-US" dirty="0" smtClean="0"/>
+              <a:rPr lang="en-US" dirty="0"/>
               <a:t>5. SCALA</a:t>
             </a:r>
           </a:p>
           <a:p>
             <a:r>
-              <a:rPr lang="en-US" dirty="0" smtClean="0"/>
+              <a:rPr lang="en-US" dirty="0"/>
               <a:t>6. D3.js</a:t>
             </a:r>
           </a:p>
           <a:p>
             <a:r>
-              <a:rPr lang="en-US" dirty="0" smtClean="0"/>
+              <a:rPr lang="en-US" dirty="0"/>
               <a:t>7. Python</a:t>
             </a:r>
-            <a:endParaRPr lang="en-US" dirty="0"/>
           </a:p>
         </p:txBody>
       </p:sp>
@@ -48108,13 +47414,6 @@
   <p:clrMapOvr>
     <a:masterClrMapping/>
   </p:clrMapOvr>
-  <p:timing>
-    <p:tnLst>
-      <p:par>
-        <p:cTn id="1" dur="indefinite" restart="never" nodeType="tmRoot"/>
-      </p:par>
-    </p:tnLst>
-  </p:timing>
 </p:sld>
 </file>
 
